--- a/Documentation/Presentations/FinalPresentation.pptx
+++ b/Documentation/Presentations/FinalPresentation.pptx
@@ -5,16 +5,25 @@
     <p:sldMasterId id="2147483648" r:id="rId4"/>
   </p:sldMasterIdLst>
   <p:notesMasterIdLst>
-    <p:notesMasterId r:id="rId12"/>
+    <p:notesMasterId r:id="rId21"/>
   </p:notesMasterIdLst>
   <p:sldIdLst>
     <p:sldId id="256" r:id="rId5"/>
     <p:sldId id="262" r:id="rId6"/>
-    <p:sldId id="282" r:id="rId7"/>
-    <p:sldId id="261" r:id="rId8"/>
-    <p:sldId id="263" r:id="rId9"/>
-    <p:sldId id="281" r:id="rId10"/>
-    <p:sldId id="258" r:id="rId11"/>
+    <p:sldId id="290" r:id="rId7"/>
+    <p:sldId id="291" r:id="rId8"/>
+    <p:sldId id="286" r:id="rId9"/>
+    <p:sldId id="287" r:id="rId10"/>
+    <p:sldId id="282" r:id="rId11"/>
+    <p:sldId id="261" r:id="rId12"/>
+    <p:sldId id="263" r:id="rId13"/>
+    <p:sldId id="283" r:id="rId14"/>
+    <p:sldId id="284" r:id="rId15"/>
+    <p:sldId id="285" r:id="rId16"/>
+    <p:sldId id="288" r:id="rId17"/>
+    <p:sldId id="289" r:id="rId18"/>
+    <p:sldId id="281" r:id="rId19"/>
+    <p:sldId id="258" r:id="rId20"/>
   </p:sldIdLst>
   <p:sldSz cx="9144000" cy="5715000" type="screen16x10"/>
   <p:notesSz cx="6858000" cy="9144000"/>
@@ -155,7 +164,12 @@
 <file path=ppt/revisionInfo.xml><?xml version="1.0" encoding="utf-8"?>
 <p1510:revInfo xmlns:a="http://schemas.openxmlformats.org/drawingml/2006/main" xmlns:r="http://schemas.openxmlformats.org/officeDocument/2006/relationships" xmlns:p1510="http://schemas.microsoft.com/office/powerpoint/2015/10/main">
   <p1510:revLst>
-    <p1510:client id="{63FBD6CA-B6A7-4D06-8329-F0320082AF44}" v="256" dt="2018-10-25T07:21:20.257"/>
+    <p1510:client id="{BF610CF2-F64F-4C2D-A3B6-9A3A6D0B488E}" v="506" dt="2018-11-07T23:07:32.222"/>
+    <p1510:client id="{26D51BD2-0774-4EAC-B895-0B967C16C5C0}" v="2" dt="2018-11-07T21:36:46.756"/>
+    <p1510:client id="{B2C13030-D800-43B7-B12D-CF91BD15FFC7}" v="103" dt="2018-11-07T19:26:58.810"/>
+    <p1510:client id="{76475CD6-44FE-41A5-AC2E-84261A795A04}" v="82" dt="2018-11-07T15:17:25.845"/>
+    <p1510:client id="{F3EE5059-ED14-4960-9C64-6A7D9E04A067}" v="7" dt="2018-11-07T15:16:11.740"/>
+    <p1510:client id="{D4A6F8FB-7A07-49EE-892B-75654280C15F}" v="44" dt="2018-11-07T21:41:29.824"/>
   </p1510:revLst>
 </p1510:revInfo>
 </file>
@@ -163,40 +177,651 @@
 <file path=ppt/changesInfos/changesInfo1.xml><?xml version="1.0" encoding="utf-8"?>
 <pc:chgInfo xmlns:a="http://schemas.openxmlformats.org/drawingml/2006/main" xmlns:r="http://schemas.openxmlformats.org/officeDocument/2006/relationships" xmlns:ac="http://schemas.microsoft.com/office/drawing/2013/main/command" xmlns:pc="http://schemas.microsoft.com/office/powerpoint/2013/main/command">
   <pc:docChgLst>
+    <pc:chgData name="Cristian Capozucco" userId="S::cco18001@student.mdh.se::c4bc8584-4a9c-4ea1-ad2e-d5558672c34a" providerId="AD" clId="Web-{356100E7-2091-49EF-B65D-8410D2D577A5}"/>
+    <pc:docChg chg="modSld">
+      <pc:chgData name="Cristian Capozucco" userId="S::cco18001@student.mdh.se::c4bc8584-4a9c-4ea1-ad2e-d5558672c34a" providerId="AD" clId="Web-{356100E7-2091-49EF-B65D-8410D2D577A5}" dt="2018-11-06T13:31:14.515" v="1" actId="20577"/>
+      <pc:docMkLst>
+        <pc:docMk/>
+      </pc:docMkLst>
+      <pc:sldChg chg="modSp">
+        <pc:chgData name="Cristian Capozucco" userId="S::cco18001@student.mdh.se::c4bc8584-4a9c-4ea1-ad2e-d5558672c34a" providerId="AD" clId="Web-{356100E7-2091-49EF-B65D-8410D2D577A5}" dt="2018-11-06T13:31:14.515" v="0" actId="20577"/>
+        <pc:sldMkLst>
+          <pc:docMk/>
+          <pc:sldMk cId="4283166906" sldId="262"/>
+        </pc:sldMkLst>
+        <pc:spChg chg="mod">
+          <ac:chgData name="Cristian Capozucco" userId="S::cco18001@student.mdh.se::c4bc8584-4a9c-4ea1-ad2e-d5558672c34a" providerId="AD" clId="Web-{356100E7-2091-49EF-B65D-8410D2D577A5}" dt="2018-11-06T13:31:14.515" v="0" actId="20577"/>
+          <ac:spMkLst>
+            <pc:docMk/>
+            <pc:sldMk cId="4283166906" sldId="262"/>
+            <ac:spMk id="2" creationId="{96A51413-AE88-4C8A-8014-E6FEE027D9BF}"/>
+          </ac:spMkLst>
+        </pc:spChg>
+      </pc:sldChg>
+    </pc:docChg>
+  </pc:docChgLst>
+  <pc:docChgLst>
+    <pc:chgData name="Bastien Delbouys" userId="S::bds18002@student.mdh.se::bd00e1b1-de21-4a58-9f48-315acb855e95" providerId="AD" clId="Web-{C5DD9DDE-90FF-4C67-83DC-D5567E649DE3}"/>
+    <pc:docChg chg="addSld modSld">
+      <pc:chgData name="Bastien Delbouys" userId="S::bds18002@student.mdh.se::bd00e1b1-de21-4a58-9f48-315acb855e95" providerId="AD" clId="Web-{C5DD9DDE-90FF-4C67-83DC-D5567E649DE3}" dt="2018-10-17T21:31:11.556" v="26" actId="20577"/>
+      <pc:docMkLst>
+        <pc:docMk/>
+      </pc:docMkLst>
+    </pc:docChg>
+  </pc:docChgLst>
+  <pc:docChgLst>
+    <pc:chgData name="Vladimir Djukanovic" userId="531fee88-bd9b-4ddf-92c3-017dce769294" providerId="ADAL" clId="{B2C13030-D800-43B7-B12D-CF91BD15FFC7}"/>
+    <pc:docChg chg="undo custSel modSld">
+      <pc:chgData name="Vladimir Djukanovic" userId="531fee88-bd9b-4ddf-92c3-017dce769294" providerId="ADAL" clId="{B2C13030-D800-43B7-B12D-CF91BD15FFC7}" dt="2018-11-07T19:27:07.503" v="128" actId="1076"/>
+      <pc:docMkLst>
+        <pc:docMk/>
+      </pc:docMkLst>
+      <pc:sldChg chg="addSp delSp modSp">
+        <pc:chgData name="Vladimir Djukanovic" userId="531fee88-bd9b-4ddf-92c3-017dce769294" providerId="ADAL" clId="{B2C13030-D800-43B7-B12D-CF91BD15FFC7}" dt="2018-11-07T10:07:57.761" v="118" actId="20577"/>
+        <pc:sldMkLst>
+          <pc:docMk/>
+          <pc:sldMk cId="4283166906" sldId="262"/>
+        </pc:sldMkLst>
+        <pc:spChg chg="mod">
+          <ac:chgData name="Vladimir Djukanovic" userId="531fee88-bd9b-4ddf-92c3-017dce769294" providerId="ADAL" clId="{B2C13030-D800-43B7-B12D-CF91BD15FFC7}" dt="2018-11-07T10:07:57.761" v="118" actId="20577"/>
+          <ac:spMkLst>
+            <pc:docMk/>
+            <pc:sldMk cId="4283166906" sldId="262"/>
+            <ac:spMk id="2" creationId="{96A51413-AE88-4C8A-8014-E6FEE027D9BF}"/>
+          </ac:spMkLst>
+        </pc:spChg>
+        <pc:picChg chg="add del">
+          <ac:chgData name="Vladimir Djukanovic" userId="531fee88-bd9b-4ddf-92c3-017dce769294" providerId="ADAL" clId="{B2C13030-D800-43B7-B12D-CF91BD15FFC7}" dt="2018-11-06T13:45:32.475" v="3"/>
+          <ac:picMkLst>
+            <pc:docMk/>
+            <pc:sldMk cId="4283166906" sldId="262"/>
+            <ac:picMk id="5" creationId="{A62242B1-0846-4226-AB3B-C22D55C8D5C8}"/>
+          </ac:picMkLst>
+        </pc:picChg>
+      </pc:sldChg>
+      <pc:sldChg chg="addSp delSp modSp">
+        <pc:chgData name="Vladimir Djukanovic" userId="531fee88-bd9b-4ddf-92c3-017dce769294" providerId="ADAL" clId="{B2C13030-D800-43B7-B12D-CF91BD15FFC7}" dt="2018-11-07T19:27:07.503" v="128" actId="1076"/>
+        <pc:sldMkLst>
+          <pc:docMk/>
+          <pc:sldMk cId="1664140225" sldId="281"/>
+        </pc:sldMkLst>
+        <pc:spChg chg="mod">
+          <ac:chgData name="Vladimir Djukanovic" userId="531fee88-bd9b-4ddf-92c3-017dce769294" providerId="ADAL" clId="{B2C13030-D800-43B7-B12D-CF91BD15FFC7}" dt="2018-11-07T10:08:37.232" v="123" actId="6549"/>
+          <ac:spMkLst>
+            <pc:docMk/>
+            <pc:sldMk cId="1664140225" sldId="281"/>
+            <ac:spMk id="6" creationId="{7C95E0D3-5AA5-41A6-8266-F9D5DF885AC1}"/>
+          </ac:spMkLst>
+        </pc:spChg>
+        <pc:picChg chg="del">
+          <ac:chgData name="Vladimir Djukanovic" userId="531fee88-bd9b-4ddf-92c3-017dce769294" providerId="ADAL" clId="{B2C13030-D800-43B7-B12D-CF91BD15FFC7}" dt="2018-11-07T19:27:02.520" v="127" actId="478"/>
+          <ac:picMkLst>
+            <pc:docMk/>
+            <pc:sldMk cId="1664140225" sldId="281"/>
+            <ac:picMk id="4" creationId="{5F34553B-DFB9-4E90-A45D-36092F2E81F9}"/>
+          </ac:picMkLst>
+        </pc:picChg>
+        <pc:picChg chg="del">
+          <ac:chgData name="Vladimir Djukanovic" userId="531fee88-bd9b-4ddf-92c3-017dce769294" providerId="ADAL" clId="{B2C13030-D800-43B7-B12D-CF91BD15FFC7}" dt="2018-11-07T19:26:58.125" v="124" actId="478"/>
+          <ac:picMkLst>
+            <pc:docMk/>
+            <pc:sldMk cId="1664140225" sldId="281"/>
+            <ac:picMk id="8" creationId="{86606F8B-49F3-4182-8B01-DA8034B0A3D8}"/>
+          </ac:picMkLst>
+        </pc:picChg>
+        <pc:picChg chg="add mod">
+          <ac:chgData name="Vladimir Djukanovic" userId="531fee88-bd9b-4ddf-92c3-017dce769294" providerId="ADAL" clId="{B2C13030-D800-43B7-B12D-CF91BD15FFC7}" dt="2018-11-07T19:27:07.503" v="128" actId="1076"/>
+          <ac:picMkLst>
+            <pc:docMk/>
+            <pc:sldMk cId="1664140225" sldId="281"/>
+            <ac:picMk id="1026" creationId="{14C12B68-6FBA-4544-B6D3-324594613FFF}"/>
+          </ac:picMkLst>
+        </pc:picChg>
+      </pc:sldChg>
+      <pc:sldChg chg="modSp">
+        <pc:chgData name="Vladimir Djukanovic" userId="531fee88-bd9b-4ddf-92c3-017dce769294" providerId="ADAL" clId="{B2C13030-D800-43B7-B12D-CF91BD15FFC7}" dt="2018-11-07T10:07:13.261" v="102"/>
+        <pc:sldMkLst>
+          <pc:docMk/>
+          <pc:sldMk cId="50336258" sldId="282"/>
+        </pc:sldMkLst>
+        <pc:spChg chg="mod">
+          <ac:chgData name="Vladimir Djukanovic" userId="531fee88-bd9b-4ddf-92c3-017dce769294" providerId="ADAL" clId="{B2C13030-D800-43B7-B12D-CF91BD15FFC7}" dt="2018-11-07T10:07:13.261" v="102"/>
+          <ac:spMkLst>
+            <pc:docMk/>
+            <pc:sldMk cId="50336258" sldId="282"/>
+            <ac:spMk id="2" creationId="{33FEAFBD-4A64-4A49-9C91-51F88E9FDA6C}"/>
+          </ac:spMkLst>
+        </pc:spChg>
+      </pc:sldChg>
+    </pc:docChg>
+  </pc:docChgLst>
+  <pc:docChgLst>
+    <pc:chgData name="Bastien Delbouys" userId="S::bds18002@student.mdh.se::bd00e1b1-de21-4a58-9f48-315acb855e95" providerId="AD" clId="Web-{E077BC5E-0129-4CA4-A32E-66CEF32B30E3}"/>
+    <pc:docChg chg="delSld">
+      <pc:chgData name="Bastien Delbouys" userId="S::bds18002@student.mdh.se::bd00e1b1-de21-4a58-9f48-315acb855e95" providerId="AD" clId="Web-{E077BC5E-0129-4CA4-A32E-66CEF32B30E3}" dt="2018-10-17T17:12:42.589" v="1"/>
+      <pc:docMkLst>
+        <pc:docMk/>
+      </pc:docMkLst>
+    </pc:docChg>
+  </pc:docChgLst>
+  <pc:docChgLst>
+    <pc:chgData name="Aleksandar Matovic" userId="S::amc18003@student.mdh.se::e58e9d40-32e3-4171-bbd5-983415c49f51" providerId="AD" clId="Web-{F3EE5059-ED14-4960-9C64-6A7D9E04A067}"/>
+    <pc:docChg chg="addSld modSld">
+      <pc:chgData name="Aleksandar Matovic" userId="S::amc18003@student.mdh.se::e58e9d40-32e3-4171-bbd5-983415c49f51" providerId="AD" clId="Web-{F3EE5059-ED14-4960-9C64-6A7D9E04A067}" dt="2018-11-07T15:17:39.099" v="221"/>
+      <pc:docMkLst>
+        <pc:docMk/>
+      </pc:docMkLst>
+      <pc:sldChg chg="addSp delSp modSp new addAnim modAnim">
+        <pc:chgData name="Aleksandar Matovic" userId="S::amc18003@student.mdh.se::e58e9d40-32e3-4171-bbd5-983415c49f51" providerId="AD" clId="Web-{F3EE5059-ED14-4960-9C64-6A7D9E04A067}" dt="2018-11-07T15:00:08.229" v="138"/>
+        <pc:sldMkLst>
+          <pc:docMk/>
+          <pc:sldMk cId="2396434816" sldId="286"/>
+        </pc:sldMkLst>
+        <pc:spChg chg="mod">
+          <ac:chgData name="Aleksandar Matovic" userId="S::amc18003@student.mdh.se::e58e9d40-32e3-4171-bbd5-983415c49f51" providerId="AD" clId="Web-{F3EE5059-ED14-4960-9C64-6A7D9E04A067}" dt="2018-11-07T14:58:50.839" v="130" actId="20577"/>
+          <ac:spMkLst>
+            <pc:docMk/>
+            <pc:sldMk cId="2396434816" sldId="286"/>
+            <ac:spMk id="2" creationId="{2529FD5C-CF61-4455-955F-5623B2C4A3D7}"/>
+          </ac:spMkLst>
+        </pc:spChg>
+        <pc:spChg chg="mod">
+          <ac:chgData name="Aleksandar Matovic" userId="S::amc18003@student.mdh.se::e58e9d40-32e3-4171-bbd5-983415c49f51" providerId="AD" clId="Web-{F3EE5059-ED14-4960-9C64-6A7D9E04A067}" dt="2018-11-07T14:24:12.235" v="36" actId="14100"/>
+          <ac:spMkLst>
+            <pc:docMk/>
+            <pc:sldMk cId="2396434816" sldId="286"/>
+            <ac:spMk id="4" creationId="{ACAF3672-F823-4383-89D8-B115CC97FCBD}"/>
+          </ac:spMkLst>
+        </pc:spChg>
+        <pc:graphicFrameChg chg="add del mod modGraphic">
+          <ac:chgData name="Aleksandar Matovic" userId="S::amc18003@student.mdh.se::e58e9d40-32e3-4171-bbd5-983415c49f51" providerId="AD" clId="Web-{F3EE5059-ED14-4960-9C64-6A7D9E04A067}" dt="2018-11-07T14:41:15.523" v="46"/>
+          <ac:graphicFrameMkLst>
+            <pc:docMk/>
+            <pc:sldMk cId="2396434816" sldId="286"/>
+            <ac:graphicFrameMk id="5" creationId="{49927982-EE16-4109-B766-11DB0B358405}"/>
+          </ac:graphicFrameMkLst>
+        </pc:graphicFrameChg>
+      </pc:sldChg>
+      <pc:sldChg chg="addSp modSp new addAnim modAnim">
+        <pc:chgData name="Aleksandar Matovic" userId="S::amc18003@student.mdh.se::e58e9d40-32e3-4171-bbd5-983415c49f51" providerId="AD" clId="Web-{F3EE5059-ED14-4960-9C64-6A7D9E04A067}" dt="2018-11-07T15:17:39.099" v="221"/>
+        <pc:sldMkLst>
+          <pc:docMk/>
+          <pc:sldMk cId="2409339484" sldId="287"/>
+        </pc:sldMkLst>
+        <pc:spChg chg="mod">
+          <ac:chgData name="Aleksandar Matovic" userId="S::amc18003@student.mdh.se::e58e9d40-32e3-4171-bbd5-983415c49f51" providerId="AD" clId="Web-{F3EE5059-ED14-4960-9C64-6A7D9E04A067}" dt="2018-11-07T15:15:17.928" v="208" actId="20577"/>
+          <ac:spMkLst>
+            <pc:docMk/>
+            <pc:sldMk cId="2409339484" sldId="287"/>
+            <ac:spMk id="2" creationId="{960FFC59-8FAD-4533-AA98-E8CA10E3C452}"/>
+          </ac:spMkLst>
+        </pc:spChg>
+        <pc:spChg chg="mod">
+          <ac:chgData name="Aleksandar Matovic" userId="S::amc18003@student.mdh.se::e58e9d40-32e3-4171-bbd5-983415c49f51" providerId="AD" clId="Web-{F3EE5059-ED14-4960-9C64-6A7D9E04A067}" dt="2018-11-07T15:10:06.067" v="176" actId="20577"/>
+          <ac:spMkLst>
+            <pc:docMk/>
+            <pc:sldMk cId="2409339484" sldId="287"/>
+            <ac:spMk id="4" creationId="{B00BEC99-BF76-492F-8A1D-C7DC6A6F9565}"/>
+          </ac:spMkLst>
+        </pc:spChg>
+        <pc:picChg chg="add mod">
+          <ac:chgData name="Aleksandar Matovic" userId="S::amc18003@student.mdh.se::e58e9d40-32e3-4171-bbd5-983415c49f51" providerId="AD" clId="Web-{F3EE5059-ED14-4960-9C64-6A7D9E04A067}" dt="2018-11-07T15:16:11.740" v="212" actId="1076"/>
+          <ac:picMkLst>
+            <pc:docMk/>
+            <pc:sldMk cId="2409339484" sldId="287"/>
+            <ac:picMk id="5" creationId="{E114E259-A98B-46DF-9E1B-445559131C2D}"/>
+          </ac:picMkLst>
+        </pc:picChg>
+      </pc:sldChg>
+    </pc:docChg>
+  </pc:docChgLst>
+  <pc:docChgLst>
+    <pc:chgData name="Cristian Capozucco" userId="S::cco18001@student.mdh.se::c4bc8584-4a9c-4ea1-ad2e-d5558672c34a" providerId="AD" clId="Web-{FDDC129E-48BA-4B54-9526-FA5753455DDF}"/>
+    <pc:docChg chg="addSld delSld modSld sldOrd">
+      <pc:chgData name="Cristian Capozucco" userId="S::cco18001@student.mdh.se::c4bc8584-4a9c-4ea1-ad2e-d5558672c34a" providerId="AD" clId="Web-{FDDC129E-48BA-4B54-9526-FA5753455DDF}" dt="2018-10-17T20:02:46.703" v="61"/>
+      <pc:docMkLst>
+        <pc:docMk/>
+      </pc:docMkLst>
+      <pc:sldChg chg="ord">
+        <pc:chgData name="Cristian Capozucco" userId="S::cco18001@student.mdh.se::c4bc8584-4a9c-4ea1-ad2e-d5558672c34a" providerId="AD" clId="Web-{FDDC129E-48BA-4B54-9526-FA5753455DDF}" dt="2018-10-17T20:02:11.921" v="46"/>
+        <pc:sldMkLst>
+          <pc:docMk/>
+          <pc:sldMk cId="1191727229" sldId="258"/>
+        </pc:sldMkLst>
+      </pc:sldChg>
+    </pc:docChg>
+  </pc:docChgLst>
+  <pc:docChgLst>
     <pc:chgData name="Aleksandar Matovic" userId="S::amc18003@student.mdh.se::e58e9d40-32e3-4171-bbd5-983415c49f51" providerId="AD" clId="Web-{59C4440F-5ED1-4546-9D82-1F16CED57FFE}"/>
     <pc:docChg chg="modSld">
       <pc:chgData name="Aleksandar Matovic" userId="S::amc18003@student.mdh.se::e58e9d40-32e3-4171-bbd5-983415c49f51" providerId="AD" clId="Web-{59C4440F-5ED1-4546-9D82-1F16CED57FFE}" dt="2018-10-17T21:59:47.615" v="307"/>
       <pc:docMkLst>
         <pc:docMk/>
       </pc:docMkLst>
-      <pc:sldChg chg="addSp delSp modSp addAnim modAnim">
-        <pc:chgData name="Aleksandar Matovic" userId="S::amc18003@student.mdh.se::e58e9d40-32e3-4171-bbd5-983415c49f51" providerId="AD" clId="Web-{59C4440F-5ED1-4546-9D82-1F16CED57FFE}" dt="2018-10-17T21:59:47.615" v="307"/>
+    </pc:docChg>
+  </pc:docChgLst>
+  <pc:docChgLst>
+    <pc:chgData name="Aleksandar Matovic" userId="S::amc18003@student.mdh.se::e58e9d40-32e3-4171-bbd5-983415c49f51" providerId="AD" clId="Web-{26D51BD2-0774-4EAC-B895-0B967C16C5C0}"/>
+    <pc:docChg chg="addSld modSld">
+      <pc:chgData name="Aleksandar Matovic" userId="S::amc18003@student.mdh.se::e58e9d40-32e3-4171-bbd5-983415c49f51" providerId="AD" clId="Web-{26D51BD2-0774-4EAC-B895-0B967C16C5C0}" dt="2018-11-07T21:36:46.756" v="2" actId="1076"/>
+      <pc:docMkLst>
+        <pc:docMk/>
+      </pc:docMkLst>
+      <pc:sldChg chg="modSp new">
+        <pc:chgData name="Aleksandar Matovic" userId="S::amc18003@student.mdh.se::e58e9d40-32e3-4171-bbd5-983415c49f51" providerId="AD" clId="Web-{26D51BD2-0774-4EAC-B895-0B967C16C5C0}" dt="2018-11-07T21:36:46.756" v="2" actId="1076"/>
         <pc:sldMkLst>
           <pc:docMk/>
-          <pc:sldMk cId="109652283" sldId="270"/>
+          <pc:sldMk cId="2822800845" sldId="290"/>
         </pc:sldMkLst>
         <pc:spChg chg="mod">
-          <ac:chgData name="Aleksandar Matovic" userId="S::amc18003@student.mdh.se::e58e9d40-32e3-4171-bbd5-983415c49f51" providerId="AD" clId="Web-{59C4440F-5ED1-4546-9D82-1F16CED57FFE}" dt="2018-10-17T21:59:09.459" v="301" actId="20577"/>
+          <ac:chgData name="Aleksandar Matovic" userId="S::amc18003@student.mdh.se::e58e9d40-32e3-4171-bbd5-983415c49f51" providerId="AD" clId="Web-{26D51BD2-0774-4EAC-B895-0B967C16C5C0}" dt="2018-11-07T21:36:46.756" v="2" actId="1076"/>
           <ac:spMkLst>
             <pc:docMk/>
-            <pc:sldMk cId="109652283" sldId="270"/>
-            <ac:spMk id="2" creationId="{CA3DFA79-D872-4F75-BCB7-2F540D3AE6D1}"/>
+            <pc:sldMk cId="2822800845" sldId="290"/>
+            <ac:spMk id="2" creationId="{5AD53223-F2DE-4033-B9CC-EC5C62D2D4B8}"/>
+          </ac:spMkLst>
+        </pc:spChg>
+      </pc:sldChg>
+    </pc:docChg>
+  </pc:docChgLst>
+  <pc:docChgLst>
+    <pc:chgData name="Aleksandar Matovic" userId="S::amc18003@student.mdh.se::e58e9d40-32e3-4171-bbd5-983415c49f51" providerId="AD" clId="Web-{71D96566-B240-4F8E-BBDF-46F052812933}"/>
+    <pc:docChg chg="addSld modSld">
+      <pc:chgData name="Aleksandar Matovic" userId="S::amc18003@student.mdh.se::e58e9d40-32e3-4171-bbd5-983415c49f51" providerId="AD" clId="Web-{71D96566-B240-4F8E-BBDF-46F052812933}" dt="2018-10-17T19:10:20.479" v="5" actId="20577"/>
+      <pc:docMkLst>
+        <pc:docMk/>
+      </pc:docMkLst>
+    </pc:docChg>
+  </pc:docChgLst>
+  <pc:docChgLst>
+    <pc:chgData name="Aleksandar Matovic" userId="S::amc18003@student.mdh.se::e58e9d40-32e3-4171-bbd5-983415c49f51" providerId="AD" clId="Web-{3BC902EC-5A22-4A9B-8739-2418CE636A65}"/>
+    <pc:docChg chg="modSld">
+      <pc:chgData name="Aleksandar Matovic" userId="S::amc18003@student.mdh.se::e58e9d40-32e3-4171-bbd5-983415c49f51" providerId="AD" clId="Web-{3BC902EC-5A22-4A9B-8739-2418CE636A65}" dt="2018-11-04T00:28:15.655" v="7" actId="20577"/>
+      <pc:docMkLst>
+        <pc:docMk/>
+      </pc:docMkLst>
+      <pc:sldChg chg="modSp">
+        <pc:chgData name="Aleksandar Matovic" userId="S::amc18003@student.mdh.se::e58e9d40-32e3-4171-bbd5-983415c49f51" providerId="AD" clId="Web-{3BC902EC-5A22-4A9B-8739-2418CE636A65}" dt="2018-11-04T00:28:15.655" v="6" actId="20577"/>
+        <pc:sldMkLst>
+          <pc:docMk/>
+          <pc:sldMk cId="4283166906" sldId="262"/>
+        </pc:sldMkLst>
+        <pc:spChg chg="mod">
+          <ac:chgData name="Aleksandar Matovic" userId="S::amc18003@student.mdh.se::e58e9d40-32e3-4171-bbd5-983415c49f51" providerId="AD" clId="Web-{3BC902EC-5A22-4A9B-8739-2418CE636A65}" dt="2018-11-04T00:28:15.655" v="6" actId="20577"/>
+          <ac:spMkLst>
+            <pc:docMk/>
+            <pc:sldMk cId="4283166906" sldId="262"/>
+            <ac:spMk id="2" creationId="{96A51413-AE88-4C8A-8014-E6FEE027D9BF}"/>
+          </ac:spMkLst>
+        </pc:spChg>
+      </pc:sldChg>
+    </pc:docChg>
+  </pc:docChgLst>
+  <pc:docChgLst>
+    <pc:chgData name="Cristian Capozucco" userId="S::cco18001@student.mdh.se::c4bc8584-4a9c-4ea1-ad2e-d5558672c34a" providerId="AD" clId="Web-{4A05A860-4FDA-4573-83C1-5A7EB3BB901B}"/>
+    <pc:docChg chg="modSld">
+      <pc:chgData name="Cristian Capozucco" userId="S::cco18001@student.mdh.se::c4bc8584-4a9c-4ea1-ad2e-d5558672c34a" providerId="AD" clId="Web-{4A05A860-4FDA-4573-83C1-5A7EB3BB901B}" dt="2018-10-17T12:54:19.634" v="5" actId="1076"/>
+      <pc:docMkLst>
+        <pc:docMk/>
+      </pc:docMkLst>
+      <pc:sldChg chg="addSp modSp">
+        <pc:chgData name="Cristian Capozucco" userId="S::cco18001@student.mdh.se::c4bc8584-4a9c-4ea1-ad2e-d5558672c34a" providerId="AD" clId="Web-{4A05A860-4FDA-4573-83C1-5A7EB3BB901B}" dt="2018-10-17T12:54:19.634" v="5" actId="1076"/>
+        <pc:sldMkLst>
+          <pc:docMk/>
+          <pc:sldMk cId="3809576940" sldId="261"/>
+        </pc:sldMkLst>
+        <pc:picChg chg="add mod">
+          <ac:chgData name="Cristian Capozucco" userId="S::cco18001@student.mdh.se::c4bc8584-4a9c-4ea1-ad2e-d5558672c34a" providerId="AD" clId="Web-{4A05A860-4FDA-4573-83C1-5A7EB3BB901B}" dt="2018-10-17T12:54:19.634" v="5" actId="1076"/>
+          <ac:picMkLst>
+            <pc:docMk/>
+            <pc:sldMk cId="3809576940" sldId="261"/>
+            <ac:picMk id="4" creationId="{E3A9BB91-5528-4377-87BC-D564598202DE}"/>
+          </ac:picMkLst>
+        </pc:picChg>
+      </pc:sldChg>
+    </pc:docChg>
+  </pc:docChgLst>
+  <pc:docChgLst>
+    <pc:chgData name="Aleksandar Matovic" userId="S::amc18003@student.mdh.se::e58e9d40-32e3-4171-bbd5-983415c49f51" providerId="AD" clId="Web-{D4A6F8FB-7A07-49EE-892B-75654280C15F}"/>
+    <pc:docChg chg="addSld modSld sldOrd">
+      <pc:chgData name="Aleksandar Matovic" userId="S::amc18003@student.mdh.se::e58e9d40-32e3-4171-bbd5-983415c49f51" providerId="AD" clId="Web-{D4A6F8FB-7A07-49EE-892B-75654280C15F}" dt="2018-11-07T21:43:51.825" v="77"/>
+      <pc:docMkLst>
+        <pc:docMk/>
+      </pc:docMkLst>
+      <pc:sldChg chg="ord">
+        <pc:chgData name="Aleksandar Matovic" userId="S::amc18003@student.mdh.se::e58e9d40-32e3-4171-bbd5-983415c49f51" providerId="AD" clId="Web-{D4A6F8FB-7A07-49EE-892B-75654280C15F}" dt="2018-11-07T21:43:51.825" v="77"/>
+        <pc:sldMkLst>
+          <pc:docMk/>
+          <pc:sldMk cId="50336258" sldId="282"/>
+        </pc:sldMkLst>
+      </pc:sldChg>
+      <pc:sldChg chg="modSp">
+        <pc:chgData name="Aleksandar Matovic" userId="S::amc18003@student.mdh.se::e58e9d40-32e3-4171-bbd5-983415c49f51" providerId="AD" clId="Web-{D4A6F8FB-7A07-49EE-892B-75654280C15F}" dt="2018-11-07T21:41:29.824" v="76" actId="14100"/>
+        <pc:sldMkLst>
+          <pc:docMk/>
+          <pc:sldMk cId="2822800845" sldId="290"/>
+        </pc:sldMkLst>
+        <pc:spChg chg="mod">
+          <ac:chgData name="Aleksandar Matovic" userId="S::amc18003@student.mdh.se::e58e9d40-32e3-4171-bbd5-983415c49f51" providerId="AD" clId="Web-{D4A6F8FB-7A07-49EE-892B-75654280C15F}" dt="2018-11-07T21:41:29.824" v="76" actId="14100"/>
+          <ac:spMkLst>
+            <pc:docMk/>
+            <pc:sldMk cId="2822800845" sldId="290"/>
+            <ac:spMk id="2" creationId="{5AD53223-F2DE-4033-B9CC-EC5C62D2D4B8}"/>
           </ac:spMkLst>
         </pc:spChg>
         <pc:spChg chg="mod">
-          <ac:chgData name="Aleksandar Matovic" userId="S::amc18003@student.mdh.se::e58e9d40-32e3-4171-bbd5-983415c49f51" providerId="AD" clId="Web-{59C4440F-5ED1-4546-9D82-1F16CED57FFE}" dt="2018-10-17T21:26:28.911" v="8" actId="14100"/>
+          <ac:chgData name="Aleksandar Matovic" userId="S::amc18003@student.mdh.se::e58e9d40-32e3-4171-bbd5-983415c49f51" providerId="AD" clId="Web-{D4A6F8FB-7A07-49EE-892B-75654280C15F}" dt="2018-11-07T21:35:55.541" v="39" actId="1076"/>
           <ac:spMkLst>
             <pc:docMk/>
-            <pc:sldMk cId="109652283" sldId="270"/>
-            <ac:spMk id="4" creationId="{DA018914-5596-4FF1-87B6-64BF18A73C97}"/>
+            <pc:sldMk cId="2822800845" sldId="290"/>
+            <ac:spMk id="4" creationId="{E375AFA5-A85D-45E1-B843-537D8AB0367A}"/>
           </ac:spMkLst>
         </pc:spChg>
-        <pc:picChg chg="add del mod">
-          <ac:chgData name="Aleksandar Matovic" userId="S::amc18003@student.mdh.se::e58e9d40-32e3-4171-bbd5-983415c49f51" providerId="AD" clId="Web-{59C4440F-5ED1-4546-9D82-1F16CED57FFE}" dt="2018-10-17T21:40:22.457" v="55"/>
+      </pc:sldChg>
+      <pc:sldChg chg="modSp new">
+        <pc:chgData name="Aleksandar Matovic" userId="S::amc18003@student.mdh.se::e58e9d40-32e3-4171-bbd5-983415c49f51" providerId="AD" clId="Web-{D4A6F8FB-7A07-49EE-892B-75654280C15F}" dt="2018-11-07T21:39:20.058" v="74" actId="1076"/>
+        <pc:sldMkLst>
+          <pc:docMk/>
+          <pc:sldMk cId="1074595966" sldId="291"/>
+        </pc:sldMkLst>
+        <pc:spChg chg="mod">
+          <ac:chgData name="Aleksandar Matovic" userId="S::amc18003@student.mdh.se::e58e9d40-32e3-4171-bbd5-983415c49f51" providerId="AD" clId="Web-{D4A6F8FB-7A07-49EE-892B-75654280C15F}" dt="2018-11-07T21:38:25.448" v="73" actId="1076"/>
+          <ac:spMkLst>
+            <pc:docMk/>
+            <pc:sldMk cId="1074595966" sldId="291"/>
+            <ac:spMk id="2" creationId="{46CFF161-5D03-4741-94A3-FDAB29D6EE52}"/>
+          </ac:spMkLst>
+        </pc:spChg>
+        <pc:spChg chg="mod">
+          <ac:chgData name="Aleksandar Matovic" userId="S::amc18003@student.mdh.se::e58e9d40-32e3-4171-bbd5-983415c49f51" providerId="AD" clId="Web-{D4A6F8FB-7A07-49EE-892B-75654280C15F}" dt="2018-11-07T21:39:20.058" v="74" actId="1076"/>
+          <ac:spMkLst>
+            <pc:docMk/>
+            <pc:sldMk cId="1074595966" sldId="291"/>
+            <ac:spMk id="4" creationId="{4F64FBDE-F401-4962-A9FE-F1140D8F7378}"/>
+          </ac:spMkLst>
+        </pc:spChg>
+      </pc:sldChg>
+    </pc:docChg>
+  </pc:docChgLst>
+  <pc:docChgLst>
+    <pc:chgData name="Bastien Delbouys" userId="S::bds18002@student.mdh.se::bd00e1b1-de21-4a58-9f48-315acb855e95" providerId="AD" clId="Web-{76475CD6-44FE-41A5-AC2E-84261A795A04}"/>
+    <pc:docChg chg="addSld modSld">
+      <pc:chgData name="Bastien Delbouys" userId="S::bds18002@student.mdh.se::bd00e1b1-de21-4a58-9f48-315acb855e95" providerId="AD" clId="Web-{76475CD6-44FE-41A5-AC2E-84261A795A04}" dt="2018-11-07T15:17:26.329" v="171" actId="20577"/>
+      <pc:docMkLst>
+        <pc:docMk/>
+      </pc:docMkLst>
+      <pc:sldChg chg="modSp new">
+        <pc:chgData name="Bastien Delbouys" userId="S::bds18002@student.mdh.se::bd00e1b1-de21-4a58-9f48-315acb855e95" providerId="AD" clId="Web-{76475CD6-44FE-41A5-AC2E-84261A795A04}" dt="2018-11-07T15:17:25.845" v="169" actId="20577"/>
+        <pc:sldMkLst>
+          <pc:docMk/>
+          <pc:sldMk cId="275817620" sldId="288"/>
+        </pc:sldMkLst>
+        <pc:spChg chg="mod">
+          <ac:chgData name="Bastien Delbouys" userId="S::bds18002@student.mdh.se::bd00e1b1-de21-4a58-9f48-315acb855e95" providerId="AD" clId="Web-{76475CD6-44FE-41A5-AC2E-84261A795A04}" dt="2018-11-07T15:16:44.641" v="164" actId="20577"/>
+          <ac:spMkLst>
+            <pc:docMk/>
+            <pc:sldMk cId="275817620" sldId="288"/>
+            <ac:spMk id="2" creationId="{DC0B5CE3-D4DD-44F6-AED7-45FFD24F1F91}"/>
+          </ac:spMkLst>
+        </pc:spChg>
+        <pc:spChg chg="mod">
+          <ac:chgData name="Bastien Delbouys" userId="S::bds18002@student.mdh.se::bd00e1b1-de21-4a58-9f48-315acb855e95" providerId="AD" clId="Web-{76475CD6-44FE-41A5-AC2E-84261A795A04}" dt="2018-11-07T15:17:25.845" v="169" actId="20577"/>
+          <ac:spMkLst>
+            <pc:docMk/>
+            <pc:sldMk cId="275817620" sldId="288"/>
+            <ac:spMk id="4" creationId="{D6B4CCA7-68BD-4827-BE8F-D0565DF7128C}"/>
+          </ac:spMkLst>
+        </pc:spChg>
+      </pc:sldChg>
+      <pc:sldChg chg="modSp add replId">
+        <pc:chgData name="Bastien Delbouys" userId="S::bds18002@student.mdh.se::bd00e1b1-de21-4a58-9f48-315acb855e95" providerId="AD" clId="Web-{76475CD6-44FE-41A5-AC2E-84261A795A04}" dt="2018-11-07T15:16:40.829" v="158" actId="20577"/>
+        <pc:sldMkLst>
+          <pc:docMk/>
+          <pc:sldMk cId="952673919" sldId="289"/>
+        </pc:sldMkLst>
+        <pc:spChg chg="mod">
+          <ac:chgData name="Bastien Delbouys" userId="S::bds18002@student.mdh.se::bd00e1b1-de21-4a58-9f48-315acb855e95" providerId="AD" clId="Web-{76475CD6-44FE-41A5-AC2E-84261A795A04}" dt="2018-11-07T15:16:40.829" v="158" actId="20577"/>
+          <ac:spMkLst>
+            <pc:docMk/>
+            <pc:sldMk cId="952673919" sldId="289"/>
+            <ac:spMk id="2" creationId="{DC0B5CE3-D4DD-44F6-AED7-45FFD24F1F91}"/>
+          </ac:spMkLst>
+        </pc:spChg>
+        <pc:spChg chg="mod">
+          <ac:chgData name="Bastien Delbouys" userId="S::bds18002@student.mdh.se::bd00e1b1-de21-4a58-9f48-315acb855e95" providerId="AD" clId="Web-{76475CD6-44FE-41A5-AC2E-84261A795A04}" dt="2018-11-07T15:16:38.579" v="155" actId="20577"/>
+          <ac:spMkLst>
+            <pc:docMk/>
+            <pc:sldMk cId="952673919" sldId="289"/>
+            <ac:spMk id="4" creationId="{D6B4CCA7-68BD-4827-BE8F-D0565DF7128C}"/>
+          </ac:spMkLst>
+        </pc:spChg>
+      </pc:sldChg>
+    </pc:docChg>
+  </pc:docChgLst>
+  <pc:docChgLst>
+    <pc:chgData name="Cristian Capozucco" userId="S::cco18001@student.mdh.se::c4bc8584-4a9c-4ea1-ad2e-d5558672c34a" providerId="AD" clId="Web-{BCC70B4D-C55B-41FF-B11A-0BD8074AFD00}"/>
+    <pc:docChg chg="modSld">
+      <pc:chgData name="Cristian Capozucco" userId="S::cco18001@student.mdh.se::c4bc8584-4a9c-4ea1-ad2e-d5558672c34a" providerId="AD" clId="Web-{BCC70B4D-C55B-41FF-B11A-0BD8074AFD00}" dt="2018-10-24T21:38:55.303" v="6" actId="14100"/>
+      <pc:docMkLst>
+        <pc:docMk/>
+      </pc:docMkLst>
+      <pc:sldChg chg="addSp delSp modSp">
+        <pc:chgData name="Cristian Capozucco" userId="S::cco18001@student.mdh.se::c4bc8584-4a9c-4ea1-ad2e-d5558672c34a" providerId="AD" clId="Web-{BCC70B4D-C55B-41FF-B11A-0BD8074AFD00}" dt="2018-10-24T21:38:55.303" v="6" actId="14100"/>
+        <pc:sldMkLst>
+          <pc:docMk/>
+          <pc:sldMk cId="3809576940" sldId="261"/>
+        </pc:sldMkLst>
+        <pc:picChg chg="add mod">
+          <ac:chgData name="Cristian Capozucco" userId="S::cco18001@student.mdh.se::c4bc8584-4a9c-4ea1-ad2e-d5558672c34a" providerId="AD" clId="Web-{BCC70B4D-C55B-41FF-B11A-0BD8074AFD00}" dt="2018-10-24T21:38:55.303" v="6" actId="14100"/>
           <ac:picMkLst>
             <pc:docMk/>
-            <pc:sldMk cId="109652283" sldId="270"/>
-            <ac:picMk id="5" creationId="{59F09E3A-89E0-482F-B8F4-D4A419B781AC}"/>
+            <pc:sldMk cId="3809576940" sldId="261"/>
+            <ac:picMk id="4" creationId="{A85CD36E-5DE1-4B7E-8B6D-A680FE48A97F}"/>
+          </ac:picMkLst>
+        </pc:picChg>
+        <pc:picChg chg="del">
+          <ac:chgData name="Cristian Capozucco" userId="S::cco18001@student.mdh.se::c4bc8584-4a9c-4ea1-ad2e-d5558672c34a" providerId="AD" clId="Web-{BCC70B4D-C55B-41FF-B11A-0BD8074AFD00}" dt="2018-10-24T21:37:47.287" v="0"/>
+          <ac:picMkLst>
+            <pc:docMk/>
+            <pc:sldMk cId="3809576940" sldId="261"/>
+            <ac:picMk id="7" creationId="{6CD66E97-C343-4A7B-B9EF-052FC1716CA8}"/>
+          </ac:picMkLst>
+        </pc:picChg>
+      </pc:sldChg>
+    </pc:docChg>
+  </pc:docChgLst>
+  <pc:docChgLst>
+    <pc:chgData name="Cristian Capozucco" userId="S::cco18001@student.mdh.se::c4bc8584-4a9c-4ea1-ad2e-d5558672c34a" providerId="AD" clId="Web-{A3997F3B-BE2D-4091-8D5D-A2ADEB6E256C}"/>
+    <pc:docChg chg="modSld">
+      <pc:chgData name="Cristian Capozucco" userId="S::cco18001@student.mdh.se::c4bc8584-4a9c-4ea1-ad2e-d5558672c34a" providerId="AD" clId="Web-{A3997F3B-BE2D-4091-8D5D-A2ADEB6E256C}" dt="2018-10-24T21:31:48.758" v="13" actId="14100"/>
+      <pc:docMkLst>
+        <pc:docMk/>
+      </pc:docMkLst>
+      <pc:sldChg chg="addSp delSp modSp">
+        <pc:chgData name="Cristian Capozucco" userId="S::cco18001@student.mdh.se::c4bc8584-4a9c-4ea1-ad2e-d5558672c34a" providerId="AD" clId="Web-{A3997F3B-BE2D-4091-8D5D-A2ADEB6E256C}" dt="2018-10-24T21:31:48.758" v="13" actId="14100"/>
+        <pc:sldMkLst>
+          <pc:docMk/>
+          <pc:sldMk cId="3809576940" sldId="261"/>
+        </pc:sldMkLst>
+        <pc:picChg chg="add del mod">
+          <ac:chgData name="Cristian Capozucco" userId="S::cco18001@student.mdh.se::c4bc8584-4a9c-4ea1-ad2e-d5558672c34a" providerId="AD" clId="Web-{A3997F3B-BE2D-4091-8D5D-A2ADEB6E256C}" dt="2018-10-24T21:09:12.303" v="6"/>
+          <ac:picMkLst>
+            <pc:docMk/>
+            <pc:sldMk cId="3809576940" sldId="261"/>
+            <ac:picMk id="4" creationId="{EAE0B3EC-39E2-4569-88F2-E732272D5DE9}"/>
+          </ac:picMkLst>
+        </pc:picChg>
+        <pc:picChg chg="del">
+          <ac:chgData name="Cristian Capozucco" userId="S::cco18001@student.mdh.se::c4bc8584-4a9c-4ea1-ad2e-d5558672c34a" providerId="AD" clId="Web-{A3997F3B-BE2D-4091-8D5D-A2ADEB6E256C}" dt="2018-10-24T21:08:24.662" v="0"/>
+          <ac:picMkLst>
+            <pc:docMk/>
+            <pc:sldMk cId="3809576940" sldId="261"/>
+            <ac:picMk id="5" creationId="{E1042A29-F4E2-4CEB-82C4-1ED4D0A67031}"/>
+          </ac:picMkLst>
+        </pc:picChg>
+        <pc:picChg chg="add mod">
+          <ac:chgData name="Cristian Capozucco" userId="S::cco18001@student.mdh.se::c4bc8584-4a9c-4ea1-ad2e-d5558672c34a" providerId="AD" clId="Web-{A3997F3B-BE2D-4091-8D5D-A2ADEB6E256C}" dt="2018-10-24T21:31:48.758" v="13" actId="14100"/>
+          <ac:picMkLst>
+            <pc:docMk/>
+            <pc:sldMk cId="3809576940" sldId="261"/>
+            <ac:picMk id="7" creationId="{6CD66E97-C343-4A7B-B9EF-052FC1716CA8}"/>
+          </ac:picMkLst>
+        </pc:picChg>
+      </pc:sldChg>
+    </pc:docChg>
+  </pc:docChgLst>
+  <pc:docChgLst>
+    <pc:chgData name="Cristian Capozucco" userId="S::cco18001@student.mdh.se::c4bc8584-4a9c-4ea1-ad2e-d5558672c34a" providerId="AD" clId="Web-{20A9C2D8-2A8D-4084-9AD2-11E45B8BBB79}"/>
+    <pc:docChg chg="addSld modSld">
+      <pc:chgData name="Cristian Capozucco" userId="S::cco18001@student.mdh.se::c4bc8584-4a9c-4ea1-ad2e-d5558672c34a" providerId="AD" clId="Web-{20A9C2D8-2A8D-4084-9AD2-11E45B8BBB79}" dt="2018-10-17T12:49:11.706" v="38" actId="20577"/>
+      <pc:docMkLst>
+        <pc:docMk/>
+      </pc:docMkLst>
+      <pc:sldChg chg="modSp new">
+        <pc:chgData name="Cristian Capozucco" userId="S::cco18001@student.mdh.se::c4bc8584-4a9c-4ea1-ad2e-d5558672c34a" providerId="AD" clId="Web-{20A9C2D8-2A8D-4084-9AD2-11E45B8BBB79}" dt="2018-10-17T12:49:11.706" v="37" actId="20577"/>
+        <pc:sldMkLst>
+          <pc:docMk/>
+          <pc:sldMk cId="3809576940" sldId="261"/>
+        </pc:sldMkLst>
+        <pc:spChg chg="mod">
+          <ac:chgData name="Cristian Capozucco" userId="S::cco18001@student.mdh.se::c4bc8584-4a9c-4ea1-ad2e-d5558672c34a" providerId="AD" clId="Web-{20A9C2D8-2A8D-4084-9AD2-11E45B8BBB79}" dt="2018-10-17T12:49:11.706" v="37" actId="20577"/>
+          <ac:spMkLst>
+            <pc:docMk/>
+            <pc:sldMk cId="3809576940" sldId="261"/>
+            <ac:spMk id="3" creationId="{7001C690-927B-4312-BBDD-20D7E43CDC8F}"/>
+          </ac:spMkLst>
+        </pc:spChg>
+      </pc:sldChg>
+    </pc:docChg>
+  </pc:docChgLst>
+  <pc:docChgLst>
+    <pc:chgData name="Cristian Capozucco" userId="S::cco18001@student.mdh.se::c4bc8584-4a9c-4ea1-ad2e-d5558672c34a" providerId="AD" clId="Web-{8F53A716-23AA-480E-BD34-72222C91FCCE}"/>
+    <pc:docChg chg="addSld delSld modSld">
+      <pc:chgData name="Cristian Capozucco" userId="S::cco18001@student.mdh.se::c4bc8584-4a9c-4ea1-ad2e-d5558672c34a" providerId="AD" clId="Web-{8F53A716-23AA-480E-BD34-72222C91FCCE}" dt="2018-10-18T07:37:50.934" v="96"/>
+      <pc:docMkLst>
+        <pc:docMk/>
+      </pc:docMkLst>
+      <pc:sldChg chg="modSp">
+        <pc:chgData name="Cristian Capozucco" userId="S::cco18001@student.mdh.se::c4bc8584-4a9c-4ea1-ad2e-d5558672c34a" providerId="AD" clId="Web-{8F53A716-23AA-480E-BD34-72222C91FCCE}" dt="2018-10-18T07:35:09.245" v="79" actId="1076"/>
+        <pc:sldMkLst>
+          <pc:docMk/>
+          <pc:sldMk cId="1846452602" sldId="263"/>
+        </pc:sldMkLst>
+        <pc:picChg chg="mod">
+          <ac:chgData name="Cristian Capozucco" userId="S::cco18001@student.mdh.se::c4bc8584-4a9c-4ea1-ad2e-d5558672c34a" providerId="AD" clId="Web-{8F53A716-23AA-480E-BD34-72222C91FCCE}" dt="2018-10-18T07:35:09.245" v="79" actId="1076"/>
+          <ac:picMkLst>
+            <pc:docMk/>
+            <pc:sldMk cId="1846452602" sldId="263"/>
+            <ac:picMk id="9" creationId="{015C1E04-5209-4077-A4CD-50290DDC2F7B}"/>
+          </ac:picMkLst>
+        </pc:picChg>
+      </pc:sldChg>
+    </pc:docChg>
+  </pc:docChgLst>
+  <pc:docChgLst>
+    <pc:chgData name="Cristian Capozucco" userId="S::cco18001@student.mdh.se::c4bc8584-4a9c-4ea1-ad2e-d5558672c34a" providerId="AD" clId="Web-{9162A5C3-42AC-47AA-8D3C-9C34EBA0A023}"/>
+    <pc:docChg chg="addSld delSld modSld">
+      <pc:chgData name="Cristian Capozucco" userId="S::cco18001@student.mdh.se::c4bc8584-4a9c-4ea1-ad2e-d5558672c34a" providerId="AD" clId="Web-{9162A5C3-42AC-47AA-8D3C-9C34EBA0A023}" dt="2018-11-06T16:24:43.335" v="126" actId="20577"/>
+      <pc:docMkLst>
+        <pc:docMk/>
+      </pc:docMkLst>
+      <pc:sldChg chg="addSp delSp modSp new">
+        <pc:chgData name="Cristian Capozucco" userId="S::cco18001@student.mdh.se::c4bc8584-4a9c-4ea1-ad2e-d5558672c34a" providerId="AD" clId="Web-{9162A5C3-42AC-47AA-8D3C-9C34EBA0A023}" dt="2018-11-06T16:21:15.660" v="47" actId="20577"/>
+        <pc:sldMkLst>
+          <pc:docMk/>
+          <pc:sldMk cId="1719830945" sldId="283"/>
+        </pc:sldMkLst>
+        <pc:spChg chg="del">
+          <ac:chgData name="Cristian Capozucco" userId="S::cco18001@student.mdh.se::c4bc8584-4a9c-4ea1-ad2e-d5558672c34a" providerId="AD" clId="Web-{9162A5C3-42AC-47AA-8D3C-9C34EBA0A023}" dt="2018-11-06T16:17:28.406" v="10"/>
+          <ac:spMkLst>
+            <pc:docMk/>
+            <pc:sldMk cId="1719830945" sldId="283"/>
+            <ac:spMk id="2" creationId="{50930BC9-8FE6-414F-A301-3D5DE938C0B7}"/>
+          </ac:spMkLst>
+        </pc:spChg>
+        <pc:spChg chg="mod">
+          <ac:chgData name="Cristian Capozucco" userId="S::cco18001@student.mdh.se::c4bc8584-4a9c-4ea1-ad2e-d5558672c34a" providerId="AD" clId="Web-{9162A5C3-42AC-47AA-8D3C-9C34EBA0A023}" dt="2018-11-06T16:21:15.660" v="47" actId="20577"/>
+          <ac:spMkLst>
+            <pc:docMk/>
+            <pc:sldMk cId="1719830945" sldId="283"/>
+            <ac:spMk id="4" creationId="{5A166410-317D-4DE6-B4CB-EBD9B6BE401F}"/>
+          </ac:spMkLst>
+        </pc:spChg>
+        <pc:picChg chg="add mod">
+          <ac:chgData name="Cristian Capozucco" userId="S::cco18001@student.mdh.se::c4bc8584-4a9c-4ea1-ad2e-d5558672c34a" providerId="AD" clId="Web-{9162A5C3-42AC-47AA-8D3C-9C34EBA0A023}" dt="2018-11-06T16:17:46.234" v="14" actId="14100"/>
+          <ac:picMkLst>
+            <pc:docMk/>
+            <pc:sldMk cId="1719830945" sldId="283"/>
+            <ac:picMk id="5" creationId="{F2DEE57B-274E-4CED-AC80-BCF9DE25DE67}"/>
+          </ac:picMkLst>
+        </pc:picChg>
+      </pc:sldChg>
+      <pc:sldChg chg="addSp modSp new">
+        <pc:chgData name="Cristian Capozucco" userId="S::cco18001@student.mdh.se::c4bc8584-4a9c-4ea1-ad2e-d5558672c34a" providerId="AD" clId="Web-{9162A5C3-42AC-47AA-8D3C-9C34EBA0A023}" dt="2018-11-06T16:24:42.226" v="124" actId="20577"/>
+        <pc:sldMkLst>
+          <pc:docMk/>
+          <pc:sldMk cId="1756100232" sldId="284"/>
+        </pc:sldMkLst>
+        <pc:spChg chg="mod">
+          <ac:chgData name="Cristian Capozucco" userId="S::cco18001@student.mdh.se::c4bc8584-4a9c-4ea1-ad2e-d5558672c34a" providerId="AD" clId="Web-{9162A5C3-42AC-47AA-8D3C-9C34EBA0A023}" dt="2018-11-06T16:24:42.226" v="124" actId="20577"/>
+          <ac:spMkLst>
+            <pc:docMk/>
+            <pc:sldMk cId="1756100232" sldId="284"/>
+            <ac:spMk id="3" creationId="{5AFAC6A2-62CF-4166-BD49-CEF5B50604DB}"/>
+          </ac:spMkLst>
+        </pc:spChg>
+        <pc:picChg chg="add mod">
+          <ac:chgData name="Cristian Capozucco" userId="S::cco18001@student.mdh.se::c4bc8584-4a9c-4ea1-ad2e-d5558672c34a" providerId="AD" clId="Web-{9162A5C3-42AC-47AA-8D3C-9C34EBA0A023}" dt="2018-11-06T16:22:21.505" v="80" actId="1076"/>
+          <ac:picMkLst>
+            <pc:docMk/>
+            <pc:sldMk cId="1756100232" sldId="284"/>
+            <ac:picMk id="4" creationId="{A852DB6C-DE0C-4820-A93D-D218DCAB8636}"/>
+          </ac:picMkLst>
+        </pc:picChg>
+      </pc:sldChg>
+      <pc:sldChg chg="addSp delSp modSp new del">
+        <pc:chgData name="Cristian Capozucco" userId="S::cco18001@student.mdh.se::c4bc8584-4a9c-4ea1-ad2e-d5558672c34a" providerId="AD" clId="Web-{9162A5C3-42AC-47AA-8D3C-9C34EBA0A023}" dt="2018-11-06T16:20:40.878" v="31"/>
+        <pc:sldMkLst>
+          <pc:docMk/>
+          <pc:sldMk cId="2285891451" sldId="284"/>
+        </pc:sldMkLst>
+        <pc:picChg chg="add del mod">
+          <ac:chgData name="Cristian Capozucco" userId="S::cco18001@student.mdh.se::c4bc8584-4a9c-4ea1-ad2e-d5558672c34a" providerId="AD" clId="Web-{9162A5C3-42AC-47AA-8D3C-9C34EBA0A023}" dt="2018-11-06T16:20:04.205" v="21"/>
+          <ac:picMkLst>
+            <pc:docMk/>
+            <pc:sldMk cId="2285891451" sldId="284"/>
+            <ac:picMk id="3" creationId="{537FBE83-EC87-48F4-B434-11A63E93B9ED}"/>
+          </ac:picMkLst>
+        </pc:picChg>
+        <pc:picChg chg="add mod">
+          <ac:chgData name="Cristian Capozucco" userId="S::cco18001@student.mdh.se::c4bc8584-4a9c-4ea1-ad2e-d5558672c34a" providerId="AD" clId="Web-{9162A5C3-42AC-47AA-8D3C-9C34EBA0A023}" dt="2018-11-06T16:20:34.878" v="30" actId="1076"/>
+          <ac:picMkLst>
+            <pc:docMk/>
+            <pc:sldMk cId="2285891451" sldId="284"/>
+            <ac:picMk id="5" creationId="{F9C396A5-CCE3-41A1-8A45-62841F009E4E}"/>
+          </ac:picMkLst>
+        </pc:picChg>
+      </pc:sldChg>
+      <pc:sldChg chg="addSp modSp new">
+        <pc:chgData name="Cristian Capozucco" userId="S::cco18001@student.mdh.se::c4bc8584-4a9c-4ea1-ad2e-d5558672c34a" providerId="AD" clId="Web-{9162A5C3-42AC-47AA-8D3C-9C34EBA0A023}" dt="2018-11-06T16:23:25.115" v="101" actId="14100"/>
+        <pc:sldMkLst>
+          <pc:docMk/>
+          <pc:sldMk cId="2212268511" sldId="285"/>
+        </pc:sldMkLst>
+        <pc:spChg chg="mod">
+          <ac:chgData name="Cristian Capozucco" userId="S::cco18001@student.mdh.se::c4bc8584-4a9c-4ea1-ad2e-d5558672c34a" providerId="AD" clId="Web-{9162A5C3-42AC-47AA-8D3C-9C34EBA0A023}" dt="2018-11-06T16:22:45.849" v="92" actId="20577"/>
+          <ac:spMkLst>
+            <pc:docMk/>
+            <pc:sldMk cId="2212268511" sldId="285"/>
+            <ac:spMk id="3" creationId="{91ED8B98-EDF9-4D86-8054-06018C2FFBB4}"/>
+          </ac:spMkLst>
+        </pc:spChg>
+        <pc:picChg chg="add mod">
+          <ac:chgData name="Cristian Capozucco" userId="S::cco18001@student.mdh.se::c4bc8584-4a9c-4ea1-ad2e-d5558672c34a" providerId="AD" clId="Web-{9162A5C3-42AC-47AA-8D3C-9C34EBA0A023}" dt="2018-11-06T16:23:25.115" v="101" actId="14100"/>
+          <ac:picMkLst>
+            <pc:docMk/>
+            <pc:sldMk cId="2212268511" sldId="285"/>
+            <ac:picMk id="4" creationId="{707EF26B-0185-4D78-AEA6-EE6A5A25AC59}"/>
           </ac:picMkLst>
         </pc:picChg>
       </pc:sldChg>
@@ -232,115 +857,15 @@
           </ac:spMkLst>
         </pc:spChg>
       </pc:sldChg>
-      <pc:sldChg chg="addSp delSp modSp mod modClrScheme chgLayout">
-        <pc:chgData name="Cristian Capozucco" userId="S::cco18001@student.mdh.se::c4bc8584-4a9c-4ea1-ad2e-d5558672c34a" providerId="AD" clId="Web-{3D14F882-19FE-4D6B-9B76-158344BE5C28}" dt="2018-10-17T12:30:49.759" v="362" actId="20577"/>
-        <pc:sldMkLst>
-          <pc:docMk/>
-          <pc:sldMk cId="418284591" sldId="257"/>
-        </pc:sldMkLst>
-        <pc:spChg chg="mod ord">
-          <ac:chgData name="Cristian Capozucco" userId="S::cco18001@student.mdh.se::c4bc8584-4a9c-4ea1-ad2e-d5558672c34a" providerId="AD" clId="Web-{3D14F882-19FE-4D6B-9B76-158344BE5C28}" dt="2018-10-17T12:26:07.203" v="99"/>
-          <ac:spMkLst>
-            <pc:docMk/>
-            <pc:sldMk cId="418284591" sldId="257"/>
-            <ac:spMk id="2" creationId="{00000000-0000-0000-0000-000000000000}"/>
-          </ac:spMkLst>
-        </pc:spChg>
-        <pc:spChg chg="del mod">
-          <ac:chgData name="Cristian Capozucco" userId="S::cco18001@student.mdh.se::c4bc8584-4a9c-4ea1-ad2e-d5558672c34a" providerId="AD" clId="Web-{3D14F882-19FE-4D6B-9B76-158344BE5C28}" dt="2018-10-17T12:25:24.905" v="92"/>
-          <ac:spMkLst>
-            <pc:docMk/>
-            <pc:sldMk cId="418284591" sldId="257"/>
-            <ac:spMk id="3" creationId="{00000000-0000-0000-0000-000000000000}"/>
-          </ac:spMkLst>
-        </pc:spChg>
-        <pc:spChg chg="mod ord">
-          <ac:chgData name="Cristian Capozucco" userId="S::cco18001@student.mdh.se::c4bc8584-4a9c-4ea1-ad2e-d5558672c34a" providerId="AD" clId="Web-{3D14F882-19FE-4D6B-9B76-158344BE5C28}" dt="2018-10-17T12:26:07.203" v="99"/>
-          <ac:spMkLst>
-            <pc:docMk/>
-            <pc:sldMk cId="418284591" sldId="257"/>
-            <ac:spMk id="6" creationId="{00000000-0000-0000-0000-000000000000}"/>
-          </ac:spMkLst>
-        </pc:spChg>
-        <pc:spChg chg="add mod">
-          <ac:chgData name="Cristian Capozucco" userId="S::cco18001@student.mdh.se::c4bc8584-4a9c-4ea1-ad2e-d5558672c34a" providerId="AD" clId="Web-{3D14F882-19FE-4D6B-9B76-158344BE5C28}" dt="2018-10-17T12:30:49.759" v="362" actId="20577"/>
-          <ac:spMkLst>
-            <pc:docMk/>
-            <pc:sldMk cId="418284591" sldId="257"/>
-            <ac:spMk id="7" creationId="{52841894-0B32-4BF5-BA9C-966A553CA748}"/>
-          </ac:spMkLst>
-        </pc:spChg>
-        <pc:picChg chg="add mod">
-          <ac:chgData name="Cristian Capozucco" userId="S::cco18001@student.mdh.se::c4bc8584-4a9c-4ea1-ad2e-d5558672c34a" providerId="AD" clId="Web-{3D14F882-19FE-4D6B-9B76-158344BE5C28}" dt="2018-10-17T12:27:04.064" v="106" actId="1076"/>
-          <ac:picMkLst>
-            <pc:docMk/>
-            <pc:sldMk cId="418284591" sldId="257"/>
-            <ac:picMk id="4" creationId="{0177F7EC-D879-4E33-8A4E-ED667D621545}"/>
-          </ac:picMkLst>
-        </pc:picChg>
-      </pc:sldChg>
     </pc:docChg>
   </pc:docChgLst>
   <pc:docChgLst>
-    <pc:chgData name="Cristian Capozucco" userId="S::cco18001@student.mdh.se::c4bc8584-4a9c-4ea1-ad2e-d5558672c34a" providerId="AD" clId="Web-{8F53A716-23AA-480E-BD34-72222C91FCCE}"/>
-    <pc:docChg chg="addSld delSld modSld">
-      <pc:chgData name="Cristian Capozucco" userId="S::cco18001@student.mdh.se::c4bc8584-4a9c-4ea1-ad2e-d5558672c34a" providerId="AD" clId="Web-{8F53A716-23AA-480E-BD34-72222C91FCCE}" dt="2018-10-18T07:37:50.934" v="96"/>
+    <pc:chgData name="Bastien Delbouys" userId="S::bds18002@student.mdh.se::bd00e1b1-de21-4a58-9f48-315acb855e95" providerId="AD" clId="Web-{8E4A1B51-C8B2-48BF-AAE9-D5FC7F51666F}"/>
+    <pc:docChg chg="addSld modSld sldOrd">
+      <pc:chgData name="Bastien Delbouys" userId="S::bds18002@student.mdh.se::bd00e1b1-de21-4a58-9f48-315acb855e95" providerId="AD" clId="Web-{8E4A1B51-C8B2-48BF-AAE9-D5FC7F51666F}" dt="2018-10-17T21:42:37.098" v="468" actId="20577"/>
       <pc:docMkLst>
         <pc:docMk/>
       </pc:docMkLst>
-      <pc:sldChg chg="addSp modSp">
-        <pc:chgData name="Cristian Capozucco" userId="S::cco18001@student.mdh.se::c4bc8584-4a9c-4ea1-ad2e-d5558672c34a" providerId="AD" clId="Web-{8F53A716-23AA-480E-BD34-72222C91FCCE}" dt="2018-10-18T07:36:57.371" v="92" actId="20577"/>
-        <pc:sldMkLst>
-          <pc:docMk/>
-          <pc:sldMk cId="3197505913" sldId="259"/>
-        </pc:sldMkLst>
-        <pc:spChg chg="mod">
-          <ac:chgData name="Cristian Capozucco" userId="S::cco18001@student.mdh.se::c4bc8584-4a9c-4ea1-ad2e-d5558672c34a" providerId="AD" clId="Web-{8F53A716-23AA-480E-BD34-72222C91FCCE}" dt="2018-10-18T07:33:29.419" v="23" actId="20577"/>
-          <ac:spMkLst>
-            <pc:docMk/>
-            <pc:sldMk cId="3197505913" sldId="259"/>
-            <ac:spMk id="2" creationId="{00000000-0000-0000-0000-000000000000}"/>
-          </ac:spMkLst>
-        </pc:spChg>
-        <pc:spChg chg="mod">
-          <ac:chgData name="Cristian Capozucco" userId="S::cco18001@student.mdh.se::c4bc8584-4a9c-4ea1-ad2e-d5558672c34a" providerId="AD" clId="Web-{8F53A716-23AA-480E-BD34-72222C91FCCE}" dt="2018-10-18T07:36:57.371" v="92" actId="20577"/>
-          <ac:spMkLst>
-            <pc:docMk/>
-            <pc:sldMk cId="3197505913" sldId="259"/>
-            <ac:spMk id="4" creationId="{00000000-0000-0000-0000-000000000000}"/>
-          </ac:spMkLst>
-        </pc:spChg>
-        <pc:picChg chg="add mod">
-          <ac:chgData name="Cristian Capozucco" userId="S::cco18001@student.mdh.se::c4bc8584-4a9c-4ea1-ad2e-d5558672c34a" providerId="AD" clId="Web-{8F53A716-23AA-480E-BD34-72222C91FCCE}" dt="2018-10-18T07:34:03.339" v="31" actId="1076"/>
-          <ac:picMkLst>
-            <pc:docMk/>
-            <pc:sldMk cId="3197505913" sldId="259"/>
-            <ac:picMk id="5" creationId="{B57D6C92-E77F-4900-BB0A-44941484607C}"/>
-          </ac:picMkLst>
-        </pc:picChg>
-      </pc:sldChg>
-      <pc:sldChg chg="modSp">
-        <pc:chgData name="Cristian Capozucco" userId="S::cco18001@student.mdh.se::c4bc8584-4a9c-4ea1-ad2e-d5558672c34a" providerId="AD" clId="Web-{8F53A716-23AA-480E-BD34-72222C91FCCE}" dt="2018-10-18T07:35:09.245" v="79" actId="1076"/>
-        <pc:sldMkLst>
-          <pc:docMk/>
-          <pc:sldMk cId="1846452602" sldId="263"/>
-        </pc:sldMkLst>
-        <pc:picChg chg="mod">
-          <ac:chgData name="Cristian Capozucco" userId="S::cco18001@student.mdh.se::c4bc8584-4a9c-4ea1-ad2e-d5558672c34a" providerId="AD" clId="Web-{8F53A716-23AA-480E-BD34-72222C91FCCE}" dt="2018-10-18T07:35:09.245" v="79" actId="1076"/>
-          <ac:picMkLst>
-            <pc:docMk/>
-            <pc:sldMk cId="1846452602" sldId="263"/>
-            <ac:picMk id="9" creationId="{015C1E04-5209-4077-A4CD-50290DDC2F7B}"/>
-          </ac:picMkLst>
-        </pc:picChg>
-      </pc:sldChg>
-      <pc:sldChg chg="add replId">
-        <pc:chgData name="Cristian Capozucco" userId="S::cco18001@student.mdh.se::c4bc8584-4a9c-4ea1-ad2e-d5558672c34a" providerId="AD" clId="Web-{8F53A716-23AA-480E-BD34-72222C91FCCE}" dt="2018-10-18T07:32:19.151" v="2"/>
-        <pc:sldMkLst>
-          <pc:docMk/>
-          <pc:sldMk cId="698556369" sldId="280"/>
-        </pc:sldMkLst>
-      </pc:sldChg>
     </pc:docChg>
   </pc:docChgLst>
   <pc:docChgLst>
@@ -350,312 +875,6 @@
       <pc:docMkLst>
         <pc:docMk/>
       </pc:docMkLst>
-      <pc:sldChg chg="modSp modAnim">
-        <pc:chgData name="Aleksandar Matovic" userId="e58e9d40-32e3-4171-bbd5-983415c49f51" providerId="ADAL" clId="{624F0A37-ADDE-4EC6-B01E-2C55C4F2A229}" dt="2018-10-17T22:11:57.758" v="23" actId="1076"/>
-        <pc:sldMkLst>
-          <pc:docMk/>
-          <pc:sldMk cId="109652283" sldId="270"/>
-        </pc:sldMkLst>
-        <pc:spChg chg="mod">
-          <ac:chgData name="Aleksandar Matovic" userId="e58e9d40-32e3-4171-bbd5-983415c49f51" providerId="ADAL" clId="{624F0A37-ADDE-4EC6-B01E-2C55C4F2A229}" dt="2018-10-17T22:11:57.758" v="23" actId="1076"/>
-          <ac:spMkLst>
-            <pc:docMk/>
-            <pc:sldMk cId="109652283" sldId="270"/>
-            <ac:spMk id="2" creationId="{CA3DFA79-D872-4F75-BCB7-2F540D3AE6D1}"/>
-          </ac:spMkLst>
-        </pc:spChg>
-      </pc:sldChg>
-      <pc:sldChg chg="addSp delSp modSp add">
-        <pc:chgData name="Aleksandar Matovic" userId="e58e9d40-32e3-4171-bbd5-983415c49f51" providerId="ADAL" clId="{624F0A37-ADDE-4EC6-B01E-2C55C4F2A229}" dt="2018-10-18T08:05:53.464" v="330" actId="1076"/>
-        <pc:sldMkLst>
-          <pc:docMk/>
-          <pc:sldMk cId="831685588" sldId="276"/>
-        </pc:sldMkLst>
-        <pc:spChg chg="del">
-          <ac:chgData name="Aleksandar Matovic" userId="e58e9d40-32e3-4171-bbd5-983415c49f51" providerId="ADAL" clId="{624F0A37-ADDE-4EC6-B01E-2C55C4F2A229}" dt="2018-10-17T22:15:21.677" v="72" actId="478"/>
-          <ac:spMkLst>
-            <pc:docMk/>
-            <pc:sldMk cId="831685588" sldId="276"/>
-            <ac:spMk id="2" creationId="{BDCD6B9A-DC89-4DC3-902A-B95047EE8B40}"/>
-          </ac:spMkLst>
-        </pc:spChg>
-        <pc:spChg chg="mod">
-          <ac:chgData name="Aleksandar Matovic" userId="e58e9d40-32e3-4171-bbd5-983415c49f51" providerId="ADAL" clId="{624F0A37-ADDE-4EC6-B01E-2C55C4F2A229}" dt="2018-10-17T22:28:07.921" v="132" actId="1076"/>
-          <ac:spMkLst>
-            <pc:docMk/>
-            <pc:sldMk cId="831685588" sldId="276"/>
-            <ac:spMk id="4" creationId="{4E311D12-DCDB-47DD-B501-1E3AD9456AEB}"/>
-          </ac:spMkLst>
-        </pc:spChg>
-        <pc:picChg chg="add del mod">
-          <ac:chgData name="Aleksandar Matovic" userId="e58e9d40-32e3-4171-bbd5-983415c49f51" providerId="ADAL" clId="{624F0A37-ADDE-4EC6-B01E-2C55C4F2A229}" dt="2018-10-18T07:59:25.560" v="289" actId="478"/>
-          <ac:picMkLst>
-            <pc:docMk/>
-            <pc:sldMk cId="831685588" sldId="276"/>
-            <ac:picMk id="5" creationId="{CB0A048C-C731-4BE5-B08D-E3FBB50FFAE5}"/>
-          </ac:picMkLst>
-        </pc:picChg>
-        <pc:picChg chg="add del mod modCrop">
-          <ac:chgData name="Aleksandar Matovic" userId="e58e9d40-32e3-4171-bbd5-983415c49f51" providerId="ADAL" clId="{624F0A37-ADDE-4EC6-B01E-2C55C4F2A229}" dt="2018-10-18T07:58:32.611" v="287" actId="478"/>
-          <ac:picMkLst>
-            <pc:docMk/>
-            <pc:sldMk cId="831685588" sldId="276"/>
-            <ac:picMk id="6" creationId="{998CF47C-43E6-4D04-BD3C-13ED888D7E61}"/>
-          </ac:picMkLst>
-        </pc:picChg>
-        <pc:picChg chg="add mod">
-          <ac:chgData name="Aleksandar Matovic" userId="e58e9d40-32e3-4171-bbd5-983415c49f51" providerId="ADAL" clId="{624F0A37-ADDE-4EC6-B01E-2C55C4F2A229}" dt="2018-10-18T08:05:53.464" v="330" actId="1076"/>
-          <ac:picMkLst>
-            <pc:docMk/>
-            <pc:sldMk cId="831685588" sldId="276"/>
-            <ac:picMk id="8" creationId="{DC81EFF6-C9BD-496C-94EE-B2EC5A51BDAA}"/>
-          </ac:picMkLst>
-        </pc:picChg>
-      </pc:sldChg>
-      <pc:sldChg chg="addSp delSp modSp add">
-        <pc:chgData name="Aleksandar Matovic" userId="e58e9d40-32e3-4171-bbd5-983415c49f51" providerId="ADAL" clId="{624F0A37-ADDE-4EC6-B01E-2C55C4F2A229}" dt="2018-10-18T08:05:50.366" v="329" actId="1076"/>
-        <pc:sldMkLst>
-          <pc:docMk/>
-          <pc:sldMk cId="82594108" sldId="277"/>
-        </pc:sldMkLst>
-        <pc:spChg chg="del">
-          <ac:chgData name="Aleksandar Matovic" userId="e58e9d40-32e3-4171-bbd5-983415c49f51" providerId="ADAL" clId="{624F0A37-ADDE-4EC6-B01E-2C55C4F2A229}" dt="2018-10-17T22:28:53.048" v="154" actId="478"/>
-          <ac:spMkLst>
-            <pc:docMk/>
-            <pc:sldMk cId="82594108" sldId="277"/>
-            <ac:spMk id="2" creationId="{0380C84B-87ED-41FE-96DD-B74750BA9429}"/>
-          </ac:spMkLst>
-        </pc:spChg>
-        <pc:spChg chg="mod">
-          <ac:chgData name="Aleksandar Matovic" userId="e58e9d40-32e3-4171-bbd5-983415c49f51" providerId="ADAL" clId="{624F0A37-ADDE-4EC6-B01E-2C55C4F2A229}" dt="2018-10-17T22:34:33.961" v="161" actId="2710"/>
-          <ac:spMkLst>
-            <pc:docMk/>
-            <pc:sldMk cId="82594108" sldId="277"/>
-            <ac:spMk id="4" creationId="{1566DCA6-6766-451D-9DCA-D2C53AE8E768}"/>
-          </ac:spMkLst>
-        </pc:spChg>
-        <pc:picChg chg="add mod">
-          <ac:chgData name="Aleksandar Matovic" userId="e58e9d40-32e3-4171-bbd5-983415c49f51" providerId="ADAL" clId="{624F0A37-ADDE-4EC6-B01E-2C55C4F2A229}" dt="2018-10-18T08:05:50.366" v="329" actId="1076"/>
-          <ac:picMkLst>
-            <pc:docMk/>
-            <pc:sldMk cId="82594108" sldId="277"/>
-            <ac:picMk id="5" creationId="{4A783A8D-5F50-454B-A998-0BCA7B906C9E}"/>
-          </ac:picMkLst>
-        </pc:picChg>
-        <pc:picChg chg="add del mod modCrop">
-          <ac:chgData name="Aleksandar Matovic" userId="e58e9d40-32e3-4171-bbd5-983415c49f51" providerId="ADAL" clId="{624F0A37-ADDE-4EC6-B01E-2C55C4F2A229}" dt="2018-10-18T08:03:28.584" v="297" actId="478"/>
-          <ac:picMkLst>
-            <pc:docMk/>
-            <pc:sldMk cId="82594108" sldId="277"/>
-            <ac:picMk id="6" creationId="{913D2056-59DF-4878-90C8-5CC9945B1272}"/>
-          </ac:picMkLst>
-        </pc:picChg>
-      </pc:sldChg>
-      <pc:sldChg chg="addSp delSp modSp add">
-        <pc:chgData name="Aleksandar Matovic" userId="e58e9d40-32e3-4171-bbd5-983415c49f51" providerId="ADAL" clId="{624F0A37-ADDE-4EC6-B01E-2C55C4F2A229}" dt="2018-10-18T08:05:45.715" v="326" actId="1076"/>
-        <pc:sldMkLst>
-          <pc:docMk/>
-          <pc:sldMk cId="2368254927" sldId="278"/>
-        </pc:sldMkLst>
-        <pc:spChg chg="del">
-          <ac:chgData name="Aleksandar Matovic" userId="e58e9d40-32e3-4171-bbd5-983415c49f51" providerId="ADAL" clId="{624F0A37-ADDE-4EC6-B01E-2C55C4F2A229}" dt="2018-10-17T23:29:32.396" v="200" actId="478"/>
-          <ac:spMkLst>
-            <pc:docMk/>
-            <pc:sldMk cId="2368254927" sldId="278"/>
-            <ac:spMk id="2" creationId="{69BBEB1C-BA53-41F0-97CE-DAE73D0C8134}"/>
-          </ac:spMkLst>
-        </pc:spChg>
-        <pc:spChg chg="mod">
-          <ac:chgData name="Aleksandar Matovic" userId="e58e9d40-32e3-4171-bbd5-983415c49f51" providerId="ADAL" clId="{624F0A37-ADDE-4EC6-B01E-2C55C4F2A229}" dt="2018-10-17T23:31:16.308" v="248" actId="20577"/>
-          <ac:spMkLst>
-            <pc:docMk/>
-            <pc:sldMk cId="2368254927" sldId="278"/>
-            <ac:spMk id="4" creationId="{3F24F6E9-57FC-4192-A9E0-BB147D1CDE4C}"/>
-          </ac:spMkLst>
-        </pc:spChg>
-        <pc:picChg chg="add mod">
-          <ac:chgData name="Aleksandar Matovic" userId="e58e9d40-32e3-4171-bbd5-983415c49f51" providerId="ADAL" clId="{624F0A37-ADDE-4EC6-B01E-2C55C4F2A229}" dt="2018-10-18T08:05:45.715" v="326" actId="1076"/>
-          <ac:picMkLst>
-            <pc:docMk/>
-            <pc:sldMk cId="2368254927" sldId="278"/>
-            <ac:picMk id="5" creationId="{A684EF76-DFF1-4E8E-B717-71C6D1923287}"/>
-          </ac:picMkLst>
-        </pc:picChg>
-        <pc:picChg chg="add del mod modCrop">
-          <ac:chgData name="Aleksandar Matovic" userId="e58e9d40-32e3-4171-bbd5-983415c49f51" providerId="ADAL" clId="{624F0A37-ADDE-4EC6-B01E-2C55C4F2A229}" dt="2018-10-18T08:03:50.590" v="303" actId="478"/>
-          <ac:picMkLst>
-            <pc:docMk/>
-            <pc:sldMk cId="2368254927" sldId="278"/>
-            <ac:picMk id="6" creationId="{9586EA4C-75C0-4D4E-A493-D627B44B2521}"/>
-          </ac:picMkLst>
-        </pc:picChg>
-      </pc:sldChg>
-      <pc:sldChg chg="addSp delSp modSp add">
-        <pc:chgData name="Aleksandar Matovic" userId="e58e9d40-32e3-4171-bbd5-983415c49f51" providerId="ADAL" clId="{624F0A37-ADDE-4EC6-B01E-2C55C4F2A229}" dt="2018-10-18T08:05:42.391" v="325" actId="1076"/>
-        <pc:sldMkLst>
-          <pc:docMk/>
-          <pc:sldMk cId="1140328402" sldId="279"/>
-        </pc:sldMkLst>
-        <pc:spChg chg="del">
-          <ac:chgData name="Aleksandar Matovic" userId="e58e9d40-32e3-4171-bbd5-983415c49f51" providerId="ADAL" clId="{624F0A37-ADDE-4EC6-B01E-2C55C4F2A229}" dt="2018-10-17T23:31:49.281" v="255" actId="478"/>
-          <ac:spMkLst>
-            <pc:docMk/>
-            <pc:sldMk cId="1140328402" sldId="279"/>
-            <ac:spMk id="2" creationId="{50BFA185-A10E-4DB8-8E1E-BD3733546A09}"/>
-          </ac:spMkLst>
-        </pc:spChg>
-        <pc:spChg chg="mod">
-          <ac:chgData name="Aleksandar Matovic" userId="e58e9d40-32e3-4171-bbd5-983415c49f51" providerId="ADAL" clId="{624F0A37-ADDE-4EC6-B01E-2C55C4F2A229}" dt="2018-10-17T23:40:39.863" v="286" actId="20577"/>
-          <ac:spMkLst>
-            <pc:docMk/>
-            <pc:sldMk cId="1140328402" sldId="279"/>
-            <ac:spMk id="4" creationId="{A222B3B8-3E61-461E-8443-F2A6DFFF9FEC}"/>
-          </ac:spMkLst>
-        </pc:spChg>
-        <pc:picChg chg="add mod">
-          <ac:chgData name="Aleksandar Matovic" userId="e58e9d40-32e3-4171-bbd5-983415c49f51" providerId="ADAL" clId="{624F0A37-ADDE-4EC6-B01E-2C55C4F2A229}" dt="2018-10-18T08:05:42.391" v="325" actId="1076"/>
-          <ac:picMkLst>
-            <pc:docMk/>
-            <pc:sldMk cId="1140328402" sldId="279"/>
-            <ac:picMk id="5" creationId="{67DDD2FC-5C7D-4897-9551-A0591D27DCF7}"/>
-          </ac:picMkLst>
-        </pc:picChg>
-        <pc:picChg chg="add del mod modCrop">
-          <ac:chgData name="Aleksandar Matovic" userId="e58e9d40-32e3-4171-bbd5-983415c49f51" providerId="ADAL" clId="{624F0A37-ADDE-4EC6-B01E-2C55C4F2A229}" dt="2018-10-18T08:04:14.518" v="311" actId="478"/>
-          <ac:picMkLst>
-            <pc:docMk/>
-            <pc:sldMk cId="1140328402" sldId="279"/>
-            <ac:picMk id="6" creationId="{F84BC53E-DC21-4C54-859A-99599117F519}"/>
-          </ac:picMkLst>
-        </pc:picChg>
-      </pc:sldChg>
-    </pc:docChg>
-  </pc:docChgLst>
-  <pc:docChgLst>
-    <pc:chgData name="Bastien Delbouys" userId="S::bds18002@student.mdh.se::bd00e1b1-de21-4a58-9f48-315acb855e95" providerId="AD" clId="Web-{C5DD9DDE-90FF-4C67-83DC-D5567E649DE3}"/>
-    <pc:docChg chg="addSld modSld">
-      <pc:chgData name="Bastien Delbouys" userId="S::bds18002@student.mdh.se::bd00e1b1-de21-4a58-9f48-315acb855e95" providerId="AD" clId="Web-{C5DD9DDE-90FF-4C67-83DC-D5567E649DE3}" dt="2018-10-17T21:31:11.556" v="26" actId="20577"/>
-      <pc:docMkLst>
-        <pc:docMk/>
-      </pc:docMkLst>
-      <pc:sldChg chg="modSp new">
-        <pc:chgData name="Bastien Delbouys" userId="S::bds18002@student.mdh.se::bd00e1b1-de21-4a58-9f48-315acb855e95" providerId="AD" clId="Web-{C5DD9DDE-90FF-4C67-83DC-D5567E649DE3}" dt="2018-10-17T21:31:11.025" v="24" actId="20577"/>
-        <pc:sldMkLst>
-          <pc:docMk/>
-          <pc:sldMk cId="3037438443" sldId="273"/>
-        </pc:sldMkLst>
-        <pc:spChg chg="mod">
-          <ac:chgData name="Bastien Delbouys" userId="S::bds18002@student.mdh.se::bd00e1b1-de21-4a58-9f48-315acb855e95" providerId="AD" clId="Web-{C5DD9DDE-90FF-4C67-83DC-D5567E649DE3}" dt="2018-10-17T21:31:11.025" v="24" actId="20577"/>
-          <ac:spMkLst>
-            <pc:docMk/>
-            <pc:sldMk cId="3037438443" sldId="273"/>
-            <ac:spMk id="4" creationId="{54FD2866-10CA-47E9-9AE3-B16F3CDF474A}"/>
-          </ac:spMkLst>
-        </pc:spChg>
-      </pc:sldChg>
-    </pc:docChg>
-  </pc:docChgLst>
-  <pc:docChgLst>
-    <pc:chgData name="Cristian Capozucco" userId="S::cco18001@student.mdh.se::c4bc8584-4a9c-4ea1-ad2e-d5558672c34a" providerId="AD" clId="Web-{FDDC129E-48BA-4B54-9526-FA5753455DDF}"/>
-    <pc:docChg chg="addSld delSld modSld sldOrd">
-      <pc:chgData name="Cristian Capozucco" userId="S::cco18001@student.mdh.se::c4bc8584-4a9c-4ea1-ad2e-d5558672c34a" providerId="AD" clId="Web-{FDDC129E-48BA-4B54-9526-FA5753455DDF}" dt="2018-10-17T20:02:46.703" v="61"/>
-      <pc:docMkLst>
-        <pc:docMk/>
-      </pc:docMkLst>
-      <pc:sldChg chg="ord">
-        <pc:chgData name="Cristian Capozucco" userId="S::cco18001@student.mdh.se::c4bc8584-4a9c-4ea1-ad2e-d5558672c34a" providerId="AD" clId="Web-{FDDC129E-48BA-4B54-9526-FA5753455DDF}" dt="2018-10-17T20:02:11.921" v="46"/>
-        <pc:sldMkLst>
-          <pc:docMk/>
-          <pc:sldMk cId="1191727229" sldId="258"/>
-        </pc:sldMkLst>
-      </pc:sldChg>
-      <pc:sldChg chg="addSp delSp modSp add replId">
-        <pc:chgData name="Cristian Capozucco" userId="S::cco18001@student.mdh.se::c4bc8584-4a9c-4ea1-ad2e-d5558672c34a" providerId="AD" clId="Web-{FDDC129E-48BA-4B54-9526-FA5753455DDF}" dt="2018-10-17T20:02:40.031" v="60"/>
-        <pc:sldMkLst>
-          <pc:docMk/>
-          <pc:sldMk cId="2176958951" sldId="272"/>
-        </pc:sldMkLst>
-        <pc:spChg chg="del">
-          <ac:chgData name="Cristian Capozucco" userId="S::cco18001@student.mdh.se::c4bc8584-4a9c-4ea1-ad2e-d5558672c34a" providerId="AD" clId="Web-{FDDC129E-48BA-4B54-9526-FA5753455DDF}" dt="2018-10-17T20:02:38.640" v="59"/>
-          <ac:spMkLst>
-            <pc:docMk/>
-            <pc:sldMk cId="2176958951" sldId="272"/>
-            <ac:spMk id="2" creationId="{CA3DFA79-D872-4F75-BCB7-2F540D3AE6D1}"/>
-          </ac:spMkLst>
-        </pc:spChg>
-        <pc:spChg chg="del mod">
-          <ac:chgData name="Cristian Capozucco" userId="S::cco18001@student.mdh.se::c4bc8584-4a9c-4ea1-ad2e-d5558672c34a" providerId="AD" clId="Web-{FDDC129E-48BA-4B54-9526-FA5753455DDF}" dt="2018-10-17T20:02:38.625" v="58"/>
-          <ac:spMkLst>
-            <pc:docMk/>
-            <pc:sldMk cId="2176958951" sldId="272"/>
-            <ac:spMk id="4" creationId="{DA018914-5596-4FF1-87B6-64BF18A73C97}"/>
-          </ac:spMkLst>
-        </pc:spChg>
-        <pc:spChg chg="add">
-          <ac:chgData name="Cristian Capozucco" userId="S::cco18001@student.mdh.se::c4bc8584-4a9c-4ea1-ad2e-d5558672c34a" providerId="AD" clId="Web-{FDDC129E-48BA-4B54-9526-FA5753455DDF}" dt="2018-10-17T20:02:40.031" v="60"/>
-          <ac:spMkLst>
-            <pc:docMk/>
-            <pc:sldMk cId="2176958951" sldId="272"/>
-            <ac:spMk id="5" creationId="{66068CC2-CFC1-44EA-B4E9-7CDAB6DB8789}"/>
-          </ac:spMkLst>
-        </pc:spChg>
-        <pc:spChg chg="add">
-          <ac:chgData name="Cristian Capozucco" userId="S::cco18001@student.mdh.se::c4bc8584-4a9c-4ea1-ad2e-d5558672c34a" providerId="AD" clId="Web-{FDDC129E-48BA-4B54-9526-FA5753455DDF}" dt="2018-10-17T20:02:40.031" v="60"/>
-          <ac:spMkLst>
-            <pc:docMk/>
-            <pc:sldMk cId="2176958951" sldId="272"/>
-            <ac:spMk id="6" creationId="{7C95E0D3-5AA5-41A6-8266-F9D5DF885AC1}"/>
-          </ac:spMkLst>
-        </pc:spChg>
-      </pc:sldChg>
-    </pc:docChg>
-  </pc:docChgLst>
-  <pc:docChgLst>
-    <pc:chgData name="Aleksandar Matovic" userId="S::amc18003@student.mdh.se::e58e9d40-32e3-4171-bbd5-983415c49f51" providerId="AD" clId="Web-{71D96566-B240-4F8E-BBDF-46F052812933}"/>
-    <pc:docChg chg="addSld modSld">
-      <pc:chgData name="Aleksandar Matovic" userId="S::amc18003@student.mdh.se::e58e9d40-32e3-4171-bbd5-983415c49f51" providerId="AD" clId="Web-{71D96566-B240-4F8E-BBDF-46F052812933}" dt="2018-10-17T19:10:20.479" v="5" actId="20577"/>
-      <pc:docMkLst>
-        <pc:docMk/>
-      </pc:docMkLst>
-      <pc:sldChg chg="modSp new">
-        <pc:chgData name="Aleksandar Matovic" userId="S::amc18003@student.mdh.se::e58e9d40-32e3-4171-bbd5-983415c49f51" providerId="AD" clId="Web-{71D96566-B240-4F8E-BBDF-46F052812933}" dt="2018-10-17T19:10:17.588" v="3" actId="20577"/>
-        <pc:sldMkLst>
-          <pc:docMk/>
-          <pc:sldMk cId="109652283" sldId="270"/>
-        </pc:sldMkLst>
-        <pc:spChg chg="mod">
-          <ac:chgData name="Aleksandar Matovic" userId="S::amc18003@student.mdh.se::e58e9d40-32e3-4171-bbd5-983415c49f51" providerId="AD" clId="Web-{71D96566-B240-4F8E-BBDF-46F052812933}" dt="2018-10-17T19:10:17.588" v="3" actId="20577"/>
-          <ac:spMkLst>
-            <pc:docMk/>
-            <pc:sldMk cId="109652283" sldId="270"/>
-            <ac:spMk id="4" creationId="{DA018914-5596-4FF1-87B6-64BF18A73C97}"/>
-          </ac:spMkLst>
-        </pc:spChg>
-      </pc:sldChg>
-    </pc:docChg>
-  </pc:docChgLst>
-  <pc:docChgLst>
-    <pc:chgData name="Cristian Capozucco" userId="S::cco18001@student.mdh.se::c4bc8584-4a9c-4ea1-ad2e-d5558672c34a" providerId="AD" clId="Web-{4A05A860-4FDA-4573-83C1-5A7EB3BB901B}"/>
-    <pc:docChg chg="modSld">
-      <pc:chgData name="Cristian Capozucco" userId="S::cco18001@student.mdh.se::c4bc8584-4a9c-4ea1-ad2e-d5558672c34a" providerId="AD" clId="Web-{4A05A860-4FDA-4573-83C1-5A7EB3BB901B}" dt="2018-10-17T12:54:19.634" v="5" actId="1076"/>
-      <pc:docMkLst>
-        <pc:docMk/>
-      </pc:docMkLst>
-      <pc:sldChg chg="addSp modSp">
-        <pc:chgData name="Cristian Capozucco" userId="S::cco18001@student.mdh.se::c4bc8584-4a9c-4ea1-ad2e-d5558672c34a" providerId="AD" clId="Web-{4A05A860-4FDA-4573-83C1-5A7EB3BB901B}" dt="2018-10-17T12:54:19.634" v="5" actId="1076"/>
-        <pc:sldMkLst>
-          <pc:docMk/>
-          <pc:sldMk cId="3809576940" sldId="261"/>
-        </pc:sldMkLst>
-        <pc:picChg chg="add mod">
-          <ac:chgData name="Cristian Capozucco" userId="S::cco18001@student.mdh.se::c4bc8584-4a9c-4ea1-ad2e-d5558672c34a" providerId="AD" clId="Web-{4A05A860-4FDA-4573-83C1-5A7EB3BB901B}" dt="2018-10-17T12:54:19.634" v="5" actId="1076"/>
-          <ac:picMkLst>
-            <pc:docMk/>
-            <pc:sldMk cId="3809576940" sldId="261"/>
-            <ac:picMk id="4" creationId="{E3A9BB91-5528-4377-87BC-D564598202DE}"/>
-          </ac:picMkLst>
-        </pc:picChg>
-      </pc:sldChg>
     </pc:docChg>
   </pc:docChgLst>
   <pc:docChgLst>
@@ -665,37 +884,6 @@
       <pc:docMkLst>
         <pc:docMk/>
       </pc:docMkLst>
-      <pc:sldChg chg="addSp delSp modSp">
-        <pc:chgData name="Vladimir Djukanovic" userId="531fee88-bd9b-4ddf-92c3-017dce769294" providerId="ADAL" clId="{63FBD6CA-B6A7-4D06-8329-F0320082AF44}" dt="2018-10-18T06:04:21.006" v="1224" actId="27636"/>
-        <pc:sldMkLst>
-          <pc:docMk/>
-          <pc:sldMk cId="418284591" sldId="257"/>
-        </pc:sldMkLst>
-        <pc:spChg chg="mod">
-          <ac:chgData name="Vladimir Djukanovic" userId="531fee88-bd9b-4ddf-92c3-017dce769294" providerId="ADAL" clId="{63FBD6CA-B6A7-4D06-8329-F0320082AF44}" dt="2018-10-17T16:16:21.115" v="209" actId="20577"/>
-          <ac:spMkLst>
-            <pc:docMk/>
-            <pc:sldMk cId="418284591" sldId="257"/>
-            <ac:spMk id="2" creationId="{00000000-0000-0000-0000-000000000000}"/>
-          </ac:spMkLst>
-        </pc:spChg>
-        <pc:spChg chg="del">
-          <ac:chgData name="Vladimir Djukanovic" userId="531fee88-bd9b-4ddf-92c3-017dce769294" providerId="ADAL" clId="{63FBD6CA-B6A7-4D06-8329-F0320082AF44}" dt="2018-10-18T06:03:27.008" v="1154" actId="478"/>
-          <ac:spMkLst>
-            <pc:docMk/>
-            <pc:sldMk cId="418284591" sldId="257"/>
-            <ac:spMk id="7" creationId="{52841894-0B32-4BF5-BA9C-966A553CA748}"/>
-          </ac:spMkLst>
-        </pc:spChg>
-        <pc:spChg chg="add mod">
-          <ac:chgData name="Vladimir Djukanovic" userId="531fee88-bd9b-4ddf-92c3-017dce769294" providerId="ADAL" clId="{63FBD6CA-B6A7-4D06-8329-F0320082AF44}" dt="2018-10-18T06:04:21.006" v="1224" actId="27636"/>
-          <ac:spMkLst>
-            <pc:docMk/>
-            <pc:sldMk cId="418284591" sldId="257"/>
-            <ac:spMk id="8" creationId="{758C0CDF-086B-493E-9E1B-8562715C8B1E}"/>
-          </ac:spMkLst>
-        </pc:spChg>
-      </pc:sldChg>
       <pc:sldChg chg="addSp delSp modSp ord">
         <pc:chgData name="Vladimir Djukanovic" userId="531fee88-bd9b-4ddf-92c3-017dce769294" providerId="ADAL" clId="{63FBD6CA-B6A7-4D06-8329-F0320082AF44}" dt="2018-10-17T16:17:05.141" v="210"/>
         <pc:sldMkLst>
@@ -742,29 +930,6 @@
             <ac:picMk id="1026" creationId="{EBAC4C1B-7811-46ED-B6DD-8A62FA39142D}"/>
           </ac:picMkLst>
         </pc:picChg>
-      </pc:sldChg>
-      <pc:sldChg chg="modSp">
-        <pc:chgData name="Vladimir Djukanovic" userId="531fee88-bd9b-4ddf-92c3-017dce769294" providerId="ADAL" clId="{63FBD6CA-B6A7-4D06-8329-F0320082AF44}" dt="2018-10-17T16:41:12.801" v="601" actId="20577"/>
-        <pc:sldMkLst>
-          <pc:docMk/>
-          <pc:sldMk cId="3197505913" sldId="259"/>
-        </pc:sldMkLst>
-        <pc:spChg chg="mod">
-          <ac:chgData name="Vladimir Djukanovic" userId="531fee88-bd9b-4ddf-92c3-017dce769294" providerId="ADAL" clId="{63FBD6CA-B6A7-4D06-8329-F0320082AF44}" dt="2018-10-17T16:17:14.425" v="214" actId="14100"/>
-          <ac:spMkLst>
-            <pc:docMk/>
-            <pc:sldMk cId="3197505913" sldId="259"/>
-            <ac:spMk id="2" creationId="{00000000-0000-0000-0000-000000000000}"/>
-          </ac:spMkLst>
-        </pc:spChg>
-        <pc:spChg chg="mod">
-          <ac:chgData name="Vladimir Djukanovic" userId="531fee88-bd9b-4ddf-92c3-017dce769294" providerId="ADAL" clId="{63FBD6CA-B6A7-4D06-8329-F0320082AF44}" dt="2018-10-17T16:41:12.801" v="601" actId="20577"/>
-          <ac:spMkLst>
-            <pc:docMk/>
-            <pc:sldMk cId="3197505913" sldId="259"/>
-            <ac:spMk id="4" creationId="{00000000-0000-0000-0000-000000000000}"/>
-          </ac:spMkLst>
-        </pc:spChg>
       </pc:sldChg>
       <pc:sldChg chg="modSp add">
         <pc:chgData name="Vladimir Djukanovic" userId="531fee88-bd9b-4ddf-92c3-017dce769294" providerId="ADAL" clId="{63FBD6CA-B6A7-4D06-8329-F0320082AF44}" dt="2018-10-18T06:06:28.825" v="1300" actId="20577"/>
@@ -845,369 +1010,6 @@
         </pc:picChg>
       </pc:sldChg>
       <pc:sldChg chg="addSp delSp modSp add">
-        <pc:chgData name="Vladimir Djukanovic" userId="531fee88-bd9b-4ddf-92c3-017dce769294" providerId="ADAL" clId="{63FBD6CA-B6A7-4D06-8329-F0320082AF44}" dt="2018-10-24T14:31:45.425" v="1501" actId="14100"/>
-        <pc:sldMkLst>
-          <pc:docMk/>
-          <pc:sldMk cId="3535269384" sldId="265"/>
-        </pc:sldMkLst>
-        <pc:spChg chg="mod">
-          <ac:chgData name="Vladimir Djukanovic" userId="531fee88-bd9b-4ddf-92c3-017dce769294" providerId="ADAL" clId="{63FBD6CA-B6A7-4D06-8329-F0320082AF44}" dt="2018-10-17T16:36:55.441" v="485" actId="20577"/>
-          <ac:spMkLst>
-            <pc:docMk/>
-            <pc:sldMk cId="3535269384" sldId="265"/>
-            <ac:spMk id="2" creationId="{00000000-0000-0000-0000-000000000000}"/>
-          </ac:spMkLst>
-        </pc:spChg>
-        <pc:spChg chg="mod">
-          <ac:chgData name="Vladimir Djukanovic" userId="531fee88-bd9b-4ddf-92c3-017dce769294" providerId="ADAL" clId="{63FBD6CA-B6A7-4D06-8329-F0320082AF44}" dt="2018-10-17T17:19:08.097" v="960" actId="1038"/>
-          <ac:spMkLst>
-            <pc:docMk/>
-            <pc:sldMk cId="3535269384" sldId="265"/>
-            <ac:spMk id="4" creationId="{00000000-0000-0000-0000-000000000000}"/>
-          </ac:spMkLst>
-        </pc:spChg>
-        <pc:picChg chg="add del mod">
-          <ac:chgData name="Vladimir Djukanovic" userId="531fee88-bd9b-4ddf-92c3-017dce769294" providerId="ADAL" clId="{63FBD6CA-B6A7-4D06-8329-F0320082AF44}" dt="2018-10-24T14:31:34.513" v="1495" actId="478"/>
-          <ac:picMkLst>
-            <pc:docMk/>
-            <pc:sldMk cId="3535269384" sldId="265"/>
-            <ac:picMk id="5" creationId="{3BB9A0FF-7538-425B-8424-C29257D95F9E}"/>
-          </ac:picMkLst>
-        </pc:picChg>
-        <pc:picChg chg="add mod">
-          <ac:chgData name="Vladimir Djukanovic" userId="531fee88-bd9b-4ddf-92c3-017dce769294" providerId="ADAL" clId="{63FBD6CA-B6A7-4D06-8329-F0320082AF44}" dt="2018-10-24T14:31:45.425" v="1501" actId="14100"/>
-          <ac:picMkLst>
-            <pc:docMk/>
-            <pc:sldMk cId="3535269384" sldId="265"/>
-            <ac:picMk id="6" creationId="{960ADF28-30F9-41C5-91E2-33F39FF4972B}"/>
-          </ac:picMkLst>
-        </pc:picChg>
-      </pc:sldChg>
-      <pc:sldChg chg="addSp delSp modSp add modNotesTx">
-        <pc:chgData name="Vladimir Djukanovic" userId="531fee88-bd9b-4ddf-92c3-017dce769294" providerId="ADAL" clId="{63FBD6CA-B6A7-4D06-8329-F0320082AF44}" dt="2018-10-24T14:32:28.935" v="1503" actId="14100"/>
-        <pc:sldMkLst>
-          <pc:docMk/>
-          <pc:sldMk cId="1609964489" sldId="266"/>
-        </pc:sldMkLst>
-        <pc:spChg chg="mod">
-          <ac:chgData name="Vladimir Djukanovic" userId="531fee88-bd9b-4ddf-92c3-017dce769294" providerId="ADAL" clId="{63FBD6CA-B6A7-4D06-8329-F0320082AF44}" dt="2018-10-17T16:36:31.971" v="481" actId="20577"/>
-          <ac:spMkLst>
-            <pc:docMk/>
-            <pc:sldMk cId="1609964489" sldId="266"/>
-            <ac:spMk id="2" creationId="{00000000-0000-0000-0000-000000000000}"/>
-          </ac:spMkLst>
-        </pc:spChg>
-        <pc:spChg chg="mod">
-          <ac:chgData name="Vladimir Djukanovic" userId="531fee88-bd9b-4ddf-92c3-017dce769294" providerId="ADAL" clId="{63FBD6CA-B6A7-4D06-8329-F0320082AF44}" dt="2018-10-17T17:19:19.830" v="961" actId="1076"/>
-          <ac:spMkLst>
-            <pc:docMk/>
-            <pc:sldMk cId="1609964489" sldId="266"/>
-            <ac:spMk id="4" creationId="{00000000-0000-0000-0000-000000000000}"/>
-          </ac:spMkLst>
-        </pc:spChg>
-        <pc:picChg chg="add del mod">
-          <ac:chgData name="Vladimir Djukanovic" userId="531fee88-bd9b-4ddf-92c3-017dce769294" providerId="ADAL" clId="{63FBD6CA-B6A7-4D06-8329-F0320082AF44}" dt="2018-10-17T19:35:09.222" v="1094" actId="478"/>
-          <ac:picMkLst>
-            <pc:docMk/>
-            <pc:sldMk cId="1609964489" sldId="266"/>
-            <ac:picMk id="5" creationId="{8782A478-6215-4A0B-BAF8-BB6329A2C356}"/>
-          </ac:picMkLst>
-        </pc:picChg>
-        <pc:picChg chg="add del mod">
-          <ac:chgData name="Vladimir Djukanovic" userId="531fee88-bd9b-4ddf-92c3-017dce769294" providerId="ADAL" clId="{63FBD6CA-B6A7-4D06-8329-F0320082AF44}" dt="2018-10-24T14:30:48.586" v="1487" actId="478"/>
-          <ac:picMkLst>
-            <pc:docMk/>
-            <pc:sldMk cId="1609964489" sldId="266"/>
-            <ac:picMk id="6" creationId="{1655C601-3291-4727-B54D-3300921D61EC}"/>
-          </ac:picMkLst>
-        </pc:picChg>
-        <pc:picChg chg="add mod">
-          <ac:chgData name="Vladimir Djukanovic" userId="531fee88-bd9b-4ddf-92c3-017dce769294" providerId="ADAL" clId="{63FBD6CA-B6A7-4D06-8329-F0320082AF44}" dt="2018-10-24T14:32:28.935" v="1503" actId="14100"/>
-          <ac:picMkLst>
-            <pc:docMk/>
-            <pc:sldMk cId="1609964489" sldId="266"/>
-            <ac:picMk id="7" creationId="{0366B24D-9E14-4D60-9C55-58FE0925FC02}"/>
-          </ac:picMkLst>
-        </pc:picChg>
-      </pc:sldChg>
-      <pc:sldChg chg="addSp delSp modSp add">
-        <pc:chgData name="Vladimir Djukanovic" userId="531fee88-bd9b-4ddf-92c3-017dce769294" providerId="ADAL" clId="{63FBD6CA-B6A7-4D06-8329-F0320082AF44}" dt="2018-10-17T16:58:20.862" v="850" actId="20577"/>
-        <pc:sldMkLst>
-          <pc:docMk/>
-          <pc:sldMk cId="1064826665" sldId="267"/>
-        </pc:sldMkLst>
-        <pc:spChg chg="mod">
-          <ac:chgData name="Vladimir Djukanovic" userId="531fee88-bd9b-4ddf-92c3-017dce769294" providerId="ADAL" clId="{63FBD6CA-B6A7-4D06-8329-F0320082AF44}" dt="2018-10-17T16:58:20.862" v="850" actId="20577"/>
-          <ac:spMkLst>
-            <pc:docMk/>
-            <pc:sldMk cId="1064826665" sldId="267"/>
-            <ac:spMk id="6" creationId="{9604A27C-B520-4735-8D4C-AB99841CF3A0}"/>
-          </ac:spMkLst>
-        </pc:spChg>
-        <pc:picChg chg="add mod">
-          <ac:chgData name="Vladimir Djukanovic" userId="531fee88-bd9b-4ddf-92c3-017dce769294" providerId="ADAL" clId="{63FBD6CA-B6A7-4D06-8329-F0320082AF44}" dt="2018-10-17T16:57:51.270" v="810" actId="1076"/>
-          <ac:picMkLst>
-            <pc:docMk/>
-            <pc:sldMk cId="1064826665" sldId="267"/>
-            <ac:picMk id="7" creationId="{71741ABE-8424-4AE1-96AC-908A1563636C}"/>
-          </ac:picMkLst>
-        </pc:picChg>
-        <pc:picChg chg="add del mod">
-          <ac:chgData name="Vladimir Djukanovic" userId="531fee88-bd9b-4ddf-92c3-017dce769294" providerId="ADAL" clId="{63FBD6CA-B6A7-4D06-8329-F0320082AF44}" dt="2018-10-17T16:56:12.398" v="658"/>
-          <ac:picMkLst>
-            <pc:docMk/>
-            <pc:sldMk cId="1064826665" sldId="267"/>
-            <ac:picMk id="8" creationId="{891DF9A1-5C98-4667-9368-971EB85D075F}"/>
-          </ac:picMkLst>
-        </pc:picChg>
-        <pc:picChg chg="del">
-          <ac:chgData name="Vladimir Djukanovic" userId="531fee88-bd9b-4ddf-92c3-017dce769294" providerId="ADAL" clId="{63FBD6CA-B6A7-4D06-8329-F0320082AF44}" dt="2018-10-17T16:53:26.909" v="648" actId="478"/>
-          <ac:picMkLst>
-            <pc:docMk/>
-            <pc:sldMk cId="1064826665" sldId="267"/>
-            <ac:picMk id="9" creationId="{015C1E04-5209-4077-A4CD-50290DDC2F7B}"/>
-          </ac:picMkLst>
-        </pc:picChg>
-      </pc:sldChg>
-      <pc:sldChg chg="addSp delSp modSp add">
-        <pc:chgData name="Vladimir Djukanovic" userId="531fee88-bd9b-4ddf-92c3-017dce769294" providerId="ADAL" clId="{63FBD6CA-B6A7-4D06-8329-F0320082AF44}" dt="2018-10-17T17:18:29.493" v="955" actId="14100"/>
-        <pc:sldMkLst>
-          <pc:docMk/>
-          <pc:sldMk cId="2005373014" sldId="268"/>
-        </pc:sldMkLst>
-        <pc:spChg chg="mod">
-          <ac:chgData name="Vladimir Djukanovic" userId="531fee88-bd9b-4ddf-92c3-017dce769294" providerId="ADAL" clId="{63FBD6CA-B6A7-4D06-8329-F0320082AF44}" dt="2018-10-17T17:14:59.037" v="954" actId="20577"/>
-          <ac:spMkLst>
-            <pc:docMk/>
-            <pc:sldMk cId="2005373014" sldId="268"/>
-            <ac:spMk id="6" creationId="{9604A27C-B520-4735-8D4C-AB99841CF3A0}"/>
-          </ac:spMkLst>
-        </pc:spChg>
-        <pc:picChg chg="del">
-          <ac:chgData name="Vladimir Djukanovic" userId="531fee88-bd9b-4ddf-92c3-017dce769294" providerId="ADAL" clId="{63FBD6CA-B6A7-4D06-8329-F0320082AF44}" dt="2018-10-17T16:56:24.956" v="663" actId="478"/>
-          <ac:picMkLst>
-            <pc:docMk/>
-            <pc:sldMk cId="2005373014" sldId="268"/>
-            <ac:picMk id="7" creationId="{71741ABE-8424-4AE1-96AC-908A1563636C}"/>
-          </ac:picMkLst>
-        </pc:picChg>
-        <pc:picChg chg="add del mod">
-          <ac:chgData name="Vladimir Djukanovic" userId="531fee88-bd9b-4ddf-92c3-017dce769294" providerId="ADAL" clId="{63FBD6CA-B6A7-4D06-8329-F0320082AF44}" dt="2018-10-17T17:14:32.463" v="887" actId="478"/>
-          <ac:picMkLst>
-            <pc:docMk/>
-            <pc:sldMk cId="2005373014" sldId="268"/>
-            <ac:picMk id="8" creationId="{CE63725A-34D5-409B-8E41-70F30D6B8747}"/>
-          </ac:picMkLst>
-        </pc:picChg>
-        <pc:picChg chg="add mod">
-          <ac:chgData name="Vladimir Djukanovic" userId="531fee88-bd9b-4ddf-92c3-017dce769294" providerId="ADAL" clId="{63FBD6CA-B6A7-4D06-8329-F0320082AF44}" dt="2018-10-17T17:18:29.493" v="955" actId="14100"/>
-          <ac:picMkLst>
-            <pc:docMk/>
-            <pc:sldMk cId="2005373014" sldId="268"/>
-            <ac:picMk id="9" creationId="{C7400BFA-8D7B-421C-8C8D-0C9F19104978}"/>
-          </ac:picMkLst>
-        </pc:picChg>
-      </pc:sldChg>
-      <pc:sldChg chg="addSp delSp modSp add">
-        <pc:chgData name="Vladimir Djukanovic" userId="531fee88-bd9b-4ddf-92c3-017dce769294" providerId="ADAL" clId="{63FBD6CA-B6A7-4D06-8329-F0320082AF44}" dt="2018-10-24T17:33:09.124" v="2158" actId="20577"/>
-        <pc:sldMkLst>
-          <pc:docMk/>
-          <pc:sldMk cId="3387143565" sldId="269"/>
-        </pc:sldMkLst>
-        <pc:spChg chg="mod">
-          <ac:chgData name="Vladimir Djukanovic" userId="531fee88-bd9b-4ddf-92c3-017dce769294" providerId="ADAL" clId="{63FBD6CA-B6A7-4D06-8329-F0320082AF44}" dt="2018-10-17T17:49:32.300" v="1092"/>
-          <ac:spMkLst>
-            <pc:docMk/>
-            <pc:sldMk cId="3387143565" sldId="269"/>
-            <ac:spMk id="2" creationId="{00000000-0000-0000-0000-000000000000}"/>
-          </ac:spMkLst>
-        </pc:spChg>
-        <pc:spChg chg="mod">
-          <ac:chgData name="Vladimir Djukanovic" userId="531fee88-bd9b-4ddf-92c3-017dce769294" providerId="ADAL" clId="{63FBD6CA-B6A7-4D06-8329-F0320082AF44}" dt="2018-10-24T17:33:09.124" v="2158" actId="20577"/>
-          <ac:spMkLst>
-            <pc:docMk/>
-            <pc:sldMk cId="3387143565" sldId="269"/>
-            <ac:spMk id="6" creationId="{9604A27C-B520-4735-8D4C-AB99841CF3A0}"/>
-          </ac:spMkLst>
-        </pc:spChg>
-        <pc:picChg chg="add del mod">
-          <ac:chgData name="Vladimir Djukanovic" userId="531fee88-bd9b-4ddf-92c3-017dce769294" providerId="ADAL" clId="{63FBD6CA-B6A7-4D06-8329-F0320082AF44}" dt="2018-10-18T06:44:10.500" v="1479" actId="478"/>
-          <ac:picMkLst>
-            <pc:docMk/>
-            <pc:sldMk cId="3387143565" sldId="269"/>
-            <ac:picMk id="7" creationId="{2089FEC4-04CA-4C3D-B266-4E636C74361A}"/>
-          </ac:picMkLst>
-        </pc:picChg>
-        <pc:picChg chg="del">
-          <ac:chgData name="Vladimir Djukanovic" userId="531fee88-bd9b-4ddf-92c3-017dce769294" providerId="ADAL" clId="{63FBD6CA-B6A7-4D06-8329-F0320082AF44}" dt="2018-10-17T17:46:23.924" v="966" actId="478"/>
-          <ac:picMkLst>
-            <pc:docMk/>
-            <pc:sldMk cId="3387143565" sldId="269"/>
-            <ac:picMk id="9" creationId="{C7400BFA-8D7B-421C-8C8D-0C9F19104978}"/>
-          </ac:picMkLst>
-        </pc:picChg>
-      </pc:sldChg>
-      <pc:sldChg chg="addSp delSp modSp">
-        <pc:chgData name="Vladimir Djukanovic" userId="531fee88-bd9b-4ddf-92c3-017dce769294" providerId="ADAL" clId="{63FBD6CA-B6A7-4D06-8329-F0320082AF44}" dt="2018-10-18T06:00:07.377" v="1115" actId="1076"/>
-        <pc:sldMkLst>
-          <pc:docMk/>
-          <pc:sldMk cId="109652283" sldId="270"/>
-        </pc:sldMkLst>
-        <pc:spChg chg="mod">
-          <ac:chgData name="Vladimir Djukanovic" userId="531fee88-bd9b-4ddf-92c3-017dce769294" providerId="ADAL" clId="{63FBD6CA-B6A7-4D06-8329-F0320082AF44}" dt="2018-10-18T06:00:07.377" v="1115" actId="1076"/>
-          <ac:spMkLst>
-            <pc:docMk/>
-            <pc:sldMk cId="109652283" sldId="270"/>
-            <ac:spMk id="2" creationId="{CA3DFA79-D872-4F75-BCB7-2F540D3AE6D1}"/>
-          </ac:spMkLst>
-        </pc:spChg>
-        <pc:spChg chg="del">
-          <ac:chgData name="Vladimir Djukanovic" userId="531fee88-bd9b-4ddf-92c3-017dce769294" providerId="ADAL" clId="{63FBD6CA-B6A7-4D06-8329-F0320082AF44}" dt="2018-10-18T05:59:24.829" v="1097" actId="478"/>
-          <ac:spMkLst>
-            <pc:docMk/>
-            <pc:sldMk cId="109652283" sldId="270"/>
-            <ac:spMk id="4" creationId="{DA018914-5596-4FF1-87B6-64BF18A73C97}"/>
-          </ac:spMkLst>
-        </pc:spChg>
-        <pc:spChg chg="add del mod">
-          <ac:chgData name="Vladimir Djukanovic" userId="531fee88-bd9b-4ddf-92c3-017dce769294" providerId="ADAL" clId="{63FBD6CA-B6A7-4D06-8329-F0320082AF44}" dt="2018-10-18T05:59:26.650" v="1098"/>
-          <ac:spMkLst>
-            <pc:docMk/>
-            <pc:sldMk cId="109652283" sldId="270"/>
-            <ac:spMk id="6" creationId="{A478C8DA-880C-4441-9A98-44A48048C42A}"/>
-          </ac:spMkLst>
-        </pc:spChg>
-        <pc:spChg chg="add mod">
-          <ac:chgData name="Vladimir Djukanovic" userId="531fee88-bd9b-4ddf-92c3-017dce769294" providerId="ADAL" clId="{63FBD6CA-B6A7-4D06-8329-F0320082AF44}" dt="2018-10-18T06:00:05.403" v="1114" actId="1035"/>
-          <ac:spMkLst>
-            <pc:docMk/>
-            <pc:sldMk cId="109652283" sldId="270"/>
-            <ac:spMk id="7" creationId="{ECBCB1BD-1DB4-4E67-BA90-22C518D79BE2}"/>
-          </ac:spMkLst>
-        </pc:spChg>
-      </pc:sldChg>
-      <pc:sldChg chg="modSp">
-        <pc:chgData name="Vladimir Djukanovic" userId="531fee88-bd9b-4ddf-92c3-017dce769294" providerId="ADAL" clId="{63FBD6CA-B6A7-4D06-8329-F0320082AF44}" dt="2018-10-24T17:03:07.348" v="2126" actId="15"/>
-        <pc:sldMkLst>
-          <pc:docMk/>
-          <pc:sldMk cId="2176958951" sldId="272"/>
-        </pc:sldMkLst>
-        <pc:spChg chg="mod">
-          <ac:chgData name="Vladimir Djukanovic" userId="531fee88-bd9b-4ddf-92c3-017dce769294" providerId="ADAL" clId="{63FBD6CA-B6A7-4D06-8329-F0320082AF44}" dt="2018-10-24T17:03:07.348" v="2126" actId="15"/>
-          <ac:spMkLst>
-            <pc:docMk/>
-            <pc:sldMk cId="2176958951" sldId="272"/>
-            <ac:spMk id="5" creationId="{66068CC2-CFC1-44EA-B4E9-7CDAB6DB8789}"/>
-          </ac:spMkLst>
-        </pc:spChg>
-      </pc:sldChg>
-      <pc:sldChg chg="modSp">
-        <pc:chgData name="Vladimir Djukanovic" userId="531fee88-bd9b-4ddf-92c3-017dce769294" providerId="ADAL" clId="{63FBD6CA-B6A7-4D06-8329-F0320082AF44}" dt="2018-10-18T06:02:22.726" v="1116" actId="1076"/>
-        <pc:sldMkLst>
-          <pc:docMk/>
-          <pc:sldMk cId="3037438443" sldId="273"/>
-        </pc:sldMkLst>
-        <pc:spChg chg="mod">
-          <ac:chgData name="Vladimir Djukanovic" userId="531fee88-bd9b-4ddf-92c3-017dce769294" providerId="ADAL" clId="{63FBD6CA-B6A7-4D06-8329-F0320082AF44}" dt="2018-10-18T06:02:22.726" v="1116" actId="1076"/>
-          <ac:spMkLst>
-            <pc:docMk/>
-            <pc:sldMk cId="3037438443" sldId="273"/>
-            <ac:spMk id="4" creationId="{54FD2866-10CA-47E9-9AE3-B16F3CDF474A}"/>
-          </ac:spMkLst>
-        </pc:spChg>
-      </pc:sldChg>
-      <pc:sldChg chg="addSp delSp modSp">
-        <pc:chgData name="Vladimir Djukanovic" userId="531fee88-bd9b-4ddf-92c3-017dce769294" providerId="ADAL" clId="{63FBD6CA-B6A7-4D06-8329-F0320082AF44}" dt="2018-10-25T07:20:41.102" v="2163" actId="14100"/>
-        <pc:sldMkLst>
-          <pc:docMk/>
-          <pc:sldMk cId="1338769276" sldId="274"/>
-        </pc:sldMkLst>
-        <pc:picChg chg="del">
-          <ac:chgData name="Vladimir Djukanovic" userId="531fee88-bd9b-4ddf-92c3-017dce769294" providerId="ADAL" clId="{63FBD6CA-B6A7-4D06-8329-F0320082AF44}" dt="2018-10-25T07:20:29.368" v="2159" actId="478"/>
-          <ac:picMkLst>
-            <pc:docMk/>
-            <pc:sldMk cId="1338769276" sldId="274"/>
-            <ac:picMk id="8" creationId="{0067A694-DF3B-44C7-B11A-B7412CA9E0DD}"/>
-          </ac:picMkLst>
-        </pc:picChg>
-        <pc:picChg chg="add mod">
-          <ac:chgData name="Vladimir Djukanovic" userId="531fee88-bd9b-4ddf-92c3-017dce769294" providerId="ADAL" clId="{63FBD6CA-B6A7-4D06-8329-F0320082AF44}" dt="2018-10-25T07:20:41.102" v="2163" actId="14100"/>
-          <ac:picMkLst>
-            <pc:docMk/>
-            <pc:sldMk cId="1338769276" sldId="274"/>
-            <ac:picMk id="9" creationId="{7387392E-A3AA-4B40-92BA-F4745F4EE448}"/>
-          </ac:picMkLst>
-        </pc:picChg>
-      </pc:sldChg>
-      <pc:sldChg chg="addSp delSp modSp">
-        <pc:chgData name="Vladimir Djukanovic" userId="531fee88-bd9b-4ddf-92c3-017dce769294" providerId="ADAL" clId="{63FBD6CA-B6A7-4D06-8329-F0320082AF44}" dt="2018-10-25T07:21:37.627" v="2173" actId="1076"/>
-        <pc:sldMkLst>
-          <pc:docMk/>
-          <pc:sldMk cId="1658721005" sldId="275"/>
-        </pc:sldMkLst>
-        <pc:picChg chg="del">
-          <ac:chgData name="Vladimir Djukanovic" userId="531fee88-bd9b-4ddf-92c3-017dce769294" providerId="ADAL" clId="{63FBD6CA-B6A7-4D06-8329-F0320082AF44}" dt="2018-10-25T07:21:20.007" v="2164" actId="478"/>
-          <ac:picMkLst>
-            <pc:docMk/>
-            <pc:sldMk cId="1658721005" sldId="275"/>
-            <ac:picMk id="3" creationId="{2D8C81AD-8FF3-4570-B3AB-EBB51BFFB7CD}"/>
-          </ac:picMkLst>
-        </pc:picChg>
-        <pc:picChg chg="add mod">
-          <ac:chgData name="Vladimir Djukanovic" userId="531fee88-bd9b-4ddf-92c3-017dce769294" providerId="ADAL" clId="{63FBD6CA-B6A7-4D06-8329-F0320082AF44}" dt="2018-10-25T07:21:37.627" v="2173" actId="1076"/>
-          <ac:picMkLst>
-            <pc:docMk/>
-            <pc:sldMk cId="1658721005" sldId="275"/>
-            <ac:picMk id="5" creationId="{46244B12-DC22-44AD-9E2E-3AEE394D32AD}"/>
-          </ac:picMkLst>
-        </pc:picChg>
-      </pc:sldChg>
-      <pc:sldChg chg="modSp">
-        <pc:chgData name="Vladimir Djukanovic" userId="531fee88-bd9b-4ddf-92c3-017dce769294" providerId="ADAL" clId="{63FBD6CA-B6A7-4D06-8329-F0320082AF44}" dt="2018-10-18T06:12:01.377" v="1314" actId="1036"/>
-        <pc:sldMkLst>
-          <pc:docMk/>
-          <pc:sldMk cId="831685588" sldId="276"/>
-        </pc:sldMkLst>
-        <pc:spChg chg="mod">
-          <ac:chgData name="Vladimir Djukanovic" userId="531fee88-bd9b-4ddf-92c3-017dce769294" providerId="ADAL" clId="{63FBD6CA-B6A7-4D06-8329-F0320082AF44}" dt="2018-10-18T06:12:01.377" v="1314" actId="1036"/>
-          <ac:spMkLst>
-            <pc:docMk/>
-            <pc:sldMk cId="831685588" sldId="276"/>
-            <ac:spMk id="4" creationId="{4E311D12-DCDB-47DD-B501-1E3AD9456AEB}"/>
-          </ac:spMkLst>
-        </pc:spChg>
-      </pc:sldChg>
-      <pc:sldChg chg="modSp">
-        <pc:chgData name="Vladimir Djukanovic" userId="531fee88-bd9b-4ddf-92c3-017dce769294" providerId="ADAL" clId="{63FBD6CA-B6A7-4D06-8329-F0320082AF44}" dt="2018-10-18T06:12:10.372" v="1315" actId="1076"/>
-        <pc:sldMkLst>
-          <pc:docMk/>
-          <pc:sldMk cId="82594108" sldId="277"/>
-        </pc:sldMkLst>
-        <pc:spChg chg="mod">
-          <ac:chgData name="Vladimir Djukanovic" userId="531fee88-bd9b-4ddf-92c3-017dce769294" providerId="ADAL" clId="{63FBD6CA-B6A7-4D06-8329-F0320082AF44}" dt="2018-10-18T06:12:10.372" v="1315" actId="1076"/>
-          <ac:spMkLst>
-            <pc:docMk/>
-            <pc:sldMk cId="82594108" sldId="277"/>
-            <ac:spMk id="4" creationId="{1566DCA6-6766-451D-9DCA-D2C53AE8E768}"/>
-          </ac:spMkLst>
-        </pc:spChg>
-      </pc:sldChg>
-      <pc:sldChg chg="addSp delSp modSp">
-        <pc:chgData name="Vladimir Djukanovic" userId="531fee88-bd9b-4ddf-92c3-017dce769294" providerId="ADAL" clId="{63FBD6CA-B6A7-4D06-8329-F0320082AF44}" dt="2018-10-18T06:12:23.578" v="1316" actId="1076"/>
-        <pc:sldMkLst>
-          <pc:docMk/>
-          <pc:sldMk cId="1140328402" sldId="279"/>
-        </pc:sldMkLst>
-        <pc:spChg chg="add del mod">
-          <ac:chgData name="Vladimir Djukanovic" userId="531fee88-bd9b-4ddf-92c3-017dce769294" providerId="ADAL" clId="{63FBD6CA-B6A7-4D06-8329-F0320082AF44}" dt="2018-10-18T06:12:23.578" v="1316" actId="1076"/>
-          <ac:spMkLst>
-            <pc:docMk/>
-            <pc:sldMk cId="1140328402" sldId="279"/>
-            <ac:spMk id="4" creationId="{A222B3B8-3E61-461E-8443-F2A6DFFF9FEC}"/>
-          </ac:spMkLst>
-        </pc:spChg>
-      </pc:sldChg>
-      <pc:sldChg chg="addSp delSp modSp add">
         <pc:chgData name="Vladimir Djukanovic" userId="531fee88-bd9b-4ddf-92c3-017dce769294" providerId="ADAL" clId="{63FBD6CA-B6A7-4D06-8329-F0320082AF44}" dt="2018-10-24T14:37:22.392" v="1551" actId="20577"/>
         <pc:sldMkLst>
           <pc:docMk/>
@@ -1249,265 +1051,41 @@
     </pc:docChg>
   </pc:docChgLst>
   <pc:docChgLst>
-    <pc:chgData name="Bastien Delbouys" userId="S::bds18002@student.mdh.se::bd00e1b1-de21-4a58-9f48-315acb855e95" providerId="AD" clId="Web-{8E4A1B51-C8B2-48BF-AAE9-D5FC7F51666F}"/>
-    <pc:docChg chg="addSld modSld sldOrd">
-      <pc:chgData name="Bastien Delbouys" userId="S::bds18002@student.mdh.se::bd00e1b1-de21-4a58-9f48-315acb855e95" providerId="AD" clId="Web-{8E4A1B51-C8B2-48BF-AAE9-D5FC7F51666F}" dt="2018-10-17T21:42:37.098" v="468" actId="20577"/>
+    <pc:chgData name="Bastien Delbouys" userId="S::bds18002@student.mdh.se::bd00e1b1-de21-4a58-9f48-315acb855e95" providerId="AD" clId="Web-{BF610CF2-F64F-4C2D-A3B6-9A3A6D0B488E}"/>
+    <pc:docChg chg="modSld">
+      <pc:chgData name="Bastien Delbouys" userId="S::bds18002@student.mdh.se::bd00e1b1-de21-4a58-9f48-315acb855e95" providerId="AD" clId="Web-{BF610CF2-F64F-4C2D-A3B6-9A3A6D0B488E}" dt="2018-11-07T23:16:17.601" v="1419" actId="20577"/>
       <pc:docMkLst>
         <pc:docMk/>
       </pc:docMkLst>
-      <pc:sldChg chg="addSp modSp mod modClrScheme chgLayout">
-        <pc:chgData name="Bastien Delbouys" userId="S::bds18002@student.mdh.se::bd00e1b1-de21-4a58-9f48-315acb855e95" providerId="AD" clId="Web-{8E4A1B51-C8B2-48BF-AAE9-D5FC7F51666F}" dt="2018-10-17T21:42:37.098" v="468" actId="20577"/>
+      <pc:sldChg chg="modSp">
+        <pc:chgData name="Bastien Delbouys" userId="S::bds18002@student.mdh.se::bd00e1b1-de21-4a58-9f48-315acb855e95" providerId="AD" clId="Web-{BF610CF2-F64F-4C2D-A3B6-9A3A6D0B488E}" dt="2018-11-07T23:07:25.878" v="1008" actId="20577"/>
         <pc:sldMkLst>
           <pc:docMk/>
-          <pc:sldMk cId="3037438443" sldId="273"/>
+          <pc:sldMk cId="275817620" sldId="288"/>
         </pc:sldMkLst>
-        <pc:spChg chg="mod ord">
-          <ac:chgData name="Bastien Delbouys" userId="S::bds18002@student.mdh.se::bd00e1b1-de21-4a58-9f48-315acb855e95" providerId="AD" clId="Web-{8E4A1B51-C8B2-48BF-AAE9-D5FC7F51666F}" dt="2018-10-17T21:42:35.895" v="467" actId="20577"/>
+        <pc:spChg chg="mod">
+          <ac:chgData name="Bastien Delbouys" userId="S::bds18002@student.mdh.se::bd00e1b1-de21-4a58-9f48-315acb855e95" providerId="AD" clId="Web-{BF610CF2-F64F-4C2D-A3B6-9A3A6D0B488E}" dt="2018-11-07T23:07:25.878" v="1008" actId="20577"/>
           <ac:spMkLst>
             <pc:docMk/>
-            <pc:sldMk cId="3037438443" sldId="273"/>
-            <ac:spMk id="2" creationId="{75EDA378-6B07-4588-BF26-551A0C5B53F9}"/>
-          </ac:spMkLst>
-        </pc:spChg>
-        <pc:spChg chg="mod ord">
-          <ac:chgData name="Bastien Delbouys" userId="S::bds18002@student.mdh.se::bd00e1b1-de21-4a58-9f48-315acb855e95" providerId="AD" clId="Web-{8E4A1B51-C8B2-48BF-AAE9-D5FC7F51666F}" dt="2018-10-17T21:33:15.058" v="0"/>
-          <ac:spMkLst>
-            <pc:docMk/>
-            <pc:sldMk cId="3037438443" sldId="273"/>
-            <ac:spMk id="3" creationId="{1CDB8976-2053-4E42-AAD2-402A8E233B56}"/>
-          </ac:spMkLst>
-        </pc:spChg>
-        <pc:spChg chg="mod ord">
-          <ac:chgData name="Bastien Delbouys" userId="S::bds18002@student.mdh.se::bd00e1b1-de21-4a58-9f48-315acb855e95" providerId="AD" clId="Web-{8E4A1B51-C8B2-48BF-AAE9-D5FC7F51666F}" dt="2018-10-17T21:33:15.058" v="0"/>
-          <ac:spMkLst>
-            <pc:docMk/>
-            <pc:sldMk cId="3037438443" sldId="273"/>
-            <ac:spMk id="4" creationId="{54FD2866-10CA-47E9-9AE3-B16F3CDF474A}"/>
-          </ac:spMkLst>
-        </pc:spChg>
-        <pc:spChg chg="add mod ord">
-          <ac:chgData name="Bastien Delbouys" userId="S::bds18002@student.mdh.se::bd00e1b1-de21-4a58-9f48-315acb855e95" providerId="AD" clId="Web-{8E4A1B51-C8B2-48BF-AAE9-D5FC7F51666F}" dt="2018-10-17T21:41:25.098" v="406" actId="20577"/>
-          <ac:spMkLst>
-            <pc:docMk/>
-            <pc:sldMk cId="3037438443" sldId="273"/>
-            <ac:spMk id="5" creationId="{C7C65D9A-C953-410B-83B5-12027E5AF136}"/>
-          </ac:spMkLst>
-        </pc:spChg>
-        <pc:spChg chg="add mod ord">
-          <ac:chgData name="Bastien Delbouys" userId="S::bds18002@student.mdh.se::bd00e1b1-de21-4a58-9f48-315acb855e95" providerId="AD" clId="Web-{8E4A1B51-C8B2-48BF-AAE9-D5FC7F51666F}" dt="2018-10-17T21:42:37.098" v="468" actId="20577"/>
-          <ac:spMkLst>
-            <pc:docMk/>
-            <pc:sldMk cId="3037438443" sldId="273"/>
-            <ac:spMk id="6" creationId="{4AD95A6A-66D0-4CEF-9E94-338C30E496BF}"/>
-          </ac:spMkLst>
-        </pc:spChg>
-        <pc:spChg chg="add mod ord">
-          <ac:chgData name="Bastien Delbouys" userId="S::bds18002@student.mdh.se::bd00e1b1-de21-4a58-9f48-315acb855e95" providerId="AD" clId="Web-{8E4A1B51-C8B2-48BF-AAE9-D5FC7F51666F}" dt="2018-10-17T21:42:19.317" v="464" actId="20577"/>
-          <ac:spMkLst>
-            <pc:docMk/>
-            <pc:sldMk cId="3037438443" sldId="273"/>
-            <ac:spMk id="7" creationId="{64B69404-58E1-4752-9B38-7929B2A31151}"/>
+            <pc:sldMk cId="275817620" sldId="288"/>
+            <ac:spMk id="2" creationId="{DC0B5CE3-D4DD-44F6-AED7-45FFD24F1F91}"/>
           </ac:spMkLst>
         </pc:spChg>
       </pc:sldChg>
-      <pc:sldChg chg="addSp delSp modSp new mod modClrScheme chgLayout">
-        <pc:chgData name="Bastien Delbouys" userId="S::bds18002@student.mdh.se::bd00e1b1-de21-4a58-9f48-315acb855e95" providerId="AD" clId="Web-{8E4A1B51-C8B2-48BF-AAE9-D5FC7F51666F}" dt="2018-10-17T21:36:28.937" v="156" actId="1076"/>
+      <pc:sldChg chg="modSp">
+        <pc:chgData name="Bastien Delbouys" userId="S::bds18002@student.mdh.se::bd00e1b1-de21-4a58-9f48-315acb855e95" providerId="AD" clId="Web-{BF610CF2-F64F-4C2D-A3B6-9A3A6D0B488E}" dt="2018-11-07T23:16:17.601" v="1418" actId="20577"/>
         <pc:sldMkLst>
           <pc:docMk/>
-          <pc:sldMk cId="1338769276" sldId="274"/>
+          <pc:sldMk cId="952673919" sldId="289"/>
         </pc:sldMkLst>
-        <pc:spChg chg="mod ord">
-          <ac:chgData name="Bastien Delbouys" userId="S::bds18002@student.mdh.se::bd00e1b1-de21-4a58-9f48-315acb855e95" providerId="AD" clId="Web-{8E4A1B51-C8B2-48BF-AAE9-D5FC7F51666F}" dt="2018-10-17T21:35:13.702" v="125"/>
+        <pc:spChg chg="mod">
+          <ac:chgData name="Bastien Delbouys" userId="S::bds18002@student.mdh.se::bd00e1b1-de21-4a58-9f48-315acb855e95" providerId="AD" clId="Web-{BF610CF2-F64F-4C2D-A3B6-9A3A6D0B488E}" dt="2018-11-07T23:16:17.601" v="1418" actId="20577"/>
           <ac:spMkLst>
             <pc:docMk/>
-            <pc:sldMk cId="1338769276" sldId="274"/>
-            <ac:spMk id="2" creationId="{4F5F5708-08E7-4705-AB20-59A0DB0325D8}"/>
+            <pc:sldMk cId="952673919" sldId="289"/>
+            <ac:spMk id="2" creationId="{DC0B5CE3-D4DD-44F6-AED7-45FFD24F1F91}"/>
           </ac:spMkLst>
         </pc:spChg>
-        <pc:spChg chg="del">
-          <ac:chgData name="Bastien Delbouys" userId="S::bds18002@student.mdh.se::bd00e1b1-de21-4a58-9f48-315acb855e95" providerId="AD" clId="Web-{8E4A1B51-C8B2-48BF-AAE9-D5FC7F51666F}" dt="2018-10-17T21:35:13.702" v="125"/>
-          <ac:spMkLst>
-            <pc:docMk/>
-            <pc:sldMk cId="1338769276" sldId="274"/>
-            <ac:spMk id="3" creationId="{83F96E75-AAFB-4DF9-BA3C-33A01BD322DD}"/>
-          </ac:spMkLst>
-        </pc:spChg>
-        <pc:spChg chg="del">
-          <ac:chgData name="Bastien Delbouys" userId="S::bds18002@student.mdh.se::bd00e1b1-de21-4a58-9f48-315acb855e95" providerId="AD" clId="Web-{8E4A1B51-C8B2-48BF-AAE9-D5FC7F51666F}" dt="2018-10-17T21:35:13.702" v="125"/>
-          <ac:spMkLst>
-            <pc:docMk/>
-            <pc:sldMk cId="1338769276" sldId="274"/>
-            <ac:spMk id="4" creationId="{FFE62070-3CE9-42E4-951B-BCE32FA6A49E}"/>
-          </ac:spMkLst>
-        </pc:spChg>
-        <pc:spChg chg="del">
-          <ac:chgData name="Bastien Delbouys" userId="S::bds18002@student.mdh.se::bd00e1b1-de21-4a58-9f48-315acb855e95" providerId="AD" clId="Web-{8E4A1B51-C8B2-48BF-AAE9-D5FC7F51666F}" dt="2018-10-17T21:35:13.702" v="125"/>
-          <ac:spMkLst>
-            <pc:docMk/>
-            <pc:sldMk cId="1338769276" sldId="274"/>
-            <ac:spMk id="5" creationId="{F008DC88-6B31-4FDA-B143-D21B99A89876}"/>
-          </ac:spMkLst>
-        </pc:spChg>
-        <pc:spChg chg="mod ord">
-          <ac:chgData name="Bastien Delbouys" userId="S::bds18002@student.mdh.se::bd00e1b1-de21-4a58-9f48-315acb855e95" providerId="AD" clId="Web-{8E4A1B51-C8B2-48BF-AAE9-D5FC7F51666F}" dt="2018-10-17T21:35:13.702" v="125"/>
-          <ac:spMkLst>
-            <pc:docMk/>
-            <pc:sldMk cId="1338769276" sldId="274"/>
-            <ac:spMk id="6" creationId="{CFA4CF25-58A1-46B1-AC92-4639BBE801C5}"/>
-          </ac:spMkLst>
-        </pc:spChg>
-        <pc:spChg chg="mod ord">
-          <ac:chgData name="Bastien Delbouys" userId="S::bds18002@student.mdh.se::bd00e1b1-de21-4a58-9f48-315acb855e95" providerId="AD" clId="Web-{8E4A1B51-C8B2-48BF-AAE9-D5FC7F51666F}" dt="2018-10-17T21:36:00.328" v="152" actId="20577"/>
-          <ac:spMkLst>
-            <pc:docMk/>
-            <pc:sldMk cId="1338769276" sldId="274"/>
-            <ac:spMk id="7" creationId="{0D560DD4-73FB-447A-81F6-39B9925957D2}"/>
-          </ac:spMkLst>
-        </pc:spChg>
-        <pc:picChg chg="add mod">
-          <ac:chgData name="Bastien Delbouys" userId="S::bds18002@student.mdh.se::bd00e1b1-de21-4a58-9f48-315acb855e95" providerId="AD" clId="Web-{8E4A1B51-C8B2-48BF-AAE9-D5FC7F51666F}" dt="2018-10-17T21:36:28.937" v="156" actId="1076"/>
-          <ac:picMkLst>
-            <pc:docMk/>
-            <pc:sldMk cId="1338769276" sldId="274"/>
-            <ac:picMk id="8" creationId="{0067A694-DF3B-44C7-B11A-B7412CA9E0DD}"/>
-          </ac:picMkLst>
-        </pc:picChg>
-      </pc:sldChg>
-      <pc:sldChg chg="addSp delSp modSp add ord replId">
-        <pc:chgData name="Bastien Delbouys" userId="S::bds18002@student.mdh.se::bd00e1b1-de21-4a58-9f48-315acb855e95" providerId="AD" clId="Web-{8E4A1B51-C8B2-48BF-AAE9-D5FC7F51666F}" dt="2018-10-17T21:41:09.801" v="394"/>
-        <pc:sldMkLst>
-          <pc:docMk/>
-          <pc:sldMk cId="1658721005" sldId="275"/>
-        </pc:sldMkLst>
-        <pc:spChg chg="mod">
-          <ac:chgData name="Bastien Delbouys" userId="S::bds18002@student.mdh.se::bd00e1b1-de21-4a58-9f48-315acb855e95" providerId="AD" clId="Web-{8E4A1B51-C8B2-48BF-AAE9-D5FC7F51666F}" dt="2018-10-17T21:36:39.625" v="158" actId="20577"/>
-          <ac:spMkLst>
-            <pc:docMk/>
-            <pc:sldMk cId="1658721005" sldId="275"/>
-            <ac:spMk id="7" creationId="{0D560DD4-73FB-447A-81F6-39B9925957D2}"/>
-          </ac:spMkLst>
-        </pc:spChg>
-        <pc:picChg chg="add mod">
-          <ac:chgData name="Bastien Delbouys" userId="S::bds18002@student.mdh.se::bd00e1b1-de21-4a58-9f48-315acb855e95" providerId="AD" clId="Web-{8E4A1B51-C8B2-48BF-AAE9-D5FC7F51666F}" dt="2018-10-17T21:36:59.515" v="165" actId="1076"/>
-          <ac:picMkLst>
-            <pc:docMk/>
-            <pc:sldMk cId="1658721005" sldId="275"/>
-            <ac:picMk id="3" creationId="{2D8C81AD-8FF3-4570-B3AB-EBB51BFFB7CD}"/>
-          </ac:picMkLst>
-        </pc:picChg>
-        <pc:picChg chg="del">
-          <ac:chgData name="Bastien Delbouys" userId="S::bds18002@student.mdh.se::bd00e1b1-de21-4a58-9f48-315acb855e95" providerId="AD" clId="Web-{8E4A1B51-C8B2-48BF-AAE9-D5FC7F51666F}" dt="2018-10-17T21:36:46.484" v="162"/>
-          <ac:picMkLst>
-            <pc:docMk/>
-            <pc:sldMk cId="1658721005" sldId="275"/>
-            <ac:picMk id="8" creationId="{0067A694-DF3B-44C7-B11A-B7412CA9E0DD}"/>
-          </ac:picMkLst>
-        </pc:picChg>
-      </pc:sldChg>
-    </pc:docChg>
-  </pc:docChgLst>
-  <pc:docChgLst>
-    <pc:chgData name="Cristian Capozucco" userId="S::cco18001@student.mdh.se::c4bc8584-4a9c-4ea1-ad2e-d5558672c34a" providerId="AD" clId="Web-{20A9C2D8-2A8D-4084-9AD2-11E45B8BBB79}"/>
-    <pc:docChg chg="addSld modSld">
-      <pc:chgData name="Cristian Capozucco" userId="S::cco18001@student.mdh.se::c4bc8584-4a9c-4ea1-ad2e-d5558672c34a" providerId="AD" clId="Web-{20A9C2D8-2A8D-4084-9AD2-11E45B8BBB79}" dt="2018-10-17T12:49:11.706" v="38" actId="20577"/>
-      <pc:docMkLst>
-        <pc:docMk/>
-      </pc:docMkLst>
-      <pc:sldChg chg="modSp new">
-        <pc:chgData name="Cristian Capozucco" userId="S::cco18001@student.mdh.se::c4bc8584-4a9c-4ea1-ad2e-d5558672c34a" providerId="AD" clId="Web-{20A9C2D8-2A8D-4084-9AD2-11E45B8BBB79}" dt="2018-10-17T12:49:11.706" v="37" actId="20577"/>
-        <pc:sldMkLst>
-          <pc:docMk/>
-          <pc:sldMk cId="3809576940" sldId="261"/>
-        </pc:sldMkLst>
-        <pc:spChg chg="mod">
-          <ac:chgData name="Cristian Capozucco" userId="S::cco18001@student.mdh.se::c4bc8584-4a9c-4ea1-ad2e-d5558672c34a" providerId="AD" clId="Web-{20A9C2D8-2A8D-4084-9AD2-11E45B8BBB79}" dt="2018-10-17T12:49:11.706" v="37" actId="20577"/>
-          <ac:spMkLst>
-            <pc:docMk/>
-            <pc:sldMk cId="3809576940" sldId="261"/>
-            <ac:spMk id="3" creationId="{7001C690-927B-4312-BBDD-20D7E43CDC8F}"/>
-          </ac:spMkLst>
-        </pc:spChg>
-      </pc:sldChg>
-    </pc:docChg>
-  </pc:docChgLst>
-  <pc:docChgLst>
-    <pc:chgData name="Bastien Delbouys" userId="S::bds18002@student.mdh.se::bd00e1b1-de21-4a58-9f48-315acb855e95" providerId="AD" clId="Web-{E077BC5E-0129-4CA4-A32E-66CEF32B30E3}"/>
-    <pc:docChg chg="delSld">
-      <pc:chgData name="Bastien Delbouys" userId="S::bds18002@student.mdh.se::bd00e1b1-de21-4a58-9f48-315acb855e95" providerId="AD" clId="Web-{E077BC5E-0129-4CA4-A32E-66CEF32B30E3}" dt="2018-10-17T17:12:42.589" v="1"/>
-      <pc:docMkLst>
-        <pc:docMk/>
-      </pc:docMkLst>
-    </pc:docChg>
-  </pc:docChgLst>
-  <pc:docChgLst>
-    <pc:chgData name="Cristian Capozucco" userId="S::cco18001@student.mdh.se::c4bc8584-4a9c-4ea1-ad2e-d5558672c34a" providerId="AD" clId="Web-{BCC70B4D-C55B-41FF-B11A-0BD8074AFD00}"/>
-    <pc:docChg chg="modSld">
-      <pc:chgData name="Cristian Capozucco" userId="S::cco18001@student.mdh.se::c4bc8584-4a9c-4ea1-ad2e-d5558672c34a" providerId="AD" clId="Web-{BCC70B4D-C55B-41FF-B11A-0BD8074AFD00}" dt="2018-10-24T21:38:55.303" v="6" actId="14100"/>
-      <pc:docMkLst>
-        <pc:docMk/>
-      </pc:docMkLst>
-      <pc:sldChg chg="addSp delSp modSp">
-        <pc:chgData name="Cristian Capozucco" userId="S::cco18001@student.mdh.se::c4bc8584-4a9c-4ea1-ad2e-d5558672c34a" providerId="AD" clId="Web-{BCC70B4D-C55B-41FF-B11A-0BD8074AFD00}" dt="2018-10-24T21:38:55.303" v="6" actId="14100"/>
-        <pc:sldMkLst>
-          <pc:docMk/>
-          <pc:sldMk cId="3809576940" sldId="261"/>
-        </pc:sldMkLst>
-        <pc:picChg chg="add mod">
-          <ac:chgData name="Cristian Capozucco" userId="S::cco18001@student.mdh.se::c4bc8584-4a9c-4ea1-ad2e-d5558672c34a" providerId="AD" clId="Web-{BCC70B4D-C55B-41FF-B11A-0BD8074AFD00}" dt="2018-10-24T21:38:55.303" v="6" actId="14100"/>
-          <ac:picMkLst>
-            <pc:docMk/>
-            <pc:sldMk cId="3809576940" sldId="261"/>
-            <ac:picMk id="4" creationId="{A85CD36E-5DE1-4B7E-8B6D-A680FE48A97F}"/>
-          </ac:picMkLst>
-        </pc:picChg>
-        <pc:picChg chg="del">
-          <ac:chgData name="Cristian Capozucco" userId="S::cco18001@student.mdh.se::c4bc8584-4a9c-4ea1-ad2e-d5558672c34a" providerId="AD" clId="Web-{BCC70B4D-C55B-41FF-B11A-0BD8074AFD00}" dt="2018-10-24T21:37:47.287" v="0"/>
-          <ac:picMkLst>
-            <pc:docMk/>
-            <pc:sldMk cId="3809576940" sldId="261"/>
-            <ac:picMk id="7" creationId="{6CD66E97-C343-4A7B-B9EF-052FC1716CA8}"/>
-          </ac:picMkLst>
-        </pc:picChg>
-      </pc:sldChg>
-    </pc:docChg>
-  </pc:docChgLst>
-  <pc:docChgLst>
-    <pc:chgData name="Cristian Capozucco" userId="S::cco18001@student.mdh.se::c4bc8584-4a9c-4ea1-ad2e-d5558672c34a" providerId="AD" clId="Web-{A3997F3B-BE2D-4091-8D5D-A2ADEB6E256C}"/>
-    <pc:docChg chg="modSld">
-      <pc:chgData name="Cristian Capozucco" userId="S::cco18001@student.mdh.se::c4bc8584-4a9c-4ea1-ad2e-d5558672c34a" providerId="AD" clId="Web-{A3997F3B-BE2D-4091-8D5D-A2ADEB6E256C}" dt="2018-10-24T21:31:48.758" v="13" actId="14100"/>
-      <pc:docMkLst>
-        <pc:docMk/>
-      </pc:docMkLst>
-      <pc:sldChg chg="addSp delSp modSp">
-        <pc:chgData name="Cristian Capozucco" userId="S::cco18001@student.mdh.se::c4bc8584-4a9c-4ea1-ad2e-d5558672c34a" providerId="AD" clId="Web-{A3997F3B-BE2D-4091-8D5D-A2ADEB6E256C}" dt="2018-10-24T21:31:48.758" v="13" actId="14100"/>
-        <pc:sldMkLst>
-          <pc:docMk/>
-          <pc:sldMk cId="3809576940" sldId="261"/>
-        </pc:sldMkLst>
-        <pc:picChg chg="add del mod">
-          <ac:chgData name="Cristian Capozucco" userId="S::cco18001@student.mdh.se::c4bc8584-4a9c-4ea1-ad2e-d5558672c34a" providerId="AD" clId="Web-{A3997F3B-BE2D-4091-8D5D-A2ADEB6E256C}" dt="2018-10-24T21:09:12.303" v="6"/>
-          <ac:picMkLst>
-            <pc:docMk/>
-            <pc:sldMk cId="3809576940" sldId="261"/>
-            <ac:picMk id="4" creationId="{EAE0B3EC-39E2-4569-88F2-E732272D5DE9}"/>
-          </ac:picMkLst>
-        </pc:picChg>
-        <pc:picChg chg="del">
-          <ac:chgData name="Cristian Capozucco" userId="S::cco18001@student.mdh.se::c4bc8584-4a9c-4ea1-ad2e-d5558672c34a" providerId="AD" clId="Web-{A3997F3B-BE2D-4091-8D5D-A2ADEB6E256C}" dt="2018-10-24T21:08:24.662" v="0"/>
-          <ac:picMkLst>
-            <pc:docMk/>
-            <pc:sldMk cId="3809576940" sldId="261"/>
-            <ac:picMk id="5" creationId="{E1042A29-F4E2-4CEB-82C4-1ED4D0A67031}"/>
-          </ac:picMkLst>
-        </pc:picChg>
-        <pc:picChg chg="add mod">
-          <ac:chgData name="Cristian Capozucco" userId="S::cco18001@student.mdh.se::c4bc8584-4a9c-4ea1-ad2e-d5558672c34a" providerId="AD" clId="Web-{A3997F3B-BE2D-4091-8D5D-A2ADEB6E256C}" dt="2018-10-24T21:31:48.758" v="13" actId="14100"/>
-          <ac:picMkLst>
-            <pc:docMk/>
-            <pc:sldMk cId="3809576940" sldId="261"/>
-            <ac:picMk id="7" creationId="{6CD66E97-C343-4A7B-B9EF-052FC1716CA8}"/>
-          </ac:picMkLst>
-        </pc:picChg>
       </pc:sldChg>
     </pc:docChg>
   </pc:docChgLst>
@@ -1596,7 +1174,7 @@
           <a:p>
             <a:fld id="{D76F0ACF-17B1-4B0C-9279-BA8C1FFE04F9}" type="datetimeFigureOut">
               <a:rPr lang="sv-SE" smtClean="0"/>
-              <a:t>2018-11-03</a:t>
+              <a:t>2018-11-08</a:t>
             </a:fld>
             <a:endParaRPr lang="sv-SE"/>
           </a:p>
@@ -3520,7 +3098,7 @@
           <a:lstStyle/>
           <a:p>
             <a:r>
-              <a:rPr lang="en-US" dirty="0"/>
+              <a:rPr lang="en-US"/>
               <a:t>Final Project Presentation</a:t>
             </a:r>
           </a:p>
@@ -3542,18 +3120,18 @@
           <a:lstStyle/>
           <a:p>
             <a:r>
-              <a:rPr lang="sv-SE" dirty="0"/>
+              <a:rPr lang="sv-SE"/>
               <a:t>03/11/2018</a:t>
             </a:r>
           </a:p>
           <a:p>
             <a:r>
-              <a:rPr lang="sv-SE" dirty="0"/>
+              <a:rPr lang="sv-SE"/>
               <a:t>Group 1</a:t>
             </a:r>
           </a:p>
           <a:p>
-            <a:endParaRPr lang="sv-SE" dirty="0"/>
+            <a:endParaRPr lang="sv-SE"/>
           </a:p>
         </p:txBody>
       </p:sp>
@@ -3570,7 +3148,7 @@
 </p:sld>
 </file>
 
-<file path=ppt/slides/slide2.xml><?xml version="1.0" encoding="utf-8"?>
+<file path=ppt/slides/slide10.xml><?xml version="1.0" encoding="utf-8"?>
 <p:sld xmlns:a="http://schemas.openxmlformats.org/drawingml/2006/main" xmlns:r="http://schemas.openxmlformats.org/officeDocument/2006/relationships" xmlns:p="http://schemas.openxmlformats.org/presentationml/2006/main">
   <p:cSld>
     <p:spTree>
@@ -3589,97 +3167,10 @@
       </p:grpSpPr>
       <p:sp>
         <p:nvSpPr>
-          <p:cNvPr id="2" name="Text Placeholder 1">
+          <p:cNvPr id="3" name="Segnaposto numero diapositiva 2">
             <a:extLst>
               <a:ext uri="{FF2B5EF4-FFF2-40B4-BE49-F238E27FC236}">
-                <a16:creationId xmlns:a16="http://schemas.microsoft.com/office/drawing/2014/main" id="{96A51413-AE88-4C8A-8014-E6FEE027D9BF}"/>
-              </a:ext>
-            </a:extLst>
-          </p:cNvPr>
-          <p:cNvSpPr>
-            <a:spLocks noGrp="1"/>
-          </p:cNvSpPr>
-          <p:nvPr>
-            <p:ph type="body" sz="quarter" idx="11"/>
-          </p:nvPr>
-        </p:nvSpPr>
-        <p:spPr/>
-        <p:txBody>
-          <a:bodyPr>
-            <a:normAutofit/>
-          </a:bodyPr>
-          <a:lstStyle/>
-          <a:p>
-            <a:pPr fontAlgn="base"/>
-            <a:r>
-              <a:rPr lang="en-US" dirty="0"/>
-              <a:t>Organization and plan</a:t>
-            </a:r>
-          </a:p>
-          <a:p>
-            <a:pPr fontAlgn="base"/>
-            <a:r>
-              <a:rPr lang="en-US" dirty="0"/>
-              <a:t>Results and experiences</a:t>
-            </a:r>
-          </a:p>
-          <a:p>
-            <a:pPr fontAlgn="base"/>
-            <a:r>
-              <a:rPr lang="en-US" dirty="0"/>
-              <a:t>Design overview [Vladimir]</a:t>
-            </a:r>
-          </a:p>
-          <a:p>
-            <a:pPr lvl="1" fontAlgn="base"/>
-            <a:r>
-              <a:rPr lang="en-US" dirty="0"/>
-              <a:t>Component diagram</a:t>
-            </a:r>
-          </a:p>
-          <a:p>
-            <a:pPr lvl="1" fontAlgn="base"/>
-            <a:r>
-              <a:rPr lang="en-US" dirty="0"/>
-              <a:t>Static structure – main functionality</a:t>
-            </a:r>
-          </a:p>
-          <a:p>
-            <a:pPr fontAlgn="base"/>
-            <a:r>
-              <a:rPr lang="en-US" dirty="0"/>
-              <a:t>Implementation and testing</a:t>
-            </a:r>
-          </a:p>
-          <a:p>
-            <a:pPr fontAlgn="base"/>
-            <a:r>
-              <a:rPr lang="en-US" dirty="0"/>
-              <a:t>Dynamic structure - interaction between applications and components</a:t>
-            </a:r>
-          </a:p>
-          <a:p>
-            <a:pPr fontAlgn="base"/>
-            <a:r>
-              <a:rPr lang="en-US" dirty="0"/>
-              <a:t>Software demonstration [Vladimir]</a:t>
-            </a:r>
-          </a:p>
-          <a:p>
-            <a:pPr fontAlgn="base"/>
-            <a:r>
-              <a:rPr lang="en-US" dirty="0"/>
-              <a:t>Questions and discussion</a:t>
-            </a:r>
-          </a:p>
-        </p:txBody>
-      </p:sp>
-      <p:sp>
-        <p:nvSpPr>
-          <p:cNvPr id="3" name="Slide Number Placeholder 2">
-            <a:extLst>
-              <a:ext uri="{FF2B5EF4-FFF2-40B4-BE49-F238E27FC236}">
-                <a16:creationId xmlns:a16="http://schemas.microsoft.com/office/drawing/2014/main" id="{79095719-8821-4517-8B5B-0C2F6660CB4E}"/>
+                <a16:creationId xmlns:a16="http://schemas.microsoft.com/office/drawing/2014/main" id="{332B9DB1-2CA3-4E5A-AD8C-C393413C137C}"/>
               </a:ext>
             </a:extLst>
           </p:cNvPr>
@@ -3698,7 +3189,7 @@
             <a:fld id="{E21FFC3D-594F-4CAE-AAA5-4C3555641468}" type="slidenum">
               <a:rPr lang="sv-SE" smtClean="0"/>
               <a:pPr/>
-              <a:t>2</a:t>
+              <a:t>10</a:t>
             </a:fld>
             <a:endParaRPr lang="sv-SE"/>
           </a:p>
@@ -3706,137 +3197,10 @@
       </p:sp>
       <p:sp>
         <p:nvSpPr>
-          <p:cNvPr id="4" name="Title 3">
+          <p:cNvPr id="4" name="Titolo 3">
             <a:extLst>
               <a:ext uri="{FF2B5EF4-FFF2-40B4-BE49-F238E27FC236}">
-                <a16:creationId xmlns:a16="http://schemas.microsoft.com/office/drawing/2014/main" id="{840DA2A7-A5E0-41A1-A9F8-6B7C5A550135}"/>
-              </a:ext>
-            </a:extLst>
-          </p:cNvPr>
-          <p:cNvSpPr>
-            <a:spLocks noGrp="1"/>
-          </p:cNvSpPr>
-          <p:nvPr>
-            <p:ph type="title"/>
-          </p:nvPr>
-        </p:nvSpPr>
-        <p:spPr/>
-        <p:txBody>
-          <a:bodyPr/>
-          <a:lstStyle/>
-          <a:p>
-            <a:r>
-              <a:rPr lang="en-US"/>
-              <a:t>Summary</a:t>
-            </a:r>
-          </a:p>
-        </p:txBody>
-      </p:sp>
-    </p:spTree>
-    <p:extLst>
-      <p:ext uri="{BB962C8B-B14F-4D97-AF65-F5344CB8AC3E}">
-        <p14:creationId xmlns:p14="http://schemas.microsoft.com/office/powerpoint/2010/main" val="4283166906"/>
-      </p:ext>
-    </p:extLst>
-  </p:cSld>
-  <p:clrMapOvr>
-    <a:masterClrMapping/>
-  </p:clrMapOvr>
-</p:sld>
-</file>
-
-<file path=ppt/slides/slide3.xml><?xml version="1.0" encoding="utf-8"?>
-<p:sld xmlns:a="http://schemas.openxmlformats.org/drawingml/2006/main" xmlns:r="http://schemas.openxmlformats.org/officeDocument/2006/relationships" xmlns:p="http://schemas.openxmlformats.org/presentationml/2006/main">
-  <p:cSld>
-    <p:spTree>
-      <p:nvGrpSpPr>
-        <p:cNvPr id="1" name=""/>
-        <p:cNvGrpSpPr/>
-        <p:nvPr/>
-      </p:nvGrpSpPr>
-      <p:grpSpPr>
-        <a:xfrm>
-          <a:off x="0" y="0"/>
-          <a:ext cx="0" cy="0"/>
-          <a:chOff x="0" y="0"/>
-          <a:chExt cx="0" cy="0"/>
-        </a:xfrm>
-      </p:grpSpPr>
-      <p:sp>
-        <p:nvSpPr>
-          <p:cNvPr id="2" name="Text Placeholder 1">
-            <a:extLst>
-              <a:ext uri="{FF2B5EF4-FFF2-40B4-BE49-F238E27FC236}">
-                <a16:creationId xmlns:a16="http://schemas.microsoft.com/office/drawing/2014/main" id="{33FEAFBD-4A64-4A49-9C91-51F88E9FDA6C}"/>
-              </a:ext>
-            </a:extLst>
-          </p:cNvPr>
-          <p:cNvSpPr>
-            <a:spLocks noGrp="1"/>
-          </p:cNvSpPr>
-          <p:nvPr>
-            <p:ph type="body" sz="quarter" idx="11"/>
-          </p:nvPr>
-        </p:nvSpPr>
-        <p:spPr/>
-        <p:txBody>
-          <a:bodyPr/>
-          <a:lstStyle/>
-          <a:p>
-            <a:pPr fontAlgn="base"/>
-            <a:r>
-              <a:rPr lang="en-US" dirty="0"/>
-              <a:t>Component diagram</a:t>
-            </a:r>
-          </a:p>
-          <a:p>
-            <a:pPr fontAlgn="base"/>
-            <a:r>
-              <a:rPr lang="en-US" dirty="0"/>
-              <a:t>Static structure – main functionality</a:t>
-            </a:r>
-          </a:p>
-          <a:p>
-            <a:endParaRPr lang="en-US" dirty="0"/>
-          </a:p>
-        </p:txBody>
-      </p:sp>
-      <p:sp>
-        <p:nvSpPr>
-          <p:cNvPr id="3" name="Slide Number Placeholder 2">
-            <a:extLst>
-              <a:ext uri="{FF2B5EF4-FFF2-40B4-BE49-F238E27FC236}">
-                <a16:creationId xmlns:a16="http://schemas.microsoft.com/office/drawing/2014/main" id="{9CB56BC7-42DA-4DAE-84D8-94861EA9BCD5}"/>
-              </a:ext>
-            </a:extLst>
-          </p:cNvPr>
-          <p:cNvSpPr>
-            <a:spLocks noGrp="1"/>
-          </p:cNvSpPr>
-          <p:nvPr>
-            <p:ph type="sldNum" sz="quarter" idx="12"/>
-          </p:nvPr>
-        </p:nvSpPr>
-        <p:spPr/>
-        <p:txBody>
-          <a:bodyPr/>
-          <a:lstStyle/>
-          <a:p>
-            <a:fld id="{E21FFC3D-594F-4CAE-AAA5-4C3555641468}" type="slidenum">
-              <a:rPr lang="sv-SE" smtClean="0"/>
-              <a:pPr/>
-              <a:t>3</a:t>
-            </a:fld>
-            <a:endParaRPr lang="sv-SE"/>
-          </a:p>
-        </p:txBody>
-      </p:sp>
-      <p:sp>
-        <p:nvSpPr>
-          <p:cNvPr id="4" name="Title 3">
-            <a:extLst>
-              <a:ext uri="{FF2B5EF4-FFF2-40B4-BE49-F238E27FC236}">
-                <a16:creationId xmlns:a16="http://schemas.microsoft.com/office/drawing/2014/main" id="{D42D7EF7-94F1-482D-806E-9F9B42DB51B6}"/>
+                <a16:creationId xmlns:a16="http://schemas.microsoft.com/office/drawing/2014/main" id="{5A166410-317D-4DE6-B4CB-EBD9B6BE401F}"/>
               </a:ext>
             </a:extLst>
           </p:cNvPr>
@@ -3855,20 +3219,58 @@
           <a:lstStyle/>
           <a:p>
             <a:r>
-              <a:rPr lang="en-US" dirty="0"/>
-              <a:t>Design overview</a:t>
+              <a:rPr lang="it-IT"/>
+              <a:t>Dynamic </a:t>
+            </a:r>
+            <a:r>
+              <a:rPr lang="it-IT" err="1"/>
+              <a:t>Structure</a:t>
+            </a:r>
+            <a:r>
+              <a:rPr lang="it-IT"/>
+              <a:t> – search</a:t>
             </a:r>
             <a:br>
-              <a:rPr lang="en-US" dirty="0"/>
+              <a:rPr lang="it-IT"/>
             </a:br>
-            <a:endParaRPr lang="en-US" dirty="0"/>
+            <a:endParaRPr lang="it-IT"/>
           </a:p>
         </p:txBody>
       </p:sp>
+      <p:pic>
+        <p:nvPicPr>
+          <p:cNvPr id="5" name="Immagine 5" descr="Immagine che contiene screenshot&#10;&#10;Descrizione generata con affidabilità molto elevata">
+            <a:extLst>
+              <a:ext uri="{FF2B5EF4-FFF2-40B4-BE49-F238E27FC236}">
+                <a16:creationId xmlns:a16="http://schemas.microsoft.com/office/drawing/2014/main" id="{F2DEE57B-274E-4CED-AC80-BCF9DE25DE67}"/>
+              </a:ext>
+            </a:extLst>
+          </p:cNvPr>
+          <p:cNvPicPr>
+            <a:picLocks noChangeAspect="1"/>
+          </p:cNvPicPr>
+          <p:nvPr/>
+        </p:nvPicPr>
+        <p:blipFill>
+          <a:blip r:embed="rId2"/>
+          <a:stretch>
+            <a:fillRect/>
+          </a:stretch>
+        </p:blipFill>
+        <p:spPr>
+          <a:xfrm>
+            <a:off x="1250610" y="954448"/>
+            <a:ext cx="6627583" cy="4641829"/>
+          </a:xfrm>
+          <a:prstGeom prst="rect">
+            <a:avLst/>
+          </a:prstGeom>
+        </p:spPr>
+      </p:pic>
     </p:spTree>
     <p:extLst>
       <p:ext uri="{BB962C8B-B14F-4D97-AF65-F5344CB8AC3E}">
-        <p14:creationId xmlns:p14="http://schemas.microsoft.com/office/powerpoint/2010/main" val="50336258"/>
+        <p14:creationId xmlns:p14="http://schemas.microsoft.com/office/powerpoint/2010/main" val="1719830945"/>
       </p:ext>
     </p:extLst>
   </p:cSld>
@@ -3878,7 +3280,7 @@
 </p:sld>
 </file>
 
-<file path=ppt/slides/slide4.xml><?xml version="1.0" encoding="utf-8"?>
+<file path=ppt/slides/slide11.xml><?xml version="1.0" encoding="utf-8"?>
 <p:sld xmlns:a="http://schemas.openxmlformats.org/drawingml/2006/main" xmlns:r="http://schemas.openxmlformats.org/officeDocument/2006/relationships" xmlns:p="http://schemas.openxmlformats.org/presentationml/2006/main">
   <p:cSld>
     <p:spTree>
@@ -3900,7 +3302,7 @@
           <p:cNvPr id="2" name="Segnaposto numero diapositiva 1">
             <a:extLst>
               <a:ext uri="{FF2B5EF4-FFF2-40B4-BE49-F238E27FC236}">
-                <a16:creationId xmlns:a16="http://schemas.microsoft.com/office/drawing/2014/main" id="{547CA0C2-6898-43FF-96D6-583A190AB8DC}"/>
+                <a16:creationId xmlns:a16="http://schemas.microsoft.com/office/drawing/2014/main" id="{D7C83F79-3747-4487-829A-B18A7060A425}"/>
               </a:ext>
             </a:extLst>
           </p:cNvPr>
@@ -3919,7 +3321,7 @@
             <a:fld id="{E21FFC3D-594F-4CAE-AAA5-4C3555641468}" type="slidenum">
               <a:rPr lang="sv-SE" smtClean="0"/>
               <a:pPr/>
-              <a:t>4</a:t>
+              <a:t>11</a:t>
             </a:fld>
             <a:endParaRPr lang="sv-SE"/>
           </a:p>
@@ -3930,7 +3332,7 @@
           <p:cNvPr id="3" name="Titolo 2">
             <a:extLst>
               <a:ext uri="{FF2B5EF4-FFF2-40B4-BE49-F238E27FC236}">
-                <a16:creationId xmlns:a16="http://schemas.microsoft.com/office/drawing/2014/main" id="{7001C690-927B-4312-BBDD-20D7E43CDC8F}"/>
+                <a16:creationId xmlns:a16="http://schemas.microsoft.com/office/drawing/2014/main" id="{5AFAC6A2-62CF-4166-BD49-CEF5B50604DB}"/>
               </a:ext>
             </a:extLst>
           </p:cNvPr>
@@ -3944,7 +3346,7 @@
         <p:spPr>
           <a:xfrm>
             <a:off x="1250096" y="416616"/>
-            <a:ext cx="6552728" cy="545285"/>
+            <a:ext cx="7734777" cy="510910"/>
           </a:xfrm>
         </p:spPr>
         <p:txBody>
@@ -3954,40 +3356,53 @@
           <a:lstStyle/>
           <a:p>
             <a:r>
-              <a:rPr lang="en-US" dirty="0"/>
-              <a:t>Component diagram</a:t>
-            </a:r>
+              <a:rPr lang="it-IT" sz="3200"/>
+              <a:t>Dynamic </a:t>
+            </a:r>
+            <a:r>
+              <a:rPr lang="it-IT" sz="3200" err="1"/>
+              <a:t>Structure</a:t>
+            </a:r>
+            <a:r>
+              <a:rPr lang="it-IT" sz="3200"/>
+              <a:t> – </a:t>
+            </a:r>
+            <a:r>
+              <a:rPr lang="it-IT" sz="3200" err="1"/>
+              <a:t>inspect</a:t>
+            </a:r>
+            <a:r>
+              <a:rPr lang="it-IT" sz="3200"/>
+              <a:t> and admin</a:t>
+            </a:r>
+            <a:endParaRPr lang="it-IT"/>
           </a:p>
         </p:txBody>
       </p:sp>
       <p:pic>
         <p:nvPicPr>
-          <p:cNvPr id="6" name="Immagine 6">
+          <p:cNvPr id="4" name="Immagine 4" descr="Immagine che contiene screenshot&#10;&#10;Descrizione generata con affidabilità molto elevata">
             <a:extLst>
               <a:ext uri="{FF2B5EF4-FFF2-40B4-BE49-F238E27FC236}">
-                <a16:creationId xmlns:a16="http://schemas.microsoft.com/office/drawing/2014/main" id="{D4006E8C-1A88-4A90-8B08-7AD4BB03B944}"/>
+                <a16:creationId xmlns:a16="http://schemas.microsoft.com/office/drawing/2014/main" id="{A852DB6C-DE0C-4820-A93D-D218DCAB8636}"/>
               </a:ext>
             </a:extLst>
           </p:cNvPr>
-          <p:cNvPicPr/>
+          <p:cNvPicPr>
+            <a:picLocks noChangeAspect="1"/>
+          </p:cNvPicPr>
           <p:nvPr/>
         </p:nvPicPr>
         <p:blipFill>
-          <a:blip r:embed="rId2" cstate="print">
-            <a:extLst>
-              <a:ext uri="{28A0092B-C50C-407E-A947-70E740481C1C}">
-                <a14:useLocalDpi xmlns:a14="http://schemas.microsoft.com/office/drawing/2010/main" val="0"/>
-              </a:ext>
-            </a:extLst>
-          </a:blip>
+          <a:blip r:embed="rId2"/>
           <a:stretch>
             <a:fillRect/>
           </a:stretch>
         </p:blipFill>
         <p:spPr>
           <a:xfrm>
-            <a:off x="213756" y="1045030"/>
-            <a:ext cx="7885215" cy="4392758"/>
+            <a:off x="617368" y="1035258"/>
+            <a:ext cx="7429690" cy="4589949"/>
           </a:xfrm>
           <a:prstGeom prst="rect">
             <a:avLst/>
@@ -3997,7 +3412,7 @@
     </p:spTree>
     <p:extLst>
       <p:ext uri="{BB962C8B-B14F-4D97-AF65-F5344CB8AC3E}">
-        <p14:creationId xmlns:p14="http://schemas.microsoft.com/office/powerpoint/2010/main" val="3809576940"/>
+        <p14:creationId xmlns:p14="http://schemas.microsoft.com/office/powerpoint/2010/main" val="1756100232"/>
       </p:ext>
     </p:extLst>
   </p:cSld>
@@ -4007,7 +3422,7 @@
 </p:sld>
 </file>
 
-<file path=ppt/slides/slide5.xml><?xml version="1.0" encoding="utf-8"?>
+<file path=ppt/slides/slide12.xml><?xml version="1.0" encoding="utf-8"?>
 <p:sld xmlns:a="http://schemas.openxmlformats.org/drawingml/2006/main" xmlns:r="http://schemas.openxmlformats.org/officeDocument/2006/relationships" xmlns:p="http://schemas.openxmlformats.org/presentationml/2006/main">
   <p:cSld>
     <p:spTree>
@@ -4026,7 +3441,43 @@
       </p:grpSpPr>
       <p:sp>
         <p:nvSpPr>
-          <p:cNvPr id="2" name="Rubrik 1"/>
+          <p:cNvPr id="2" name="Segnaposto numero diapositiva 1">
+            <a:extLst>
+              <a:ext uri="{FF2B5EF4-FFF2-40B4-BE49-F238E27FC236}">
+                <a16:creationId xmlns:a16="http://schemas.microsoft.com/office/drawing/2014/main" id="{653135F8-E54B-4830-99B5-26F105FB4E0B}"/>
+              </a:ext>
+            </a:extLst>
+          </p:cNvPr>
+          <p:cNvSpPr>
+            <a:spLocks noGrp="1"/>
+          </p:cNvSpPr>
+          <p:nvPr>
+            <p:ph type="sldNum" sz="quarter" idx="10"/>
+          </p:nvPr>
+        </p:nvSpPr>
+        <p:spPr/>
+        <p:txBody>
+          <a:bodyPr/>
+          <a:lstStyle/>
+          <a:p>
+            <a:fld id="{E21FFC3D-594F-4CAE-AAA5-4C3555641468}" type="slidenum">
+              <a:rPr lang="sv-SE" smtClean="0"/>
+              <a:pPr/>
+              <a:t>12</a:t>
+            </a:fld>
+            <a:endParaRPr lang="sv-SE"/>
+          </a:p>
+        </p:txBody>
+      </p:sp>
+      <p:sp>
+        <p:nvSpPr>
+          <p:cNvPr id="3" name="Titolo 2">
+            <a:extLst>
+              <a:ext uri="{FF2B5EF4-FFF2-40B4-BE49-F238E27FC236}">
+                <a16:creationId xmlns:a16="http://schemas.microsoft.com/office/drawing/2014/main" id="{91ED8B98-EDF9-4D86-8054-06018C2FFBB4}"/>
+              </a:ext>
+            </a:extLst>
+          </p:cNvPr>
           <p:cNvSpPr>
             <a:spLocks noGrp="1"/>
           </p:cNvSpPr>
@@ -4034,33 +3485,339 @@
             <p:ph type="title"/>
           </p:nvPr>
         </p:nvSpPr>
+        <p:spPr/>
+        <p:txBody>
+          <a:bodyPr/>
+          <a:lstStyle/>
+          <a:p>
+            <a:r>
+              <a:rPr lang="it-IT"/>
+              <a:t>Dynamic structure - admin</a:t>
+            </a:r>
+          </a:p>
+        </p:txBody>
+      </p:sp>
+      <p:pic>
+        <p:nvPicPr>
+          <p:cNvPr id="4" name="Immagine 4" descr="Immagine che contiene screenshot&#10;&#10;Descrizione generata con affidabilità molto elevata">
+            <a:extLst>
+              <a:ext uri="{FF2B5EF4-FFF2-40B4-BE49-F238E27FC236}">
+                <a16:creationId xmlns:a16="http://schemas.microsoft.com/office/drawing/2014/main" id="{707EF26B-0185-4D78-AEA6-EE6A5A25AC59}"/>
+              </a:ext>
+            </a:extLst>
+          </p:cNvPr>
+          <p:cNvPicPr>
+            <a:picLocks noChangeAspect="1"/>
+          </p:cNvPicPr>
+          <p:nvPr/>
+        </p:nvPicPr>
+        <p:blipFill>
+          <a:blip r:embed="rId2"/>
+          <a:stretch>
+            <a:fillRect/>
+          </a:stretch>
+        </p:blipFill>
         <p:spPr>
           <a:xfrm>
-            <a:off x="1268424" y="416615"/>
-            <a:ext cx="7594221" cy="652164"/>
+            <a:off x="-32758" y="1514"/>
+            <a:ext cx="9211205" cy="5990545"/>
           </a:xfrm>
+          <a:prstGeom prst="rect">
+            <a:avLst/>
+          </a:prstGeom>
         </p:spPr>
+      </p:pic>
+    </p:spTree>
+    <p:extLst>
+      <p:ext uri="{BB962C8B-B14F-4D97-AF65-F5344CB8AC3E}">
+        <p14:creationId xmlns:p14="http://schemas.microsoft.com/office/powerpoint/2010/main" val="2212268511"/>
+      </p:ext>
+    </p:extLst>
+  </p:cSld>
+  <p:clrMapOvr>
+    <a:masterClrMapping/>
+  </p:clrMapOvr>
+</p:sld>
+</file>
+
+<file path=ppt/slides/slide13.xml><?xml version="1.0" encoding="utf-8"?>
+<p:sld xmlns:a="http://schemas.openxmlformats.org/drawingml/2006/main" xmlns:r="http://schemas.openxmlformats.org/officeDocument/2006/relationships" xmlns:p="http://schemas.openxmlformats.org/presentationml/2006/main">
+  <p:cSld>
+    <p:spTree>
+      <p:nvGrpSpPr>
+        <p:cNvPr id="1" name=""/>
+        <p:cNvGrpSpPr/>
+        <p:nvPr/>
+      </p:nvGrpSpPr>
+      <p:grpSpPr>
+        <a:xfrm>
+          <a:off x="0" y="0"/>
+          <a:ext cx="0" cy="0"/>
+          <a:chOff x="0" y="0"/>
+          <a:chExt cx="0" cy="0"/>
+        </a:xfrm>
+      </p:grpSpPr>
+      <p:sp>
+        <p:nvSpPr>
+          <p:cNvPr id="2" name="Espace réservé du texte 1">
+            <a:extLst>
+              <a:ext uri="{FF2B5EF4-FFF2-40B4-BE49-F238E27FC236}">
+                <a16:creationId xmlns:a16="http://schemas.microsoft.com/office/drawing/2014/main" id="{DC0B5CE3-D4DD-44F6-AED7-45FFD24F1F91}"/>
+              </a:ext>
+            </a:extLst>
+          </p:cNvPr>
+          <p:cNvSpPr>
+            <a:spLocks noGrp="1"/>
+          </p:cNvSpPr>
+          <p:nvPr>
+            <p:ph type="body" sz="quarter" idx="11"/>
+          </p:nvPr>
+        </p:nvSpPr>
+        <p:spPr/>
         <p:txBody>
-          <a:bodyPr>
-            <a:normAutofit fontScale="90000"/>
+          <a:bodyPr vert="horz" lIns="91440" tIns="45720" rIns="91440" bIns="45720" rtlCol="0" anchor="t">
+            <a:normAutofit fontScale="92500" lnSpcReduction="10000"/>
           </a:bodyPr>
           <a:lstStyle/>
           <a:p>
-            <a:pPr>
-              <a:spcBef>
-                <a:spcPts val="1400"/>
-              </a:spcBef>
+            <a:pPr marL="0" indent="0">
+              <a:buNone/>
             </a:pPr>
             <a:r>
-              <a:rPr lang="en-US" dirty="0"/>
-              <a:t>Static structure – main functionality</a:t>
-            </a:r>
+              <a:rPr lang="fr-FR" b="1"/>
+              <a:t>Applications :</a:t>
+            </a:r>
+          </a:p>
+          <a:p>
+            <a:r>
+              <a:rPr lang="fr-FR"/>
+              <a:t>Desktop application, in C#, </a:t>
+            </a:r>
+            <a:r>
+              <a:rPr lang="fr-FR" err="1"/>
+              <a:t>used</a:t>
+            </a:r>
+            <a:r>
+              <a:rPr lang="fr-FR"/>
+              <a:t> by the admin.</a:t>
+            </a:r>
+          </a:p>
+          <a:p>
+            <a:r>
+              <a:rPr lang="fr-FR"/>
+              <a:t>ASP .NET application, for the client, </a:t>
+            </a:r>
+            <a:r>
+              <a:rPr lang="fr-FR" err="1"/>
+              <a:t>using</a:t>
+            </a:r>
+            <a:r>
+              <a:rPr lang="fr-FR"/>
+              <a:t> a CSS/JS </a:t>
+            </a:r>
+            <a:r>
+              <a:rPr lang="fr-FR" err="1"/>
+              <a:t>framework</a:t>
+            </a:r>
+            <a:r>
+              <a:rPr lang="fr-FR"/>
+              <a:t> </a:t>
+            </a:r>
+            <a:r>
+              <a:rPr lang="fr-FR" err="1"/>
+              <a:t>called</a:t>
+            </a:r>
+            <a:r>
+              <a:rPr lang="fr-FR"/>
+              <a:t> </a:t>
+            </a:r>
+            <a:r>
+              <a:rPr lang="fr-FR" err="1"/>
+              <a:t>Materialize</a:t>
+            </a:r>
+            <a:r>
+              <a:rPr lang="fr-FR"/>
+              <a:t> for the UI.</a:t>
+            </a:r>
+          </a:p>
+          <a:p>
+            <a:r>
+              <a:rPr lang="fr-FR" err="1"/>
+              <a:t>Both</a:t>
+            </a:r>
+            <a:r>
+              <a:rPr lang="fr-FR"/>
+              <a:t> use a </a:t>
+            </a:r>
+            <a:r>
+              <a:rPr lang="fr-FR" err="1"/>
+              <a:t>different</a:t>
+            </a:r>
+            <a:r>
+              <a:rPr lang="fr-FR"/>
+              <a:t> interface to </a:t>
+            </a:r>
+            <a:r>
+              <a:rPr lang="fr-FR" err="1"/>
+              <a:t>communicate</a:t>
+            </a:r>
+            <a:r>
+              <a:rPr lang="fr-FR"/>
+              <a:t> </a:t>
+            </a:r>
+            <a:r>
+              <a:rPr lang="fr-FR" err="1"/>
+              <a:t>with</a:t>
+            </a:r>
+            <a:r>
+              <a:rPr lang="fr-FR"/>
+              <a:t> the </a:t>
+            </a:r>
+            <a:r>
+              <a:rPr lang="fr-FR" err="1"/>
+              <a:t>controller</a:t>
+            </a:r>
+            <a:r>
+              <a:rPr lang="fr-FR"/>
+              <a:t> unit.</a:t>
+            </a:r>
+          </a:p>
+          <a:p>
+            <a:endParaRPr lang="fr-FR"/>
+          </a:p>
+          <a:p>
+            <a:pPr marL="0" indent="0">
+              <a:buNone/>
+            </a:pPr>
+            <a:r>
+              <a:rPr lang="fr-FR" b="1" err="1"/>
+              <a:t>Reflection</a:t>
+            </a:r>
+            <a:r>
+              <a:rPr lang="fr-FR" b="1"/>
+              <a:t> :</a:t>
+            </a:r>
+          </a:p>
+          <a:p>
+            <a:r>
+              <a:rPr lang="fr-FR"/>
+              <a:t>For Java, IKVM.NET </a:t>
+            </a:r>
+            <a:r>
+              <a:rPr lang="fr-FR" err="1"/>
+              <a:t>allows</a:t>
+            </a:r>
+            <a:r>
+              <a:rPr lang="fr-FR"/>
+              <a:t> the use of Java code </a:t>
+            </a:r>
+            <a:r>
+              <a:rPr lang="fr-FR" err="1"/>
+              <a:t>direcly</a:t>
+            </a:r>
+            <a:r>
+              <a:rPr lang="fr-FR"/>
+              <a:t> on .NET.</a:t>
+            </a:r>
+          </a:p>
+          <a:p>
+            <a:r>
+              <a:rPr lang="fr-FR"/>
+              <a:t>For COM, the </a:t>
+            </a:r>
+            <a:r>
+              <a:rPr lang="fr-FR" err="1"/>
+              <a:t>LoadTypeLibEx</a:t>
+            </a:r>
+            <a:r>
+              <a:rPr lang="fr-FR"/>
+              <a:t> </a:t>
+            </a:r>
+            <a:r>
+              <a:rPr lang="fr-FR" err="1"/>
+              <a:t>function</a:t>
+            </a:r>
+            <a:r>
+              <a:rPr lang="fr-FR"/>
+              <a:t> </a:t>
+            </a:r>
+            <a:r>
+              <a:rPr lang="fr-FR" err="1"/>
+              <a:t>is</a:t>
+            </a:r>
+            <a:r>
+              <a:rPr lang="fr-FR"/>
+              <a:t> </a:t>
+            </a:r>
+            <a:r>
+              <a:rPr lang="fr-FR" err="1"/>
+              <a:t>used</a:t>
+            </a:r>
+            <a:r>
+              <a:rPr lang="fr-FR"/>
+              <a:t> and </a:t>
+            </a:r>
+            <a:r>
+              <a:rPr lang="fr-FR" err="1"/>
+              <a:t>its</a:t>
+            </a:r>
+            <a:r>
+              <a:rPr lang="fr-FR"/>
+              <a:t> </a:t>
+            </a:r>
+            <a:r>
+              <a:rPr lang="fr-FR" err="1"/>
+              <a:t>result</a:t>
+            </a:r>
+            <a:r>
+              <a:rPr lang="fr-FR"/>
+              <a:t> </a:t>
+            </a:r>
+            <a:r>
+              <a:rPr lang="fr-FR" err="1"/>
+              <a:t>is</a:t>
+            </a:r>
+            <a:r>
+              <a:rPr lang="fr-FR"/>
+              <a:t> </a:t>
+            </a:r>
+            <a:r>
+              <a:rPr lang="fr-FR" err="1"/>
+              <a:t>send</a:t>
+            </a:r>
+            <a:r>
+              <a:rPr lang="fr-FR"/>
+              <a:t> </a:t>
+            </a:r>
+            <a:r>
+              <a:rPr lang="fr-FR" err="1"/>
+              <a:t>direclty</a:t>
+            </a:r>
+            <a:r>
+              <a:rPr lang="fr-FR"/>
+              <a:t> to the .NET part.</a:t>
+            </a:r>
+          </a:p>
+          <a:p>
+            <a:endParaRPr lang="fr-FR"/>
+          </a:p>
+          <a:p>
+            <a:pPr marL="0" indent="0">
+              <a:buNone/>
+            </a:pPr>
+            <a:endParaRPr lang="fr-FR"/>
           </a:p>
         </p:txBody>
       </p:sp>
       <p:sp>
         <p:nvSpPr>
-          <p:cNvPr id="3" name="Platshållare för bildnummer 2"/>
+          <p:cNvPr id="3" name="Espace réservé du numéro de diapositive 2">
+            <a:extLst>
+              <a:ext uri="{FF2B5EF4-FFF2-40B4-BE49-F238E27FC236}">
+                <a16:creationId xmlns:a16="http://schemas.microsoft.com/office/drawing/2014/main" id="{29AE2D03-1322-42CC-B357-21A3C1EB59EE}"/>
+              </a:ext>
+            </a:extLst>
+          </p:cNvPr>
           <p:cNvSpPr>
             <a:spLocks noGrp="1"/>
           </p:cNvSpPr>
@@ -4076,52 +3833,44 @@
             <a:fld id="{E21FFC3D-594F-4CAE-AAA5-4C3555641468}" type="slidenum">
               <a:rPr lang="sv-SE" smtClean="0"/>
               <a:pPr/>
-              <a:t>5</a:t>
+              <a:t>13</a:t>
             </a:fld>
             <a:endParaRPr lang="sv-SE"/>
           </a:p>
         </p:txBody>
       </p:sp>
-      <p:pic>
-        <p:nvPicPr>
-          <p:cNvPr id="7" name="Picture 6">
+      <p:sp>
+        <p:nvSpPr>
+          <p:cNvPr id="4" name="Titre 3">
             <a:extLst>
               <a:ext uri="{FF2B5EF4-FFF2-40B4-BE49-F238E27FC236}">
-                <a16:creationId xmlns:a16="http://schemas.microsoft.com/office/drawing/2014/main" id="{254A49F7-B872-48C5-AE5F-C3A729D36A6F}"/>
+                <a16:creationId xmlns:a16="http://schemas.microsoft.com/office/drawing/2014/main" id="{D6B4CCA7-68BD-4827-BE8F-D0565DF7128C}"/>
               </a:ext>
             </a:extLst>
           </p:cNvPr>
-          <p:cNvPicPr>
-            <a:picLocks noChangeAspect="1"/>
-          </p:cNvPicPr>
-          <p:nvPr/>
-        </p:nvPicPr>
-        <p:blipFill>
-          <a:blip r:embed="rId2">
-            <a:extLst>
-              <a:ext uri="{28A0092B-C50C-407E-A947-70E740481C1C}">
-                <a14:useLocalDpi xmlns:a14="http://schemas.microsoft.com/office/drawing/2010/main" val="0"/>
-              </a:ext>
-            </a:extLst>
-          </a:blip>
-          <a:stretch>
-            <a:fillRect/>
-          </a:stretch>
-        </p:blipFill>
-        <p:spPr>
-          <a:xfrm>
-            <a:off x="457201" y="1068780"/>
-            <a:ext cx="7744947" cy="4369007"/>
-          </a:xfrm>
-          <a:prstGeom prst="rect">
-            <a:avLst/>
-          </a:prstGeom>
-        </p:spPr>
-      </p:pic>
+          <p:cNvSpPr>
+            <a:spLocks noGrp="1"/>
+          </p:cNvSpPr>
+          <p:nvPr>
+            <p:ph type="title"/>
+          </p:nvPr>
+        </p:nvSpPr>
+        <p:spPr/>
+        <p:txBody>
+          <a:bodyPr/>
+          <a:lstStyle/>
+          <a:p>
+            <a:r>
+              <a:rPr lang="fr-FR"/>
+              <a:t>Implementation</a:t>
+            </a:r>
+          </a:p>
+        </p:txBody>
+      </p:sp>
     </p:spTree>
     <p:extLst>
       <p:ext uri="{BB962C8B-B14F-4D97-AF65-F5344CB8AC3E}">
-        <p14:creationId xmlns:p14="http://schemas.microsoft.com/office/powerpoint/2010/main" val="1846452602"/>
+        <p14:creationId xmlns:p14="http://schemas.microsoft.com/office/powerpoint/2010/main" val="275817620"/>
       </p:ext>
     </p:extLst>
   </p:cSld>
@@ -4131,7 +3880,428 @@
 </p:sld>
 </file>
 
-<file path=ppt/slides/slide6.xml><?xml version="1.0" encoding="utf-8"?>
+<file path=ppt/slides/slide14.xml><?xml version="1.0" encoding="utf-8"?>
+<p:sld xmlns:a="http://schemas.openxmlformats.org/drawingml/2006/main" xmlns:r="http://schemas.openxmlformats.org/officeDocument/2006/relationships" xmlns:p="http://schemas.openxmlformats.org/presentationml/2006/main">
+  <p:cSld>
+    <p:spTree>
+      <p:nvGrpSpPr>
+        <p:cNvPr id="1" name=""/>
+        <p:cNvGrpSpPr/>
+        <p:nvPr/>
+      </p:nvGrpSpPr>
+      <p:grpSpPr>
+        <a:xfrm>
+          <a:off x="0" y="0"/>
+          <a:ext cx="0" cy="0"/>
+          <a:chOff x="0" y="0"/>
+          <a:chExt cx="0" cy="0"/>
+        </a:xfrm>
+      </p:grpSpPr>
+      <p:sp>
+        <p:nvSpPr>
+          <p:cNvPr id="2" name="Espace réservé du texte 1">
+            <a:extLst>
+              <a:ext uri="{FF2B5EF4-FFF2-40B4-BE49-F238E27FC236}">
+                <a16:creationId xmlns:a16="http://schemas.microsoft.com/office/drawing/2014/main" id="{DC0B5CE3-D4DD-44F6-AED7-45FFD24F1F91}"/>
+              </a:ext>
+            </a:extLst>
+          </p:cNvPr>
+          <p:cNvSpPr>
+            <a:spLocks noGrp="1"/>
+          </p:cNvSpPr>
+          <p:nvPr>
+            <p:ph type="body" sz="quarter" idx="11"/>
+          </p:nvPr>
+        </p:nvSpPr>
+        <p:spPr/>
+        <p:txBody>
+          <a:bodyPr vert="horz" lIns="91440" tIns="45720" rIns="91440" bIns="45720" rtlCol="0" anchor="t">
+            <a:normAutofit lnSpcReduction="10000"/>
+          </a:bodyPr>
+          <a:lstStyle/>
+          <a:p>
+            <a:pPr marL="0" indent="0">
+              <a:buNone/>
+            </a:pPr>
+            <a:r>
+              <a:rPr lang="fr-FR" b="1"/>
+              <a:t>Component </a:t>
+            </a:r>
+            <a:r>
+              <a:rPr lang="fr-FR" b="1" err="1"/>
+              <a:t>Testing</a:t>
+            </a:r>
+            <a:r>
+              <a:rPr lang="fr-FR" b="1"/>
+              <a:t> :</a:t>
+            </a:r>
+          </a:p>
+          <a:p>
+            <a:r>
+              <a:rPr lang="fr-FR"/>
+              <a:t>For </a:t>
+            </a:r>
+            <a:r>
+              <a:rPr lang="fr-FR" err="1"/>
+              <a:t>both</a:t>
+            </a:r>
+            <a:r>
+              <a:rPr lang="fr-FR"/>
+              <a:t> COM and Java inspection component, the tests </a:t>
+            </a:r>
+            <a:r>
+              <a:rPr lang="fr-FR" err="1"/>
+              <a:t>were</a:t>
+            </a:r>
+            <a:r>
+              <a:rPr lang="fr-FR"/>
+              <a:t> </a:t>
+            </a:r>
+            <a:r>
+              <a:rPr lang="fr-FR" err="1"/>
+              <a:t>done</a:t>
+            </a:r>
+            <a:r>
+              <a:rPr lang="fr-FR"/>
+              <a:t> in program </a:t>
+            </a:r>
+            <a:r>
+              <a:rPr lang="fr-FR" err="1"/>
+              <a:t>where</a:t>
+            </a:r>
+            <a:r>
+              <a:rPr lang="fr-FR"/>
+              <a:t> </a:t>
+            </a:r>
+            <a:r>
+              <a:rPr lang="fr-FR" err="1"/>
+              <a:t>only</a:t>
+            </a:r>
+            <a:r>
+              <a:rPr lang="fr-FR"/>
+              <a:t> one </a:t>
+            </a:r>
+            <a:r>
+              <a:rPr lang="fr-FR" err="1"/>
+              <a:t>is</a:t>
+            </a:r>
+            <a:r>
+              <a:rPr lang="fr-FR"/>
+              <a:t> </a:t>
+            </a:r>
+            <a:r>
+              <a:rPr lang="fr-FR" err="1"/>
+              <a:t>used</a:t>
+            </a:r>
+            <a:r>
+              <a:rPr lang="fr-FR"/>
+              <a:t> to </a:t>
+            </a:r>
+            <a:r>
+              <a:rPr lang="fr-FR" err="1"/>
+              <a:t>inspect</a:t>
+            </a:r>
+            <a:r>
+              <a:rPr lang="fr-FR"/>
+              <a:t> a component </a:t>
+            </a:r>
+            <a:r>
+              <a:rPr lang="fr-FR" err="1"/>
+              <a:t>with</a:t>
+            </a:r>
+            <a:r>
+              <a:rPr lang="fr-FR"/>
+              <a:t> </a:t>
+            </a:r>
+            <a:r>
+              <a:rPr lang="fr-FR" err="1"/>
+              <a:t>some</a:t>
+            </a:r>
+            <a:r>
+              <a:rPr lang="fr-FR"/>
+              <a:t> classes and interfaces.</a:t>
+            </a:r>
+          </a:p>
+          <a:p>
+            <a:endParaRPr lang="fr-FR"/>
+          </a:p>
+          <a:p>
+            <a:pPr marL="0" indent="0">
+              <a:buNone/>
+            </a:pPr>
+            <a:r>
+              <a:rPr lang="fr-FR" b="1"/>
+              <a:t>Application </a:t>
+            </a:r>
+            <a:r>
+              <a:rPr lang="fr-FR" b="1" err="1"/>
+              <a:t>Testing</a:t>
+            </a:r>
+            <a:r>
+              <a:rPr lang="fr-FR" b="1"/>
+              <a:t> :</a:t>
+            </a:r>
+          </a:p>
+          <a:p>
+            <a:r>
+              <a:rPr lang="fr-FR"/>
+              <a:t>A </a:t>
+            </a:r>
+            <a:r>
+              <a:rPr lang="fr-FR" err="1"/>
+              <a:t>complete</a:t>
+            </a:r>
+            <a:r>
+              <a:rPr lang="fr-FR"/>
+              <a:t> test of </a:t>
+            </a:r>
+            <a:r>
+              <a:rPr lang="fr-FR" err="1"/>
+              <a:t>each</a:t>
+            </a:r>
+            <a:r>
+              <a:rPr lang="fr-FR"/>
+              <a:t> </a:t>
+            </a:r>
+            <a:r>
+              <a:rPr lang="fr-FR" err="1"/>
+              <a:t>functionality</a:t>
+            </a:r>
+            <a:r>
+              <a:rPr lang="fr-FR"/>
+              <a:t> of </a:t>
+            </a:r>
+            <a:r>
+              <a:rPr lang="fr-FR" err="1"/>
+              <a:t>each</a:t>
+            </a:r>
+            <a:r>
+              <a:rPr lang="fr-FR"/>
+              <a:t> application, </a:t>
+            </a:r>
+            <a:r>
+              <a:rPr lang="fr-FR" err="1"/>
+              <a:t>was</a:t>
+            </a:r>
+            <a:r>
+              <a:rPr lang="fr-FR"/>
+              <a:t> </a:t>
+            </a:r>
+            <a:r>
+              <a:rPr lang="fr-FR" err="1"/>
+              <a:t>done</a:t>
+            </a:r>
+            <a:r>
+              <a:rPr lang="fr-FR"/>
+              <a:t>. </a:t>
+            </a:r>
+          </a:p>
+          <a:p>
+            <a:r>
+              <a:rPr lang="fr-FR"/>
+              <a:t>A </a:t>
+            </a:r>
+            <a:r>
+              <a:rPr lang="fr-FR" err="1"/>
+              <a:t>functionality</a:t>
+            </a:r>
+            <a:r>
+              <a:rPr lang="fr-FR"/>
+              <a:t> </a:t>
+            </a:r>
+            <a:r>
+              <a:rPr lang="fr-FR" err="1"/>
+              <a:t>was</a:t>
+            </a:r>
+            <a:r>
+              <a:rPr lang="fr-FR"/>
+              <a:t> </a:t>
+            </a:r>
+            <a:r>
+              <a:rPr lang="fr-FR" err="1"/>
+              <a:t>choose</a:t>
+            </a:r>
+            <a:r>
+              <a:rPr lang="fr-FR"/>
+              <a:t>, </a:t>
+            </a:r>
+            <a:r>
+              <a:rPr lang="fr-FR" err="1"/>
+              <a:t>it's</a:t>
+            </a:r>
+            <a:r>
+              <a:rPr lang="fr-FR"/>
+              <a:t> </a:t>
+            </a:r>
+            <a:r>
+              <a:rPr lang="fr-FR" err="1"/>
+              <a:t>expected</a:t>
+            </a:r>
+            <a:r>
+              <a:rPr lang="fr-FR"/>
+              <a:t> </a:t>
+            </a:r>
+            <a:r>
+              <a:rPr lang="fr-FR" err="1"/>
+              <a:t>outcome</a:t>
+            </a:r>
+            <a:r>
+              <a:rPr lang="fr-FR"/>
+              <a:t> </a:t>
+            </a:r>
+            <a:r>
+              <a:rPr lang="fr-FR" err="1"/>
+              <a:t>was</a:t>
+            </a:r>
+            <a:r>
+              <a:rPr lang="fr-FR"/>
+              <a:t> </a:t>
+            </a:r>
+            <a:r>
+              <a:rPr lang="fr-FR" err="1"/>
+              <a:t>known</a:t>
+            </a:r>
+            <a:r>
+              <a:rPr lang="fr-FR"/>
+              <a:t>, if the </a:t>
+            </a:r>
+            <a:r>
+              <a:rPr lang="fr-FR" err="1"/>
+              <a:t>actual</a:t>
+            </a:r>
+            <a:r>
+              <a:rPr lang="fr-FR"/>
+              <a:t> </a:t>
+            </a:r>
+            <a:r>
+              <a:rPr lang="fr-FR" err="1"/>
+              <a:t>outcome</a:t>
+            </a:r>
+            <a:r>
+              <a:rPr lang="fr-FR"/>
+              <a:t> match the test PASS.</a:t>
+            </a:r>
+          </a:p>
+          <a:p>
+            <a:r>
+              <a:rPr lang="fr-FR"/>
+              <a:t>The </a:t>
+            </a:r>
+            <a:r>
+              <a:rPr lang="fr-FR" err="1"/>
+              <a:t>complete</a:t>
+            </a:r>
+            <a:r>
+              <a:rPr lang="fr-FR"/>
+              <a:t> </a:t>
+            </a:r>
+            <a:r>
+              <a:rPr lang="fr-FR" err="1"/>
+              <a:t>list</a:t>
+            </a:r>
+            <a:r>
+              <a:rPr lang="fr-FR"/>
+              <a:t> of the tests </a:t>
+            </a:r>
+            <a:r>
+              <a:rPr lang="fr-FR" err="1"/>
+              <a:t>is</a:t>
+            </a:r>
+            <a:r>
+              <a:rPr lang="fr-FR"/>
+              <a:t> </a:t>
+            </a:r>
+            <a:r>
+              <a:rPr lang="fr-FR" err="1"/>
+              <a:t>available</a:t>
+            </a:r>
+            <a:r>
+              <a:rPr lang="fr-FR"/>
+              <a:t> on the </a:t>
+            </a:r>
+            <a:r>
+              <a:rPr lang="fr-FR" err="1"/>
+              <a:t>project</a:t>
+            </a:r>
+            <a:r>
+              <a:rPr lang="fr-FR"/>
+              <a:t> repository.</a:t>
+            </a:r>
+          </a:p>
+        </p:txBody>
+      </p:sp>
+      <p:sp>
+        <p:nvSpPr>
+          <p:cNvPr id="3" name="Espace réservé du numéro de diapositive 2">
+            <a:extLst>
+              <a:ext uri="{FF2B5EF4-FFF2-40B4-BE49-F238E27FC236}">
+                <a16:creationId xmlns:a16="http://schemas.microsoft.com/office/drawing/2014/main" id="{29AE2D03-1322-42CC-B357-21A3C1EB59EE}"/>
+              </a:ext>
+            </a:extLst>
+          </p:cNvPr>
+          <p:cNvSpPr>
+            <a:spLocks noGrp="1"/>
+          </p:cNvSpPr>
+          <p:nvPr>
+            <p:ph type="sldNum" sz="quarter" idx="12"/>
+          </p:nvPr>
+        </p:nvSpPr>
+        <p:spPr/>
+        <p:txBody>
+          <a:bodyPr/>
+          <a:lstStyle/>
+          <a:p>
+            <a:fld id="{E21FFC3D-594F-4CAE-AAA5-4C3555641468}" type="slidenum">
+              <a:rPr lang="sv-SE" smtClean="0"/>
+              <a:pPr/>
+              <a:t>14</a:t>
+            </a:fld>
+            <a:endParaRPr lang="sv-SE"/>
+          </a:p>
+        </p:txBody>
+      </p:sp>
+      <p:sp>
+        <p:nvSpPr>
+          <p:cNvPr id="4" name="Titre 3">
+            <a:extLst>
+              <a:ext uri="{FF2B5EF4-FFF2-40B4-BE49-F238E27FC236}">
+                <a16:creationId xmlns:a16="http://schemas.microsoft.com/office/drawing/2014/main" id="{D6B4CCA7-68BD-4827-BE8F-D0565DF7128C}"/>
+              </a:ext>
+            </a:extLst>
+          </p:cNvPr>
+          <p:cNvSpPr>
+            <a:spLocks noGrp="1"/>
+          </p:cNvSpPr>
+          <p:nvPr>
+            <p:ph type="title"/>
+          </p:nvPr>
+        </p:nvSpPr>
+        <p:spPr/>
+        <p:txBody>
+          <a:bodyPr/>
+          <a:lstStyle/>
+          <a:p>
+            <a:r>
+              <a:rPr lang="fr-FR" err="1"/>
+              <a:t>Testing</a:t>
+            </a:r>
+          </a:p>
+        </p:txBody>
+      </p:sp>
+    </p:spTree>
+    <p:extLst>
+      <p:ext uri="{BB962C8B-B14F-4D97-AF65-F5344CB8AC3E}">
+        <p14:creationId xmlns:p14="http://schemas.microsoft.com/office/powerpoint/2010/main" val="952673919"/>
+      </p:ext>
+    </p:extLst>
+  </p:cSld>
+  <p:clrMapOvr>
+    <a:masterClrMapping/>
+  </p:clrMapOvr>
+</p:sld>
+</file>
+
+<file path=ppt/slides/slide15.xml><?xml version="1.0" encoding="utf-8"?>
 <p:sld xmlns:a="http://schemas.openxmlformats.org/drawingml/2006/main" xmlns:r="http://schemas.openxmlformats.org/officeDocument/2006/relationships" xmlns:p="http://schemas.openxmlformats.org/presentationml/2006/main">
   <p:cSld>
     <p:spTree>
@@ -4172,7 +4342,7 @@
             <a:fld id="{E21FFC3D-594F-4CAE-AAA5-4C3555641468}" type="slidenum">
               <a:rPr lang="sv-SE" smtClean="0"/>
               <a:pPr/>
-              <a:t>6</a:t>
+              <a:t>15</a:t>
             </a:fld>
             <a:endParaRPr lang="sv-SE"/>
           </a:p>
@@ -4203,7 +4373,7 @@
         </p:spPr>
         <p:txBody>
           <a:bodyPr vert="horz" lIns="91440" tIns="45720" rIns="91440" bIns="45720" rtlCol="0" anchor="t" anchorCtr="0">
-            <a:normAutofit fontScale="82500" lnSpcReduction="10000"/>
+            <a:normAutofit fontScale="97500"/>
           </a:bodyPr>
           <a:lstStyle>
             <a:lvl1pPr marL="0" marR="0" indent="0" algn="l" defTabSz="914400" rtl="0" eaLnBrk="0" fontAlgn="base" latinLnBrk="0" hangingPunct="0">
@@ -4231,24 +4401,24 @@
           </a:lstStyle>
           <a:p>
             <a:r>
-              <a:rPr lang="en-US" dirty="0"/>
-              <a:t>Software demonstration [Vladimir]</a:t>
-            </a:r>
-            <a:endParaRPr lang="it-IT" dirty="0"/>
+              <a:rPr lang="en-US"/>
+              <a:t>Software demonstration</a:t>
+            </a:r>
+            <a:endParaRPr lang="it-IT"/>
           </a:p>
         </p:txBody>
       </p:sp>
       <p:pic>
         <p:nvPicPr>
-          <p:cNvPr id="4" name="Picture 3">
+          <p:cNvPr id="1026" name="Picture 2" descr="https://blog.ezwim.com/hs-fs/hubfs/blog_images/Demo.png?t=1539353061217&amp;width=862&amp;height=463&amp;name=Demo.png">
             <a:extLst>
               <a:ext uri="{FF2B5EF4-FFF2-40B4-BE49-F238E27FC236}">
-                <a16:creationId xmlns:a16="http://schemas.microsoft.com/office/drawing/2014/main" id="{5F34553B-DFB9-4E90-A45D-36092F2E81F9}"/>
+                <a16:creationId xmlns:a16="http://schemas.microsoft.com/office/drawing/2014/main" id="{14C12B68-6FBA-4544-B6D3-324594613FFF}"/>
               </a:ext>
             </a:extLst>
           </p:cNvPr>
           <p:cNvPicPr>
-            <a:picLocks noChangeAspect="1"/>
+            <a:picLocks noChangeAspect="1" noChangeArrowheads="1"/>
           </p:cNvPicPr>
           <p:nvPr/>
         </p:nvPicPr>
@@ -4260,54 +4430,29 @@
               </a:ext>
             </a:extLst>
           </a:blip>
+          <a:srcRect/>
           <a:stretch>
             <a:fillRect/>
           </a:stretch>
         </p:blipFill>
-        <p:spPr>
+        <p:spPr bwMode="auto">
           <a:xfrm>
-            <a:off x="1250096" y="1170460"/>
-            <a:ext cx="6264235" cy="3915147"/>
+            <a:off x="0" y="1221798"/>
+            <a:ext cx="8210550" cy="4410075"/>
           </a:xfrm>
           <a:prstGeom prst="rect">
             <a:avLst/>
           </a:prstGeom>
-        </p:spPr>
-      </p:pic>
-      <p:pic>
-        <p:nvPicPr>
-          <p:cNvPr id="8" name="Picture 7">
-            <a:extLst>
-              <a:ext uri="{FF2B5EF4-FFF2-40B4-BE49-F238E27FC236}">
-                <a16:creationId xmlns:a16="http://schemas.microsoft.com/office/drawing/2014/main" id="{86606F8B-49F3-4182-8B01-DA8034B0A3D8}"/>
-              </a:ext>
-            </a:extLst>
-          </p:cNvPr>
-          <p:cNvPicPr>
-            <a:picLocks noChangeAspect="1"/>
-          </p:cNvPicPr>
-          <p:nvPr/>
-        </p:nvPicPr>
-        <p:blipFill>
-          <a:blip r:embed="rId3">
-            <a:extLst>
-              <a:ext uri="{28A0092B-C50C-407E-A947-70E740481C1C}">
-                <a14:useLocalDpi xmlns:a14="http://schemas.microsoft.com/office/drawing/2010/main" val="0"/>
-              </a:ext>
-            </a:extLst>
-          </a:blip>
-          <a:stretch>
-            <a:fillRect/>
-          </a:stretch>
-        </p:blipFill>
-        <p:spPr>
-          <a:xfrm>
-            <a:off x="691007" y="1170459"/>
-            <a:ext cx="7761986" cy="3915147"/>
-          </a:xfrm>
-          <a:prstGeom prst="rect">
-            <a:avLst/>
-          </a:prstGeom>
+          <a:noFill/>
+          <a:extLst>
+            <a:ext uri="{909E8E84-426E-40DD-AFC4-6F175D3DCCD1}">
+              <a14:hiddenFill xmlns:a14="http://schemas.microsoft.com/office/drawing/2010/main">
+                <a:solidFill>
+                  <a:srgbClr val="FFFFFF"/>
+                </a:solidFill>
+              </a14:hiddenFill>
+            </a:ext>
+          </a:extLst>
         </p:spPr>
       </p:pic>
     </p:spTree>
@@ -4323,7 +4468,7 @@
 </p:sld>
 </file>
 
-<file path=ppt/slides/slide7.xml><?xml version="1.0" encoding="utf-8"?>
+<file path=ppt/slides/slide16.xml><?xml version="1.0" encoding="utf-8"?>
 <p:sld xmlns:a="http://schemas.openxmlformats.org/drawingml/2006/main" xmlns:r="http://schemas.openxmlformats.org/officeDocument/2006/relationships" xmlns:p="http://schemas.openxmlformats.org/presentationml/2006/main">
   <p:cSld>
     <p:spTree>
@@ -4358,7 +4503,7 @@
             <a:fld id="{E21FFC3D-594F-4CAE-AAA5-4C3555641468}" type="slidenum">
               <a:rPr lang="sv-SE" smtClean="0"/>
               <a:pPr/>
-              <a:t>7</a:t>
+              <a:t>16</a:t>
             </a:fld>
             <a:endParaRPr lang="sv-SE"/>
           </a:p>
@@ -4445,6 +4590,2014 @@
     <p:extLst>
       <p:ext uri="{BB962C8B-B14F-4D97-AF65-F5344CB8AC3E}">
         <p14:creationId xmlns:p14="http://schemas.microsoft.com/office/powerpoint/2010/main" val="1191727229"/>
+      </p:ext>
+    </p:extLst>
+  </p:cSld>
+  <p:clrMapOvr>
+    <a:masterClrMapping/>
+  </p:clrMapOvr>
+</p:sld>
+</file>
+
+<file path=ppt/slides/slide2.xml><?xml version="1.0" encoding="utf-8"?>
+<p:sld xmlns:a="http://schemas.openxmlformats.org/drawingml/2006/main" xmlns:r="http://schemas.openxmlformats.org/officeDocument/2006/relationships" xmlns:p="http://schemas.openxmlformats.org/presentationml/2006/main">
+  <p:cSld>
+    <p:spTree>
+      <p:nvGrpSpPr>
+        <p:cNvPr id="1" name=""/>
+        <p:cNvGrpSpPr/>
+        <p:nvPr/>
+      </p:nvGrpSpPr>
+      <p:grpSpPr>
+        <a:xfrm>
+          <a:off x="0" y="0"/>
+          <a:ext cx="0" cy="0"/>
+          <a:chOff x="0" y="0"/>
+          <a:chExt cx="0" cy="0"/>
+        </a:xfrm>
+      </p:grpSpPr>
+      <p:sp>
+        <p:nvSpPr>
+          <p:cNvPr id="2" name="Text Placeholder 1">
+            <a:extLst>
+              <a:ext uri="{FF2B5EF4-FFF2-40B4-BE49-F238E27FC236}">
+                <a16:creationId xmlns:a16="http://schemas.microsoft.com/office/drawing/2014/main" id="{96A51413-AE88-4C8A-8014-E6FEE027D9BF}"/>
+              </a:ext>
+            </a:extLst>
+          </p:cNvPr>
+          <p:cNvSpPr>
+            <a:spLocks noGrp="1"/>
+          </p:cNvSpPr>
+          <p:nvPr>
+            <p:ph type="body" sz="quarter" idx="11"/>
+          </p:nvPr>
+        </p:nvSpPr>
+        <p:spPr/>
+        <p:txBody>
+          <a:bodyPr vert="horz" lIns="91440" tIns="45720" rIns="91440" bIns="45720" rtlCol="0" anchor="t">
+            <a:normAutofit/>
+          </a:bodyPr>
+          <a:lstStyle/>
+          <a:p>
+            <a:pPr fontAlgn="base"/>
+            <a:r>
+              <a:rPr lang="en-US" dirty="0"/>
+              <a:t>Organization and plan</a:t>
+            </a:r>
+          </a:p>
+          <a:p>
+            <a:pPr fontAlgn="base"/>
+            <a:r>
+              <a:rPr lang="en-US" dirty="0"/>
+              <a:t>Results and experiences</a:t>
+            </a:r>
+          </a:p>
+          <a:p>
+            <a:pPr fontAlgn="base"/>
+            <a:r>
+              <a:rPr lang="en-US" dirty="0"/>
+              <a:t>Design overview </a:t>
+            </a:r>
+          </a:p>
+          <a:p>
+            <a:pPr lvl="1" fontAlgn="base"/>
+            <a:r>
+              <a:rPr lang="en-US" dirty="0"/>
+              <a:t>Component diagram </a:t>
+            </a:r>
+          </a:p>
+          <a:p>
+            <a:pPr lvl="1" fontAlgn="base"/>
+            <a:r>
+              <a:rPr lang="en-US" dirty="0"/>
+              <a:t>Static structure </a:t>
+            </a:r>
+          </a:p>
+          <a:p>
+            <a:pPr lvl="1" fontAlgn="base"/>
+            <a:r>
+              <a:rPr lang="en-US" dirty="0"/>
+              <a:t>Dynamic structure </a:t>
+            </a:r>
+          </a:p>
+          <a:p>
+            <a:pPr fontAlgn="base"/>
+            <a:r>
+              <a:rPr lang="en-US" dirty="0"/>
+              <a:t>Implementation and testing</a:t>
+            </a:r>
+          </a:p>
+          <a:p>
+            <a:pPr fontAlgn="base"/>
+            <a:r>
+              <a:rPr lang="en-US" dirty="0"/>
+              <a:t>Software demonstration</a:t>
+            </a:r>
+          </a:p>
+          <a:p>
+            <a:pPr fontAlgn="base"/>
+            <a:r>
+              <a:rPr lang="en-US" dirty="0"/>
+              <a:t>Questions and discussion</a:t>
+            </a:r>
+          </a:p>
+        </p:txBody>
+      </p:sp>
+      <p:sp>
+        <p:nvSpPr>
+          <p:cNvPr id="3" name="Slide Number Placeholder 2">
+            <a:extLst>
+              <a:ext uri="{FF2B5EF4-FFF2-40B4-BE49-F238E27FC236}">
+                <a16:creationId xmlns:a16="http://schemas.microsoft.com/office/drawing/2014/main" id="{79095719-8821-4517-8B5B-0C2F6660CB4E}"/>
+              </a:ext>
+            </a:extLst>
+          </p:cNvPr>
+          <p:cNvSpPr>
+            <a:spLocks noGrp="1"/>
+          </p:cNvSpPr>
+          <p:nvPr>
+            <p:ph type="sldNum" sz="quarter" idx="12"/>
+          </p:nvPr>
+        </p:nvSpPr>
+        <p:spPr/>
+        <p:txBody>
+          <a:bodyPr/>
+          <a:lstStyle/>
+          <a:p>
+            <a:fld id="{E21FFC3D-594F-4CAE-AAA5-4C3555641468}" type="slidenum">
+              <a:rPr lang="sv-SE" smtClean="0"/>
+              <a:pPr/>
+              <a:t>2</a:t>
+            </a:fld>
+            <a:endParaRPr lang="sv-SE"/>
+          </a:p>
+        </p:txBody>
+      </p:sp>
+      <p:sp>
+        <p:nvSpPr>
+          <p:cNvPr id="4" name="Title 3">
+            <a:extLst>
+              <a:ext uri="{FF2B5EF4-FFF2-40B4-BE49-F238E27FC236}">
+                <a16:creationId xmlns:a16="http://schemas.microsoft.com/office/drawing/2014/main" id="{840DA2A7-A5E0-41A1-A9F8-6B7C5A550135}"/>
+              </a:ext>
+            </a:extLst>
+          </p:cNvPr>
+          <p:cNvSpPr>
+            <a:spLocks noGrp="1"/>
+          </p:cNvSpPr>
+          <p:nvPr>
+            <p:ph type="title"/>
+          </p:nvPr>
+        </p:nvSpPr>
+        <p:spPr/>
+        <p:txBody>
+          <a:bodyPr/>
+          <a:lstStyle/>
+          <a:p>
+            <a:r>
+              <a:rPr lang="en-US"/>
+              <a:t>Summary</a:t>
+            </a:r>
+          </a:p>
+        </p:txBody>
+      </p:sp>
+    </p:spTree>
+    <p:extLst>
+      <p:ext uri="{BB962C8B-B14F-4D97-AF65-F5344CB8AC3E}">
+        <p14:creationId xmlns:p14="http://schemas.microsoft.com/office/powerpoint/2010/main" val="4283166906"/>
+      </p:ext>
+    </p:extLst>
+  </p:cSld>
+  <p:clrMapOvr>
+    <a:masterClrMapping/>
+  </p:clrMapOvr>
+</p:sld>
+</file>
+
+<file path=ppt/slides/slide3.xml><?xml version="1.0" encoding="utf-8"?>
+<p:sld xmlns:a="http://schemas.openxmlformats.org/drawingml/2006/main" xmlns:r="http://schemas.openxmlformats.org/officeDocument/2006/relationships" xmlns:p="http://schemas.openxmlformats.org/presentationml/2006/main">
+  <p:cSld>
+    <p:spTree>
+      <p:nvGrpSpPr>
+        <p:cNvPr id="1" name=""/>
+        <p:cNvGrpSpPr/>
+        <p:nvPr/>
+      </p:nvGrpSpPr>
+      <p:grpSpPr>
+        <a:xfrm>
+          <a:off x="0" y="0"/>
+          <a:ext cx="0" cy="0"/>
+          <a:chOff x="0" y="0"/>
+          <a:chExt cx="0" cy="0"/>
+        </a:xfrm>
+      </p:grpSpPr>
+      <p:sp>
+        <p:nvSpPr>
+          <p:cNvPr id="2" name="Text Placeholder 1">
+            <a:extLst>
+              <a:ext uri="{FF2B5EF4-FFF2-40B4-BE49-F238E27FC236}">
+                <a16:creationId xmlns:a16="http://schemas.microsoft.com/office/drawing/2014/main" id="{5AD53223-F2DE-4033-B9CC-EC5C62D2D4B8}"/>
+              </a:ext>
+            </a:extLst>
+          </p:cNvPr>
+          <p:cNvSpPr>
+            <a:spLocks noGrp="1"/>
+          </p:cNvSpPr>
+          <p:nvPr>
+            <p:ph type="body" sz="quarter" idx="11"/>
+          </p:nvPr>
+        </p:nvSpPr>
+        <p:spPr>
+          <a:xfrm>
+            <a:off x="587768" y="1333572"/>
+            <a:ext cx="7644888" cy="3877021"/>
+          </a:xfrm>
+        </p:spPr>
+        <p:txBody>
+          <a:bodyPr vert="horz" lIns="91440" tIns="45720" rIns="91440" bIns="45720" rtlCol="0" anchor="t">
+            <a:normAutofit/>
+          </a:bodyPr>
+          <a:lstStyle/>
+          <a:p>
+            <a:pPr marL="0" indent="0">
+              <a:buNone/>
+            </a:pPr>
+            <a:r>
+              <a:rPr lang="en-US" b="1"/>
+              <a:t>Organization:</a:t>
+            </a:r>
+          </a:p>
+          <a:p>
+            <a:pPr marL="0"/>
+            <a:r>
+              <a:rPr lang="en-US" sz="2400"/>
+              <a:t>Meetings almost every week to coordinate and plan work.</a:t>
+            </a:r>
+          </a:p>
+          <a:p>
+            <a:pPr marL="0"/>
+            <a:r>
+              <a:rPr lang="en-US" sz="2400"/>
+              <a:t>Microsoft Teams was used for communication, sharing of files and communication progress of the work.</a:t>
+            </a:r>
+          </a:p>
+          <a:p>
+            <a:pPr marL="0"/>
+            <a:r>
+              <a:rPr lang="en-US" sz="2400"/>
+              <a:t>GitHub was used to host the project repository.</a:t>
+            </a:r>
+          </a:p>
+          <a:p>
+            <a:pPr marL="0"/>
+            <a:r>
+              <a:rPr lang="en-US" sz="2400"/>
+              <a:t>Trello was never used during the project.</a:t>
+            </a:r>
+          </a:p>
+          <a:p>
+            <a:endParaRPr lang="en-US" sz="2400"/>
+          </a:p>
+        </p:txBody>
+      </p:sp>
+      <p:sp>
+        <p:nvSpPr>
+          <p:cNvPr id="3" name="Slide Number Placeholder 2">
+            <a:extLst>
+              <a:ext uri="{FF2B5EF4-FFF2-40B4-BE49-F238E27FC236}">
+                <a16:creationId xmlns:a16="http://schemas.microsoft.com/office/drawing/2014/main" id="{B3DD8E6C-13E5-48F4-801C-502C643D5601}"/>
+              </a:ext>
+            </a:extLst>
+          </p:cNvPr>
+          <p:cNvSpPr>
+            <a:spLocks noGrp="1"/>
+          </p:cNvSpPr>
+          <p:nvPr>
+            <p:ph type="sldNum" sz="quarter" idx="12"/>
+          </p:nvPr>
+        </p:nvSpPr>
+        <p:spPr/>
+        <p:txBody>
+          <a:bodyPr/>
+          <a:lstStyle/>
+          <a:p>
+            <a:fld id="{E21FFC3D-594F-4CAE-AAA5-4C3555641468}" type="slidenum">
+              <a:rPr lang="sv-SE" smtClean="0"/>
+              <a:pPr/>
+              <a:t>3</a:t>
+            </a:fld>
+            <a:endParaRPr lang="sv-SE"/>
+          </a:p>
+        </p:txBody>
+      </p:sp>
+      <p:sp>
+        <p:nvSpPr>
+          <p:cNvPr id="4" name="Title 3">
+            <a:extLst>
+              <a:ext uri="{FF2B5EF4-FFF2-40B4-BE49-F238E27FC236}">
+                <a16:creationId xmlns:a16="http://schemas.microsoft.com/office/drawing/2014/main" id="{E375AFA5-A85D-45E1-B843-537D8AB0367A}"/>
+              </a:ext>
+            </a:extLst>
+          </p:cNvPr>
+          <p:cNvSpPr>
+            <a:spLocks noGrp="1"/>
+          </p:cNvSpPr>
+          <p:nvPr>
+            <p:ph type="title"/>
+          </p:nvPr>
+        </p:nvSpPr>
+        <p:spPr>
+          <a:xfrm>
+            <a:off x="1262080" y="320767"/>
+            <a:ext cx="6552728" cy="1068058"/>
+          </a:xfrm>
+        </p:spPr>
+        <p:txBody>
+          <a:bodyPr/>
+          <a:lstStyle/>
+          <a:p>
+            <a:r>
+              <a:rPr lang="en-US"/>
+              <a:t>Organization and plan</a:t>
+            </a:r>
+          </a:p>
+        </p:txBody>
+      </p:sp>
+    </p:spTree>
+    <p:extLst>
+      <p:ext uri="{BB962C8B-B14F-4D97-AF65-F5344CB8AC3E}">
+        <p14:creationId xmlns:p14="http://schemas.microsoft.com/office/powerpoint/2010/main" val="2822800845"/>
+      </p:ext>
+    </p:extLst>
+  </p:cSld>
+  <p:clrMapOvr>
+    <a:masterClrMapping/>
+  </p:clrMapOvr>
+</p:sld>
+</file>
+
+<file path=ppt/slides/slide4.xml><?xml version="1.0" encoding="utf-8"?>
+<p:sld xmlns:a="http://schemas.openxmlformats.org/drawingml/2006/main" xmlns:r="http://schemas.openxmlformats.org/officeDocument/2006/relationships" xmlns:p="http://schemas.openxmlformats.org/presentationml/2006/main">
+  <p:cSld>
+    <p:spTree>
+      <p:nvGrpSpPr>
+        <p:cNvPr id="1" name=""/>
+        <p:cNvGrpSpPr/>
+        <p:nvPr/>
+      </p:nvGrpSpPr>
+      <p:grpSpPr>
+        <a:xfrm>
+          <a:off x="0" y="0"/>
+          <a:ext cx="0" cy="0"/>
+          <a:chOff x="0" y="0"/>
+          <a:chExt cx="0" cy="0"/>
+        </a:xfrm>
+      </p:grpSpPr>
+      <p:sp>
+        <p:nvSpPr>
+          <p:cNvPr id="2" name="Text Placeholder 1">
+            <a:extLst>
+              <a:ext uri="{FF2B5EF4-FFF2-40B4-BE49-F238E27FC236}">
+                <a16:creationId xmlns:a16="http://schemas.microsoft.com/office/drawing/2014/main" id="{46CFF161-5D03-4741-94A3-FDAB29D6EE52}"/>
+              </a:ext>
+            </a:extLst>
+          </p:cNvPr>
+          <p:cNvSpPr>
+            <a:spLocks noGrp="1"/>
+          </p:cNvSpPr>
+          <p:nvPr>
+            <p:ph type="body" sz="quarter" idx="11"/>
+          </p:nvPr>
+        </p:nvSpPr>
+        <p:spPr>
+          <a:xfrm>
+            <a:off x="479911" y="1129894"/>
+            <a:ext cx="8351959" cy="4116643"/>
+          </a:xfrm>
+        </p:spPr>
+        <p:txBody>
+          <a:bodyPr vert="horz" lIns="91440" tIns="45720" rIns="91440" bIns="45720" rtlCol="0" anchor="t">
+            <a:noAutofit/>
+          </a:bodyPr>
+          <a:lstStyle/>
+          <a:p>
+            <a:pPr marL="0" indent="0">
+              <a:buNone/>
+            </a:pPr>
+            <a:r>
+              <a:rPr lang="en-US" sz="2400" b="1"/>
+              <a:t>Planning</a:t>
+            </a:r>
+            <a:r>
+              <a:rPr lang="en-US" sz="2400"/>
+              <a:t>:</a:t>
+            </a:r>
+          </a:p>
+          <a:p>
+            <a:pPr marL="0"/>
+            <a:r>
+              <a:rPr lang="en-US" sz="2400"/>
+              <a:t>Divided into four phases: planning, design, implementation and project analysis.</a:t>
+            </a:r>
+          </a:p>
+          <a:p>
+            <a:pPr marL="0"/>
+            <a:r>
+              <a:rPr lang="en-US" sz="2400"/>
+              <a:t>Planning: agree on a project plan and write it down.</a:t>
+            </a:r>
+          </a:p>
+          <a:p>
+            <a:pPr marL="0"/>
+            <a:r>
+              <a:rPr lang="en-US" sz="2400"/>
+              <a:t>Design: design UML diagrams, agreeing on the UI, sketching the UI and write down an initial design document.</a:t>
+            </a:r>
+          </a:p>
+          <a:p>
+            <a:pPr marL="0"/>
+            <a:r>
+              <a:rPr lang="en-US" sz="2400"/>
+              <a:t>Implementation: implement the system, test the system and update the design document.</a:t>
+            </a:r>
+          </a:p>
+          <a:p>
+            <a:pPr marL="0"/>
+            <a:r>
+              <a:rPr lang="en-US" sz="2400"/>
+              <a:t>Project analysis: analyze the result of the project and write a project analysis report.</a:t>
+            </a:r>
+          </a:p>
+          <a:p>
+            <a:endParaRPr lang="en-US" sz="2400"/>
+          </a:p>
+        </p:txBody>
+      </p:sp>
+      <p:sp>
+        <p:nvSpPr>
+          <p:cNvPr id="3" name="Slide Number Placeholder 2">
+            <a:extLst>
+              <a:ext uri="{FF2B5EF4-FFF2-40B4-BE49-F238E27FC236}">
+                <a16:creationId xmlns:a16="http://schemas.microsoft.com/office/drawing/2014/main" id="{2FE7B7E1-4307-4458-9559-7A711876F882}"/>
+              </a:ext>
+            </a:extLst>
+          </p:cNvPr>
+          <p:cNvSpPr>
+            <a:spLocks noGrp="1"/>
+          </p:cNvSpPr>
+          <p:nvPr>
+            <p:ph type="sldNum" sz="quarter" idx="12"/>
+          </p:nvPr>
+        </p:nvSpPr>
+        <p:spPr/>
+        <p:txBody>
+          <a:bodyPr/>
+          <a:lstStyle/>
+          <a:p>
+            <a:fld id="{E21FFC3D-594F-4CAE-AAA5-4C3555641468}" type="slidenum">
+              <a:rPr lang="sv-SE" smtClean="0"/>
+              <a:pPr/>
+              <a:t>4</a:t>
+            </a:fld>
+            <a:endParaRPr lang="sv-SE"/>
+          </a:p>
+        </p:txBody>
+      </p:sp>
+      <p:sp>
+        <p:nvSpPr>
+          <p:cNvPr id="4" name="Title 3">
+            <a:extLst>
+              <a:ext uri="{FF2B5EF4-FFF2-40B4-BE49-F238E27FC236}">
+                <a16:creationId xmlns:a16="http://schemas.microsoft.com/office/drawing/2014/main" id="{4F64FBDE-F401-4962-A9FE-F1140D8F7378}"/>
+              </a:ext>
+            </a:extLst>
+          </p:cNvPr>
+          <p:cNvSpPr>
+            <a:spLocks noGrp="1"/>
+          </p:cNvSpPr>
+          <p:nvPr>
+            <p:ph type="title"/>
+          </p:nvPr>
+        </p:nvSpPr>
+        <p:spPr>
+          <a:xfrm>
+            <a:off x="1381922" y="284823"/>
+            <a:ext cx="6552728" cy="708625"/>
+          </a:xfrm>
+        </p:spPr>
+        <p:txBody>
+          <a:bodyPr/>
+          <a:lstStyle/>
+          <a:p>
+            <a:r>
+              <a:rPr lang="en-US"/>
+              <a:t>Organization and plan</a:t>
+            </a:r>
+            <a:endParaRPr lang="en-US" b="0"/>
+          </a:p>
+          <a:p>
+            <a:endParaRPr lang="en-US"/>
+          </a:p>
+        </p:txBody>
+      </p:sp>
+    </p:spTree>
+    <p:extLst>
+      <p:ext uri="{BB962C8B-B14F-4D97-AF65-F5344CB8AC3E}">
+        <p14:creationId xmlns:p14="http://schemas.microsoft.com/office/powerpoint/2010/main" val="1074595966"/>
+      </p:ext>
+    </p:extLst>
+  </p:cSld>
+  <p:clrMapOvr>
+    <a:masterClrMapping/>
+  </p:clrMapOvr>
+</p:sld>
+</file>
+
+<file path=ppt/slides/slide5.xml><?xml version="1.0" encoding="utf-8"?>
+<p:sld xmlns:a="http://schemas.openxmlformats.org/drawingml/2006/main" xmlns:r="http://schemas.openxmlformats.org/officeDocument/2006/relationships" xmlns:p="http://schemas.openxmlformats.org/presentationml/2006/main">
+  <p:cSld>
+    <p:spTree>
+      <p:nvGrpSpPr>
+        <p:cNvPr id="1" name=""/>
+        <p:cNvGrpSpPr/>
+        <p:nvPr/>
+      </p:nvGrpSpPr>
+      <p:grpSpPr>
+        <a:xfrm>
+          <a:off x="0" y="0"/>
+          <a:ext cx="0" cy="0"/>
+          <a:chOff x="0" y="0"/>
+          <a:chExt cx="0" cy="0"/>
+        </a:xfrm>
+      </p:grpSpPr>
+      <p:sp>
+        <p:nvSpPr>
+          <p:cNvPr id="2" name="Text Placeholder 1">
+            <a:extLst>
+              <a:ext uri="{FF2B5EF4-FFF2-40B4-BE49-F238E27FC236}">
+                <a16:creationId xmlns:a16="http://schemas.microsoft.com/office/drawing/2014/main" id="{2529FD5C-CF61-4455-955F-5623B2C4A3D7}"/>
+              </a:ext>
+            </a:extLst>
+          </p:cNvPr>
+          <p:cNvSpPr>
+            <a:spLocks noGrp="1"/>
+          </p:cNvSpPr>
+          <p:nvPr>
+            <p:ph type="body" sz="quarter" idx="11"/>
+          </p:nvPr>
+        </p:nvSpPr>
+        <p:spPr>
+          <a:xfrm>
+            <a:off x="635706" y="1573196"/>
+            <a:ext cx="7584966" cy="3313906"/>
+          </a:xfrm>
+        </p:spPr>
+        <p:txBody>
+          <a:bodyPr vert="horz" lIns="91440" tIns="45720" rIns="91440" bIns="45720" rtlCol="0" anchor="t">
+            <a:normAutofit/>
+          </a:bodyPr>
+          <a:lstStyle/>
+          <a:p>
+            <a:r>
+              <a:rPr lang="en-US" sz="2800"/>
+              <a:t>Project plan</a:t>
+            </a:r>
+          </a:p>
+          <a:p>
+            <a:r>
+              <a:rPr lang="en-US" sz="2800"/>
+              <a:t>Design document</a:t>
+            </a:r>
+          </a:p>
+          <a:p>
+            <a:r>
+              <a:rPr lang="en-US" sz="2800"/>
+              <a:t>Initial implementation</a:t>
+            </a:r>
+          </a:p>
+          <a:p>
+            <a:r>
+              <a:rPr lang="en-US" sz="2800"/>
+              <a:t>Complete implementation</a:t>
+            </a:r>
+          </a:p>
+          <a:p>
+            <a:r>
+              <a:rPr lang="en-US" sz="2800"/>
+              <a:t>Project analysis</a:t>
+            </a:r>
+          </a:p>
+        </p:txBody>
+      </p:sp>
+      <p:sp>
+        <p:nvSpPr>
+          <p:cNvPr id="3" name="Slide Number Placeholder 2">
+            <a:extLst>
+              <a:ext uri="{FF2B5EF4-FFF2-40B4-BE49-F238E27FC236}">
+                <a16:creationId xmlns:a16="http://schemas.microsoft.com/office/drawing/2014/main" id="{41E3C8EF-786D-458E-8435-965207359FA1}"/>
+              </a:ext>
+            </a:extLst>
+          </p:cNvPr>
+          <p:cNvSpPr>
+            <a:spLocks noGrp="1"/>
+          </p:cNvSpPr>
+          <p:nvPr>
+            <p:ph type="sldNum" sz="quarter" idx="12"/>
+          </p:nvPr>
+        </p:nvSpPr>
+        <p:spPr/>
+        <p:txBody>
+          <a:bodyPr/>
+          <a:lstStyle/>
+          <a:p>
+            <a:fld id="{E21FFC3D-594F-4CAE-AAA5-4C3555641468}" type="slidenum">
+              <a:rPr lang="sv-SE" smtClean="0"/>
+              <a:pPr/>
+              <a:t>5</a:t>
+            </a:fld>
+            <a:endParaRPr lang="sv-SE"/>
+          </a:p>
+        </p:txBody>
+      </p:sp>
+      <p:sp>
+        <p:nvSpPr>
+          <p:cNvPr id="4" name="Title 3">
+            <a:extLst>
+              <a:ext uri="{FF2B5EF4-FFF2-40B4-BE49-F238E27FC236}">
+                <a16:creationId xmlns:a16="http://schemas.microsoft.com/office/drawing/2014/main" id="{ACAF3672-F823-4383-89D8-B115CC97FCBD}"/>
+              </a:ext>
+            </a:extLst>
+          </p:cNvPr>
+          <p:cNvSpPr>
+            <a:spLocks noGrp="1"/>
+          </p:cNvSpPr>
+          <p:nvPr>
+            <p:ph type="title"/>
+          </p:nvPr>
+        </p:nvSpPr>
+        <p:spPr>
+          <a:xfrm>
+            <a:off x="1262080" y="416616"/>
+            <a:ext cx="6540744" cy="636738"/>
+          </a:xfrm>
+        </p:spPr>
+        <p:txBody>
+          <a:bodyPr>
+            <a:normAutofit/>
+          </a:bodyPr>
+          <a:lstStyle/>
+          <a:p>
+            <a:r>
+              <a:rPr lang="en-US"/>
+              <a:t>Results and experiences </a:t>
+            </a:r>
+            <a:endParaRPr lang="en-US" b="0"/>
+          </a:p>
+        </p:txBody>
+      </p:sp>
+    </p:spTree>
+    <p:extLst>
+      <p:ext uri="{BB962C8B-B14F-4D97-AF65-F5344CB8AC3E}">
+        <p14:creationId xmlns:p14="http://schemas.microsoft.com/office/powerpoint/2010/main" val="2396434816"/>
+      </p:ext>
+    </p:extLst>
+  </p:cSld>
+  <p:clrMapOvr>
+    <a:masterClrMapping/>
+  </p:clrMapOvr>
+  <p:timing>
+    <p:tnLst>
+      <p:par>
+        <p:cTn id="1" dur="indefinite" restart="never" nodeType="tmRoot">
+          <p:childTnLst>
+            <p:seq concurrent="1" nextAc="seek">
+              <p:cTn id="2" dur="indefinite" nodeType="mainSeq">
+                <p:childTnLst>
+                  <p:par>
+                    <p:cTn id="3" fill="hold">
+                      <p:stCondLst>
+                        <p:cond delay="indefinite"/>
+                      </p:stCondLst>
+                      <p:childTnLst>
+                        <p:par>
+                          <p:cTn id="4" fill="hold">
+                            <p:stCondLst>
+                              <p:cond delay="0"/>
+                            </p:stCondLst>
+                            <p:childTnLst>
+                              <p:par>
+                                <p:cTn id="5" presetID="2" presetClass="entr" presetSubtype="4" fill="hold" grpId="0" nodeType="clickEffect">
+                                  <p:stCondLst>
+                                    <p:cond delay="0"/>
+                                  </p:stCondLst>
+                                  <p:childTnLst>
+                                    <p:set>
+                                      <p:cBhvr>
+                                        <p:cTn id="6" dur="1" fill="hold">
+                                          <p:stCondLst>
+                                            <p:cond delay="0"/>
+                                          </p:stCondLst>
+                                        </p:cTn>
+                                        <p:tgtEl>
+                                          <p:spTgt spid="2">
+                                            <p:txEl>
+                                              <p:pRg st="0" end="0"/>
+                                            </p:txEl>
+                                          </p:spTgt>
+                                        </p:tgtEl>
+                                        <p:attrNameLst>
+                                          <p:attrName>style.visibility</p:attrName>
+                                        </p:attrNameLst>
+                                      </p:cBhvr>
+                                      <p:to>
+                                        <p:strVal val="visible"/>
+                                      </p:to>
+                                    </p:set>
+                                    <p:anim calcmode="lin" valueType="num">
+                                      <p:cBhvr additive="base">
+                                        <p:cTn id="7" dur="500" fill="hold"/>
+                                        <p:tgtEl>
+                                          <p:spTgt spid="2">
+                                            <p:txEl>
+                                              <p:pRg st="0" end="0"/>
+                                            </p:txEl>
+                                          </p:spTgt>
+                                        </p:tgtEl>
+                                        <p:attrNameLst>
+                                          <p:attrName>ppt_x</p:attrName>
+                                        </p:attrNameLst>
+                                      </p:cBhvr>
+                                      <p:tavLst>
+                                        <p:tav tm="0">
+                                          <p:val>
+                                            <p:strVal val="#ppt_x"/>
+                                          </p:val>
+                                        </p:tav>
+                                        <p:tav tm="100000">
+                                          <p:val>
+                                            <p:strVal val="#ppt_x"/>
+                                          </p:val>
+                                        </p:tav>
+                                      </p:tavLst>
+                                    </p:anim>
+                                    <p:anim calcmode="lin" valueType="num">
+                                      <p:cBhvr additive="base">
+                                        <p:cTn id="8" dur="500" fill="hold"/>
+                                        <p:tgtEl>
+                                          <p:spTgt spid="2">
+                                            <p:txEl>
+                                              <p:pRg st="0" end="0"/>
+                                            </p:txEl>
+                                          </p:spTgt>
+                                        </p:tgtEl>
+                                        <p:attrNameLst>
+                                          <p:attrName>ppt_y</p:attrName>
+                                        </p:attrNameLst>
+                                      </p:cBhvr>
+                                      <p:tavLst>
+                                        <p:tav tm="0">
+                                          <p:val>
+                                            <p:strVal val="1+#ppt_h/2"/>
+                                          </p:val>
+                                        </p:tav>
+                                        <p:tav tm="100000">
+                                          <p:val>
+                                            <p:strVal val="#ppt_y"/>
+                                          </p:val>
+                                        </p:tav>
+                                      </p:tavLst>
+                                    </p:anim>
+                                  </p:childTnLst>
+                                </p:cTn>
+                              </p:par>
+                            </p:childTnLst>
+                          </p:cTn>
+                        </p:par>
+                      </p:childTnLst>
+                    </p:cTn>
+                  </p:par>
+                  <p:par>
+                    <p:cTn id="9" fill="hold">
+                      <p:stCondLst>
+                        <p:cond delay="indefinite"/>
+                      </p:stCondLst>
+                      <p:childTnLst>
+                        <p:par>
+                          <p:cTn id="10" fill="hold">
+                            <p:stCondLst>
+                              <p:cond delay="0"/>
+                            </p:stCondLst>
+                            <p:childTnLst>
+                              <p:par>
+                                <p:cTn id="11" presetID="2" presetClass="entr" presetSubtype="4" fill="hold" grpId="0" nodeType="clickEffect">
+                                  <p:stCondLst>
+                                    <p:cond delay="0"/>
+                                  </p:stCondLst>
+                                  <p:childTnLst>
+                                    <p:set>
+                                      <p:cBhvr>
+                                        <p:cTn id="12" dur="1" fill="hold">
+                                          <p:stCondLst>
+                                            <p:cond delay="0"/>
+                                          </p:stCondLst>
+                                        </p:cTn>
+                                        <p:tgtEl>
+                                          <p:spTgt spid="2">
+                                            <p:txEl>
+                                              <p:pRg st="1" end="1"/>
+                                            </p:txEl>
+                                          </p:spTgt>
+                                        </p:tgtEl>
+                                        <p:attrNameLst>
+                                          <p:attrName>style.visibility</p:attrName>
+                                        </p:attrNameLst>
+                                      </p:cBhvr>
+                                      <p:to>
+                                        <p:strVal val="visible"/>
+                                      </p:to>
+                                    </p:set>
+                                    <p:anim calcmode="lin" valueType="num">
+                                      <p:cBhvr additive="base">
+                                        <p:cTn id="13" dur="500" fill="hold"/>
+                                        <p:tgtEl>
+                                          <p:spTgt spid="2">
+                                            <p:txEl>
+                                              <p:pRg st="1" end="1"/>
+                                            </p:txEl>
+                                          </p:spTgt>
+                                        </p:tgtEl>
+                                        <p:attrNameLst>
+                                          <p:attrName>ppt_x</p:attrName>
+                                        </p:attrNameLst>
+                                      </p:cBhvr>
+                                      <p:tavLst>
+                                        <p:tav tm="0">
+                                          <p:val>
+                                            <p:strVal val="#ppt_x"/>
+                                          </p:val>
+                                        </p:tav>
+                                        <p:tav tm="100000">
+                                          <p:val>
+                                            <p:strVal val="#ppt_x"/>
+                                          </p:val>
+                                        </p:tav>
+                                      </p:tavLst>
+                                    </p:anim>
+                                    <p:anim calcmode="lin" valueType="num">
+                                      <p:cBhvr additive="base">
+                                        <p:cTn id="14" dur="500" fill="hold"/>
+                                        <p:tgtEl>
+                                          <p:spTgt spid="2">
+                                            <p:txEl>
+                                              <p:pRg st="1" end="1"/>
+                                            </p:txEl>
+                                          </p:spTgt>
+                                        </p:tgtEl>
+                                        <p:attrNameLst>
+                                          <p:attrName>ppt_y</p:attrName>
+                                        </p:attrNameLst>
+                                      </p:cBhvr>
+                                      <p:tavLst>
+                                        <p:tav tm="0">
+                                          <p:val>
+                                            <p:strVal val="1+#ppt_h/2"/>
+                                          </p:val>
+                                        </p:tav>
+                                        <p:tav tm="100000">
+                                          <p:val>
+                                            <p:strVal val="#ppt_y"/>
+                                          </p:val>
+                                        </p:tav>
+                                      </p:tavLst>
+                                    </p:anim>
+                                  </p:childTnLst>
+                                </p:cTn>
+                              </p:par>
+                            </p:childTnLst>
+                          </p:cTn>
+                        </p:par>
+                      </p:childTnLst>
+                    </p:cTn>
+                  </p:par>
+                  <p:par>
+                    <p:cTn id="15" fill="hold">
+                      <p:stCondLst>
+                        <p:cond delay="indefinite"/>
+                      </p:stCondLst>
+                      <p:childTnLst>
+                        <p:par>
+                          <p:cTn id="16" fill="hold">
+                            <p:stCondLst>
+                              <p:cond delay="0"/>
+                            </p:stCondLst>
+                            <p:childTnLst>
+                              <p:par>
+                                <p:cTn id="17" presetID="2" presetClass="entr" presetSubtype="4" fill="hold" grpId="0" nodeType="clickEffect">
+                                  <p:stCondLst>
+                                    <p:cond delay="0"/>
+                                  </p:stCondLst>
+                                  <p:childTnLst>
+                                    <p:set>
+                                      <p:cBhvr>
+                                        <p:cTn id="18" dur="1" fill="hold">
+                                          <p:stCondLst>
+                                            <p:cond delay="0"/>
+                                          </p:stCondLst>
+                                        </p:cTn>
+                                        <p:tgtEl>
+                                          <p:spTgt spid="2">
+                                            <p:txEl>
+                                              <p:pRg st="2" end="2"/>
+                                            </p:txEl>
+                                          </p:spTgt>
+                                        </p:tgtEl>
+                                        <p:attrNameLst>
+                                          <p:attrName>style.visibility</p:attrName>
+                                        </p:attrNameLst>
+                                      </p:cBhvr>
+                                      <p:to>
+                                        <p:strVal val="visible"/>
+                                      </p:to>
+                                    </p:set>
+                                    <p:anim calcmode="lin" valueType="num">
+                                      <p:cBhvr additive="base">
+                                        <p:cTn id="19" dur="500" fill="hold"/>
+                                        <p:tgtEl>
+                                          <p:spTgt spid="2">
+                                            <p:txEl>
+                                              <p:pRg st="2" end="2"/>
+                                            </p:txEl>
+                                          </p:spTgt>
+                                        </p:tgtEl>
+                                        <p:attrNameLst>
+                                          <p:attrName>ppt_x</p:attrName>
+                                        </p:attrNameLst>
+                                      </p:cBhvr>
+                                      <p:tavLst>
+                                        <p:tav tm="0">
+                                          <p:val>
+                                            <p:strVal val="#ppt_x"/>
+                                          </p:val>
+                                        </p:tav>
+                                        <p:tav tm="100000">
+                                          <p:val>
+                                            <p:strVal val="#ppt_x"/>
+                                          </p:val>
+                                        </p:tav>
+                                      </p:tavLst>
+                                    </p:anim>
+                                    <p:anim calcmode="lin" valueType="num">
+                                      <p:cBhvr additive="base">
+                                        <p:cTn id="20" dur="500" fill="hold"/>
+                                        <p:tgtEl>
+                                          <p:spTgt spid="2">
+                                            <p:txEl>
+                                              <p:pRg st="2" end="2"/>
+                                            </p:txEl>
+                                          </p:spTgt>
+                                        </p:tgtEl>
+                                        <p:attrNameLst>
+                                          <p:attrName>ppt_y</p:attrName>
+                                        </p:attrNameLst>
+                                      </p:cBhvr>
+                                      <p:tavLst>
+                                        <p:tav tm="0">
+                                          <p:val>
+                                            <p:strVal val="1+#ppt_h/2"/>
+                                          </p:val>
+                                        </p:tav>
+                                        <p:tav tm="100000">
+                                          <p:val>
+                                            <p:strVal val="#ppt_y"/>
+                                          </p:val>
+                                        </p:tav>
+                                      </p:tavLst>
+                                    </p:anim>
+                                  </p:childTnLst>
+                                </p:cTn>
+                              </p:par>
+                            </p:childTnLst>
+                          </p:cTn>
+                        </p:par>
+                      </p:childTnLst>
+                    </p:cTn>
+                  </p:par>
+                  <p:par>
+                    <p:cTn id="21" fill="hold">
+                      <p:stCondLst>
+                        <p:cond delay="indefinite"/>
+                      </p:stCondLst>
+                      <p:childTnLst>
+                        <p:par>
+                          <p:cTn id="22" fill="hold">
+                            <p:stCondLst>
+                              <p:cond delay="0"/>
+                            </p:stCondLst>
+                            <p:childTnLst>
+                              <p:par>
+                                <p:cTn id="23" presetID="2" presetClass="entr" presetSubtype="4" fill="hold" grpId="0" nodeType="clickEffect">
+                                  <p:stCondLst>
+                                    <p:cond delay="0"/>
+                                  </p:stCondLst>
+                                  <p:childTnLst>
+                                    <p:set>
+                                      <p:cBhvr>
+                                        <p:cTn id="24" dur="1" fill="hold">
+                                          <p:stCondLst>
+                                            <p:cond delay="0"/>
+                                          </p:stCondLst>
+                                        </p:cTn>
+                                        <p:tgtEl>
+                                          <p:spTgt spid="2">
+                                            <p:txEl>
+                                              <p:pRg st="3" end="3"/>
+                                            </p:txEl>
+                                          </p:spTgt>
+                                        </p:tgtEl>
+                                        <p:attrNameLst>
+                                          <p:attrName>style.visibility</p:attrName>
+                                        </p:attrNameLst>
+                                      </p:cBhvr>
+                                      <p:to>
+                                        <p:strVal val="visible"/>
+                                      </p:to>
+                                    </p:set>
+                                    <p:anim calcmode="lin" valueType="num">
+                                      <p:cBhvr additive="base">
+                                        <p:cTn id="25" dur="500" fill="hold"/>
+                                        <p:tgtEl>
+                                          <p:spTgt spid="2">
+                                            <p:txEl>
+                                              <p:pRg st="3" end="3"/>
+                                            </p:txEl>
+                                          </p:spTgt>
+                                        </p:tgtEl>
+                                        <p:attrNameLst>
+                                          <p:attrName>ppt_x</p:attrName>
+                                        </p:attrNameLst>
+                                      </p:cBhvr>
+                                      <p:tavLst>
+                                        <p:tav tm="0">
+                                          <p:val>
+                                            <p:strVal val="#ppt_x"/>
+                                          </p:val>
+                                        </p:tav>
+                                        <p:tav tm="100000">
+                                          <p:val>
+                                            <p:strVal val="#ppt_x"/>
+                                          </p:val>
+                                        </p:tav>
+                                      </p:tavLst>
+                                    </p:anim>
+                                    <p:anim calcmode="lin" valueType="num">
+                                      <p:cBhvr additive="base">
+                                        <p:cTn id="26" dur="500" fill="hold"/>
+                                        <p:tgtEl>
+                                          <p:spTgt spid="2">
+                                            <p:txEl>
+                                              <p:pRg st="3" end="3"/>
+                                            </p:txEl>
+                                          </p:spTgt>
+                                        </p:tgtEl>
+                                        <p:attrNameLst>
+                                          <p:attrName>ppt_y</p:attrName>
+                                        </p:attrNameLst>
+                                      </p:cBhvr>
+                                      <p:tavLst>
+                                        <p:tav tm="0">
+                                          <p:val>
+                                            <p:strVal val="1+#ppt_h/2"/>
+                                          </p:val>
+                                        </p:tav>
+                                        <p:tav tm="100000">
+                                          <p:val>
+                                            <p:strVal val="#ppt_y"/>
+                                          </p:val>
+                                        </p:tav>
+                                      </p:tavLst>
+                                    </p:anim>
+                                  </p:childTnLst>
+                                </p:cTn>
+                              </p:par>
+                            </p:childTnLst>
+                          </p:cTn>
+                        </p:par>
+                      </p:childTnLst>
+                    </p:cTn>
+                  </p:par>
+                  <p:par>
+                    <p:cTn id="27" fill="hold">
+                      <p:stCondLst>
+                        <p:cond delay="indefinite"/>
+                      </p:stCondLst>
+                      <p:childTnLst>
+                        <p:par>
+                          <p:cTn id="28" fill="hold">
+                            <p:stCondLst>
+                              <p:cond delay="0"/>
+                            </p:stCondLst>
+                            <p:childTnLst>
+                              <p:par>
+                                <p:cTn id="29" presetID="2" presetClass="entr" presetSubtype="4" fill="hold" grpId="0" nodeType="clickEffect">
+                                  <p:stCondLst>
+                                    <p:cond delay="0"/>
+                                  </p:stCondLst>
+                                  <p:childTnLst>
+                                    <p:set>
+                                      <p:cBhvr>
+                                        <p:cTn id="30" dur="1" fill="hold">
+                                          <p:stCondLst>
+                                            <p:cond delay="0"/>
+                                          </p:stCondLst>
+                                        </p:cTn>
+                                        <p:tgtEl>
+                                          <p:spTgt spid="2">
+                                            <p:txEl>
+                                              <p:pRg st="4" end="4"/>
+                                            </p:txEl>
+                                          </p:spTgt>
+                                        </p:tgtEl>
+                                        <p:attrNameLst>
+                                          <p:attrName>style.visibility</p:attrName>
+                                        </p:attrNameLst>
+                                      </p:cBhvr>
+                                      <p:to>
+                                        <p:strVal val="visible"/>
+                                      </p:to>
+                                    </p:set>
+                                    <p:anim calcmode="lin" valueType="num">
+                                      <p:cBhvr additive="base">
+                                        <p:cTn id="31" dur="500" fill="hold"/>
+                                        <p:tgtEl>
+                                          <p:spTgt spid="2">
+                                            <p:txEl>
+                                              <p:pRg st="4" end="4"/>
+                                            </p:txEl>
+                                          </p:spTgt>
+                                        </p:tgtEl>
+                                        <p:attrNameLst>
+                                          <p:attrName>ppt_x</p:attrName>
+                                        </p:attrNameLst>
+                                      </p:cBhvr>
+                                      <p:tavLst>
+                                        <p:tav tm="0">
+                                          <p:val>
+                                            <p:strVal val="#ppt_x"/>
+                                          </p:val>
+                                        </p:tav>
+                                        <p:tav tm="100000">
+                                          <p:val>
+                                            <p:strVal val="#ppt_x"/>
+                                          </p:val>
+                                        </p:tav>
+                                      </p:tavLst>
+                                    </p:anim>
+                                    <p:anim calcmode="lin" valueType="num">
+                                      <p:cBhvr additive="base">
+                                        <p:cTn id="32" dur="500" fill="hold"/>
+                                        <p:tgtEl>
+                                          <p:spTgt spid="2">
+                                            <p:txEl>
+                                              <p:pRg st="4" end="4"/>
+                                            </p:txEl>
+                                          </p:spTgt>
+                                        </p:tgtEl>
+                                        <p:attrNameLst>
+                                          <p:attrName>ppt_y</p:attrName>
+                                        </p:attrNameLst>
+                                      </p:cBhvr>
+                                      <p:tavLst>
+                                        <p:tav tm="0">
+                                          <p:val>
+                                            <p:strVal val="1+#ppt_h/2"/>
+                                          </p:val>
+                                        </p:tav>
+                                        <p:tav tm="100000">
+                                          <p:val>
+                                            <p:strVal val="#ppt_y"/>
+                                          </p:val>
+                                        </p:tav>
+                                      </p:tavLst>
+                                    </p:anim>
+                                  </p:childTnLst>
+                                </p:cTn>
+                              </p:par>
+                            </p:childTnLst>
+                          </p:cTn>
+                        </p:par>
+                      </p:childTnLst>
+                    </p:cTn>
+                  </p:par>
+                </p:childTnLst>
+              </p:cTn>
+              <p:prevCondLst>
+                <p:cond evt="onPrev" delay="0">
+                  <p:tgtEl>
+                    <p:sldTgt/>
+                  </p:tgtEl>
+                </p:cond>
+              </p:prevCondLst>
+              <p:nextCondLst>
+                <p:cond evt="onNext" delay="0">
+                  <p:tgtEl>
+                    <p:sldTgt/>
+                  </p:tgtEl>
+                </p:cond>
+              </p:nextCondLst>
+            </p:seq>
+          </p:childTnLst>
+        </p:cTn>
+      </p:par>
+    </p:tnLst>
+    <p:bldLst>
+      <p:bldP spid="2" grpId="0" build="p"/>
+    </p:bldLst>
+  </p:timing>
+</p:sld>
+</file>
+
+<file path=ppt/slides/slide6.xml><?xml version="1.0" encoding="utf-8"?>
+<p:sld xmlns:a="http://schemas.openxmlformats.org/drawingml/2006/main" xmlns:r="http://schemas.openxmlformats.org/officeDocument/2006/relationships" xmlns:p="http://schemas.openxmlformats.org/presentationml/2006/main">
+  <p:cSld>
+    <p:spTree>
+      <p:nvGrpSpPr>
+        <p:cNvPr id="1" name=""/>
+        <p:cNvGrpSpPr/>
+        <p:nvPr/>
+      </p:nvGrpSpPr>
+      <p:grpSpPr>
+        <a:xfrm>
+          <a:off x="0" y="0"/>
+          <a:ext cx="0" cy="0"/>
+          <a:chOff x="0" y="0"/>
+          <a:chExt cx="0" cy="0"/>
+        </a:xfrm>
+      </p:grpSpPr>
+      <p:sp>
+        <p:nvSpPr>
+          <p:cNvPr id="2" name="Text Placeholder 1">
+            <a:extLst>
+              <a:ext uri="{FF2B5EF4-FFF2-40B4-BE49-F238E27FC236}">
+                <a16:creationId xmlns:a16="http://schemas.microsoft.com/office/drawing/2014/main" id="{960FFC59-8FAD-4533-AA98-E8CA10E3C452}"/>
+              </a:ext>
+            </a:extLst>
+          </p:cNvPr>
+          <p:cNvSpPr>
+            <a:spLocks noGrp="1"/>
+          </p:cNvSpPr>
+          <p:nvPr>
+            <p:ph type="body" sz="quarter" idx="11"/>
+          </p:nvPr>
+        </p:nvSpPr>
+        <p:spPr>
+          <a:xfrm>
+            <a:off x="491894" y="1561215"/>
+            <a:ext cx="6626225" cy="1289098"/>
+          </a:xfrm>
+        </p:spPr>
+        <p:txBody>
+          <a:bodyPr vert="horz" lIns="91440" tIns="45720" rIns="91440" bIns="45720" rtlCol="0" anchor="t">
+            <a:normAutofit/>
+          </a:bodyPr>
+          <a:lstStyle/>
+          <a:p>
+            <a:r>
+              <a:rPr lang="en-US" sz="2800"/>
+              <a:t>Positive experiences</a:t>
+            </a:r>
+          </a:p>
+          <a:p>
+            <a:r>
+              <a:rPr lang="en-US" sz="2800"/>
+              <a:t>Improved possibilities</a:t>
+            </a:r>
+          </a:p>
+        </p:txBody>
+      </p:sp>
+      <p:sp>
+        <p:nvSpPr>
+          <p:cNvPr id="3" name="Slide Number Placeholder 2">
+            <a:extLst>
+              <a:ext uri="{FF2B5EF4-FFF2-40B4-BE49-F238E27FC236}">
+                <a16:creationId xmlns:a16="http://schemas.microsoft.com/office/drawing/2014/main" id="{C19BB83B-0C08-4768-8E18-43CCF976607D}"/>
+              </a:ext>
+            </a:extLst>
+          </p:cNvPr>
+          <p:cNvSpPr>
+            <a:spLocks noGrp="1"/>
+          </p:cNvSpPr>
+          <p:nvPr>
+            <p:ph type="sldNum" sz="quarter" idx="12"/>
+          </p:nvPr>
+        </p:nvSpPr>
+        <p:spPr/>
+        <p:txBody>
+          <a:bodyPr/>
+          <a:lstStyle/>
+          <a:p>
+            <a:fld id="{E21FFC3D-594F-4CAE-AAA5-4C3555641468}" type="slidenum">
+              <a:rPr lang="sv-SE" smtClean="0"/>
+              <a:pPr/>
+              <a:t>6</a:t>
+            </a:fld>
+            <a:endParaRPr lang="sv-SE"/>
+          </a:p>
+        </p:txBody>
+      </p:sp>
+      <p:sp>
+        <p:nvSpPr>
+          <p:cNvPr id="4" name="Title 3">
+            <a:extLst>
+              <a:ext uri="{FF2B5EF4-FFF2-40B4-BE49-F238E27FC236}">
+                <a16:creationId xmlns:a16="http://schemas.microsoft.com/office/drawing/2014/main" id="{B00BEC99-BF76-492F-8A1D-C7DC6A6F9565}"/>
+              </a:ext>
+            </a:extLst>
+          </p:cNvPr>
+          <p:cNvSpPr>
+            <a:spLocks noGrp="1"/>
+          </p:cNvSpPr>
+          <p:nvPr>
+            <p:ph type="title"/>
+          </p:nvPr>
+        </p:nvSpPr>
+        <p:spPr/>
+        <p:txBody>
+          <a:bodyPr/>
+          <a:lstStyle/>
+          <a:p>
+            <a:r>
+              <a:rPr lang="en-US"/>
+              <a:t>Results and experiences</a:t>
+            </a:r>
+          </a:p>
+        </p:txBody>
+      </p:sp>
+      <p:pic>
+        <p:nvPicPr>
+          <p:cNvPr id="5" name="Picture 5">
+            <a:extLst>
+              <a:ext uri="{FF2B5EF4-FFF2-40B4-BE49-F238E27FC236}">
+                <a16:creationId xmlns:a16="http://schemas.microsoft.com/office/drawing/2014/main" id="{E114E259-A98B-46DF-9E1B-445559131C2D}"/>
+              </a:ext>
+            </a:extLst>
+          </p:cNvPr>
+          <p:cNvPicPr>
+            <a:picLocks noChangeAspect="1"/>
+          </p:cNvPicPr>
+          <p:nvPr/>
+        </p:nvPicPr>
+        <p:blipFill>
+          <a:blip r:embed="rId2"/>
+          <a:stretch>
+            <a:fillRect/>
+          </a:stretch>
+        </p:blipFill>
+        <p:spPr>
+          <a:xfrm>
+            <a:off x="2266466" y="3058249"/>
+            <a:ext cx="4050204" cy="2306238"/>
+          </a:xfrm>
+          <a:prstGeom prst="rect">
+            <a:avLst/>
+          </a:prstGeom>
+        </p:spPr>
+      </p:pic>
+    </p:spTree>
+    <p:extLst>
+      <p:ext uri="{BB962C8B-B14F-4D97-AF65-F5344CB8AC3E}">
+        <p14:creationId xmlns:p14="http://schemas.microsoft.com/office/powerpoint/2010/main" val="2409339484"/>
+      </p:ext>
+    </p:extLst>
+  </p:cSld>
+  <p:clrMapOvr>
+    <a:masterClrMapping/>
+  </p:clrMapOvr>
+  <p:timing>
+    <p:tnLst>
+      <p:par>
+        <p:cTn id="1" dur="indefinite" restart="never" nodeType="tmRoot">
+          <p:childTnLst>
+            <p:seq concurrent="1" nextAc="seek">
+              <p:cTn id="2" dur="indefinite" nodeType="mainSeq">
+                <p:childTnLst>
+                  <p:par>
+                    <p:cTn id="3" fill="hold">
+                      <p:stCondLst>
+                        <p:cond delay="indefinite"/>
+                      </p:stCondLst>
+                      <p:childTnLst>
+                        <p:par>
+                          <p:cTn id="4" fill="hold">
+                            <p:stCondLst>
+                              <p:cond delay="0"/>
+                            </p:stCondLst>
+                            <p:childTnLst>
+                              <p:par>
+                                <p:cTn id="5" presetID="2" presetClass="entr" presetSubtype="4" fill="hold" grpId="0" nodeType="clickEffect">
+                                  <p:stCondLst>
+                                    <p:cond delay="0"/>
+                                  </p:stCondLst>
+                                  <p:childTnLst>
+                                    <p:set>
+                                      <p:cBhvr>
+                                        <p:cTn id="6" dur="1" fill="hold">
+                                          <p:stCondLst>
+                                            <p:cond delay="0"/>
+                                          </p:stCondLst>
+                                        </p:cTn>
+                                        <p:tgtEl>
+                                          <p:spTgt spid="2">
+                                            <p:txEl>
+                                              <p:pRg st="0" end="0"/>
+                                            </p:txEl>
+                                          </p:spTgt>
+                                        </p:tgtEl>
+                                        <p:attrNameLst>
+                                          <p:attrName>style.visibility</p:attrName>
+                                        </p:attrNameLst>
+                                      </p:cBhvr>
+                                      <p:to>
+                                        <p:strVal val="visible"/>
+                                      </p:to>
+                                    </p:set>
+                                    <p:anim calcmode="lin" valueType="num">
+                                      <p:cBhvr additive="base">
+                                        <p:cTn id="7" dur="500" fill="hold"/>
+                                        <p:tgtEl>
+                                          <p:spTgt spid="2">
+                                            <p:txEl>
+                                              <p:pRg st="0" end="0"/>
+                                            </p:txEl>
+                                          </p:spTgt>
+                                        </p:tgtEl>
+                                        <p:attrNameLst>
+                                          <p:attrName>ppt_x</p:attrName>
+                                        </p:attrNameLst>
+                                      </p:cBhvr>
+                                      <p:tavLst>
+                                        <p:tav tm="0">
+                                          <p:val>
+                                            <p:strVal val="#ppt_x"/>
+                                          </p:val>
+                                        </p:tav>
+                                        <p:tav tm="100000">
+                                          <p:val>
+                                            <p:strVal val="#ppt_x"/>
+                                          </p:val>
+                                        </p:tav>
+                                      </p:tavLst>
+                                    </p:anim>
+                                    <p:anim calcmode="lin" valueType="num">
+                                      <p:cBhvr additive="base">
+                                        <p:cTn id="8" dur="500" fill="hold"/>
+                                        <p:tgtEl>
+                                          <p:spTgt spid="2">
+                                            <p:txEl>
+                                              <p:pRg st="0" end="0"/>
+                                            </p:txEl>
+                                          </p:spTgt>
+                                        </p:tgtEl>
+                                        <p:attrNameLst>
+                                          <p:attrName>ppt_y</p:attrName>
+                                        </p:attrNameLst>
+                                      </p:cBhvr>
+                                      <p:tavLst>
+                                        <p:tav tm="0">
+                                          <p:val>
+                                            <p:strVal val="1+#ppt_h/2"/>
+                                          </p:val>
+                                        </p:tav>
+                                        <p:tav tm="100000">
+                                          <p:val>
+                                            <p:strVal val="#ppt_y"/>
+                                          </p:val>
+                                        </p:tav>
+                                      </p:tavLst>
+                                    </p:anim>
+                                  </p:childTnLst>
+                                </p:cTn>
+                              </p:par>
+                            </p:childTnLst>
+                          </p:cTn>
+                        </p:par>
+                      </p:childTnLst>
+                    </p:cTn>
+                  </p:par>
+                  <p:par>
+                    <p:cTn id="9" fill="hold">
+                      <p:stCondLst>
+                        <p:cond delay="indefinite"/>
+                      </p:stCondLst>
+                      <p:childTnLst>
+                        <p:par>
+                          <p:cTn id="10" fill="hold">
+                            <p:stCondLst>
+                              <p:cond delay="0"/>
+                            </p:stCondLst>
+                            <p:childTnLst>
+                              <p:par>
+                                <p:cTn id="11" presetID="2" presetClass="entr" presetSubtype="4" fill="hold" grpId="0" nodeType="clickEffect">
+                                  <p:stCondLst>
+                                    <p:cond delay="0"/>
+                                  </p:stCondLst>
+                                  <p:childTnLst>
+                                    <p:set>
+                                      <p:cBhvr>
+                                        <p:cTn id="12" dur="1" fill="hold">
+                                          <p:stCondLst>
+                                            <p:cond delay="0"/>
+                                          </p:stCondLst>
+                                        </p:cTn>
+                                        <p:tgtEl>
+                                          <p:spTgt spid="2">
+                                            <p:txEl>
+                                              <p:pRg st="1" end="1"/>
+                                            </p:txEl>
+                                          </p:spTgt>
+                                        </p:tgtEl>
+                                        <p:attrNameLst>
+                                          <p:attrName>style.visibility</p:attrName>
+                                        </p:attrNameLst>
+                                      </p:cBhvr>
+                                      <p:to>
+                                        <p:strVal val="visible"/>
+                                      </p:to>
+                                    </p:set>
+                                    <p:anim calcmode="lin" valueType="num">
+                                      <p:cBhvr additive="base">
+                                        <p:cTn id="13" dur="500" fill="hold"/>
+                                        <p:tgtEl>
+                                          <p:spTgt spid="2">
+                                            <p:txEl>
+                                              <p:pRg st="1" end="1"/>
+                                            </p:txEl>
+                                          </p:spTgt>
+                                        </p:tgtEl>
+                                        <p:attrNameLst>
+                                          <p:attrName>ppt_x</p:attrName>
+                                        </p:attrNameLst>
+                                      </p:cBhvr>
+                                      <p:tavLst>
+                                        <p:tav tm="0">
+                                          <p:val>
+                                            <p:strVal val="#ppt_x"/>
+                                          </p:val>
+                                        </p:tav>
+                                        <p:tav tm="100000">
+                                          <p:val>
+                                            <p:strVal val="#ppt_x"/>
+                                          </p:val>
+                                        </p:tav>
+                                      </p:tavLst>
+                                    </p:anim>
+                                    <p:anim calcmode="lin" valueType="num">
+                                      <p:cBhvr additive="base">
+                                        <p:cTn id="14" dur="500" fill="hold"/>
+                                        <p:tgtEl>
+                                          <p:spTgt spid="2">
+                                            <p:txEl>
+                                              <p:pRg st="1" end="1"/>
+                                            </p:txEl>
+                                          </p:spTgt>
+                                        </p:tgtEl>
+                                        <p:attrNameLst>
+                                          <p:attrName>ppt_y</p:attrName>
+                                        </p:attrNameLst>
+                                      </p:cBhvr>
+                                      <p:tavLst>
+                                        <p:tav tm="0">
+                                          <p:val>
+                                            <p:strVal val="1+#ppt_h/2"/>
+                                          </p:val>
+                                        </p:tav>
+                                        <p:tav tm="100000">
+                                          <p:val>
+                                            <p:strVal val="#ppt_y"/>
+                                          </p:val>
+                                        </p:tav>
+                                      </p:tavLst>
+                                    </p:anim>
+                                  </p:childTnLst>
+                                </p:cTn>
+                              </p:par>
+                            </p:childTnLst>
+                          </p:cTn>
+                        </p:par>
+                      </p:childTnLst>
+                    </p:cTn>
+                  </p:par>
+                </p:childTnLst>
+              </p:cTn>
+              <p:prevCondLst>
+                <p:cond evt="onPrev" delay="0">
+                  <p:tgtEl>
+                    <p:sldTgt/>
+                  </p:tgtEl>
+                </p:cond>
+              </p:prevCondLst>
+              <p:nextCondLst>
+                <p:cond evt="onNext" delay="0">
+                  <p:tgtEl>
+                    <p:sldTgt/>
+                  </p:tgtEl>
+                </p:cond>
+              </p:nextCondLst>
+            </p:seq>
+          </p:childTnLst>
+        </p:cTn>
+      </p:par>
+    </p:tnLst>
+    <p:bldLst>
+      <p:bldP spid="2" grpId="0" build="p"/>
+    </p:bldLst>
+  </p:timing>
+</p:sld>
+</file>
+
+<file path=ppt/slides/slide7.xml><?xml version="1.0" encoding="utf-8"?>
+<p:sld xmlns:a="http://schemas.openxmlformats.org/drawingml/2006/main" xmlns:r="http://schemas.openxmlformats.org/officeDocument/2006/relationships" xmlns:p="http://schemas.openxmlformats.org/presentationml/2006/main">
+  <p:cSld>
+    <p:spTree>
+      <p:nvGrpSpPr>
+        <p:cNvPr id="1" name=""/>
+        <p:cNvGrpSpPr/>
+        <p:nvPr/>
+      </p:nvGrpSpPr>
+      <p:grpSpPr>
+        <a:xfrm>
+          <a:off x="0" y="0"/>
+          <a:ext cx="0" cy="0"/>
+          <a:chOff x="0" y="0"/>
+          <a:chExt cx="0" cy="0"/>
+        </a:xfrm>
+      </p:grpSpPr>
+      <p:sp>
+        <p:nvSpPr>
+          <p:cNvPr id="2" name="Text Placeholder 1">
+            <a:extLst>
+              <a:ext uri="{FF2B5EF4-FFF2-40B4-BE49-F238E27FC236}">
+                <a16:creationId xmlns:a16="http://schemas.microsoft.com/office/drawing/2014/main" id="{33FEAFBD-4A64-4A49-9C91-51F88E9FDA6C}"/>
+              </a:ext>
+            </a:extLst>
+          </p:cNvPr>
+          <p:cNvSpPr>
+            <a:spLocks noGrp="1"/>
+          </p:cNvSpPr>
+          <p:nvPr>
+            <p:ph type="body" sz="quarter" idx="11"/>
+          </p:nvPr>
+        </p:nvSpPr>
+        <p:spPr/>
+        <p:txBody>
+          <a:bodyPr/>
+          <a:lstStyle/>
+          <a:p>
+            <a:pPr fontAlgn="base"/>
+            <a:r>
+              <a:rPr lang="en-US"/>
+              <a:t>Component diagram</a:t>
+            </a:r>
+          </a:p>
+          <a:p>
+            <a:pPr fontAlgn="base"/>
+            <a:r>
+              <a:rPr lang="en-US"/>
+              <a:t>Static structure – main functionality</a:t>
+            </a:r>
+          </a:p>
+          <a:p>
+            <a:pPr fontAlgn="base"/>
+            <a:r>
+              <a:rPr lang="en-US"/>
+              <a:t>Dynamic structure</a:t>
+            </a:r>
+          </a:p>
+          <a:p>
+            <a:endParaRPr lang="en-US"/>
+          </a:p>
+        </p:txBody>
+      </p:sp>
+      <p:sp>
+        <p:nvSpPr>
+          <p:cNvPr id="3" name="Slide Number Placeholder 2">
+            <a:extLst>
+              <a:ext uri="{FF2B5EF4-FFF2-40B4-BE49-F238E27FC236}">
+                <a16:creationId xmlns:a16="http://schemas.microsoft.com/office/drawing/2014/main" id="{9CB56BC7-42DA-4DAE-84D8-94861EA9BCD5}"/>
+              </a:ext>
+            </a:extLst>
+          </p:cNvPr>
+          <p:cNvSpPr>
+            <a:spLocks noGrp="1"/>
+          </p:cNvSpPr>
+          <p:nvPr>
+            <p:ph type="sldNum" sz="quarter" idx="12"/>
+          </p:nvPr>
+        </p:nvSpPr>
+        <p:spPr/>
+        <p:txBody>
+          <a:bodyPr/>
+          <a:lstStyle/>
+          <a:p>
+            <a:fld id="{E21FFC3D-594F-4CAE-AAA5-4C3555641468}" type="slidenum">
+              <a:rPr lang="sv-SE" smtClean="0"/>
+              <a:pPr/>
+              <a:t>7</a:t>
+            </a:fld>
+            <a:endParaRPr lang="sv-SE"/>
+          </a:p>
+        </p:txBody>
+      </p:sp>
+      <p:sp>
+        <p:nvSpPr>
+          <p:cNvPr id="4" name="Title 3">
+            <a:extLst>
+              <a:ext uri="{FF2B5EF4-FFF2-40B4-BE49-F238E27FC236}">
+                <a16:creationId xmlns:a16="http://schemas.microsoft.com/office/drawing/2014/main" id="{D42D7EF7-94F1-482D-806E-9F9B42DB51B6}"/>
+              </a:ext>
+            </a:extLst>
+          </p:cNvPr>
+          <p:cNvSpPr>
+            <a:spLocks noGrp="1"/>
+          </p:cNvSpPr>
+          <p:nvPr>
+            <p:ph type="title"/>
+          </p:nvPr>
+        </p:nvSpPr>
+        <p:spPr/>
+        <p:txBody>
+          <a:bodyPr>
+            <a:normAutofit fontScale="90000"/>
+          </a:bodyPr>
+          <a:lstStyle/>
+          <a:p>
+            <a:r>
+              <a:rPr lang="en-US"/>
+              <a:t>Design overview</a:t>
+            </a:r>
+            <a:br>
+              <a:rPr lang="en-US"/>
+            </a:br>
+            <a:endParaRPr lang="en-US"/>
+          </a:p>
+        </p:txBody>
+      </p:sp>
+    </p:spTree>
+    <p:extLst>
+      <p:ext uri="{BB962C8B-B14F-4D97-AF65-F5344CB8AC3E}">
+        <p14:creationId xmlns:p14="http://schemas.microsoft.com/office/powerpoint/2010/main" val="50336258"/>
+      </p:ext>
+    </p:extLst>
+  </p:cSld>
+  <p:clrMapOvr>
+    <a:masterClrMapping/>
+  </p:clrMapOvr>
+</p:sld>
+</file>
+
+<file path=ppt/slides/slide8.xml><?xml version="1.0" encoding="utf-8"?>
+<p:sld xmlns:a="http://schemas.openxmlformats.org/drawingml/2006/main" xmlns:r="http://schemas.openxmlformats.org/officeDocument/2006/relationships" xmlns:p="http://schemas.openxmlformats.org/presentationml/2006/main">
+  <p:cSld>
+    <p:spTree>
+      <p:nvGrpSpPr>
+        <p:cNvPr id="1" name=""/>
+        <p:cNvGrpSpPr/>
+        <p:nvPr/>
+      </p:nvGrpSpPr>
+      <p:grpSpPr>
+        <a:xfrm>
+          <a:off x="0" y="0"/>
+          <a:ext cx="0" cy="0"/>
+          <a:chOff x="0" y="0"/>
+          <a:chExt cx="0" cy="0"/>
+        </a:xfrm>
+      </p:grpSpPr>
+      <p:sp>
+        <p:nvSpPr>
+          <p:cNvPr id="2" name="Segnaposto numero diapositiva 1">
+            <a:extLst>
+              <a:ext uri="{FF2B5EF4-FFF2-40B4-BE49-F238E27FC236}">
+                <a16:creationId xmlns:a16="http://schemas.microsoft.com/office/drawing/2014/main" id="{547CA0C2-6898-43FF-96D6-583A190AB8DC}"/>
+              </a:ext>
+            </a:extLst>
+          </p:cNvPr>
+          <p:cNvSpPr>
+            <a:spLocks noGrp="1"/>
+          </p:cNvSpPr>
+          <p:nvPr>
+            <p:ph type="sldNum" sz="quarter" idx="10"/>
+          </p:nvPr>
+        </p:nvSpPr>
+        <p:spPr/>
+        <p:txBody>
+          <a:bodyPr/>
+          <a:lstStyle/>
+          <a:p>
+            <a:fld id="{E21FFC3D-594F-4CAE-AAA5-4C3555641468}" type="slidenum">
+              <a:rPr lang="sv-SE" smtClean="0"/>
+              <a:pPr/>
+              <a:t>8</a:t>
+            </a:fld>
+            <a:endParaRPr lang="sv-SE"/>
+          </a:p>
+        </p:txBody>
+      </p:sp>
+      <p:sp>
+        <p:nvSpPr>
+          <p:cNvPr id="3" name="Titolo 2">
+            <a:extLst>
+              <a:ext uri="{FF2B5EF4-FFF2-40B4-BE49-F238E27FC236}">
+                <a16:creationId xmlns:a16="http://schemas.microsoft.com/office/drawing/2014/main" id="{7001C690-927B-4312-BBDD-20D7E43CDC8F}"/>
+              </a:ext>
+            </a:extLst>
+          </p:cNvPr>
+          <p:cNvSpPr>
+            <a:spLocks noGrp="1"/>
+          </p:cNvSpPr>
+          <p:nvPr>
+            <p:ph type="title"/>
+          </p:nvPr>
+        </p:nvSpPr>
+        <p:spPr>
+          <a:xfrm>
+            <a:off x="1250096" y="416616"/>
+            <a:ext cx="6552728" cy="545285"/>
+          </a:xfrm>
+        </p:spPr>
+        <p:txBody>
+          <a:bodyPr>
+            <a:normAutofit fontScale="90000"/>
+          </a:bodyPr>
+          <a:lstStyle/>
+          <a:p>
+            <a:r>
+              <a:rPr lang="en-US"/>
+              <a:t>Component diagram</a:t>
+            </a:r>
+          </a:p>
+        </p:txBody>
+      </p:sp>
+      <p:pic>
+        <p:nvPicPr>
+          <p:cNvPr id="6" name="Immagine 6">
+            <a:extLst>
+              <a:ext uri="{FF2B5EF4-FFF2-40B4-BE49-F238E27FC236}">
+                <a16:creationId xmlns:a16="http://schemas.microsoft.com/office/drawing/2014/main" id="{D4006E8C-1A88-4A90-8B08-7AD4BB03B944}"/>
+              </a:ext>
+            </a:extLst>
+          </p:cNvPr>
+          <p:cNvPicPr/>
+          <p:nvPr/>
+        </p:nvPicPr>
+        <p:blipFill>
+          <a:blip r:embed="rId2" cstate="print">
+            <a:extLst>
+              <a:ext uri="{28A0092B-C50C-407E-A947-70E740481C1C}">
+                <a14:useLocalDpi xmlns:a14="http://schemas.microsoft.com/office/drawing/2010/main" val="0"/>
+              </a:ext>
+            </a:extLst>
+          </a:blip>
+          <a:stretch>
+            <a:fillRect/>
+          </a:stretch>
+        </p:blipFill>
+        <p:spPr>
+          <a:xfrm>
+            <a:off x="213756" y="1045030"/>
+            <a:ext cx="7885215" cy="4392758"/>
+          </a:xfrm>
+          <a:prstGeom prst="rect">
+            <a:avLst/>
+          </a:prstGeom>
+        </p:spPr>
+      </p:pic>
+    </p:spTree>
+    <p:extLst>
+      <p:ext uri="{BB962C8B-B14F-4D97-AF65-F5344CB8AC3E}">
+        <p14:creationId xmlns:p14="http://schemas.microsoft.com/office/powerpoint/2010/main" val="3809576940"/>
+      </p:ext>
+    </p:extLst>
+  </p:cSld>
+  <p:clrMapOvr>
+    <a:masterClrMapping/>
+  </p:clrMapOvr>
+</p:sld>
+</file>
+
+<file path=ppt/slides/slide9.xml><?xml version="1.0" encoding="utf-8"?>
+<p:sld xmlns:a="http://schemas.openxmlformats.org/drawingml/2006/main" xmlns:r="http://schemas.openxmlformats.org/officeDocument/2006/relationships" xmlns:p="http://schemas.openxmlformats.org/presentationml/2006/main">
+  <p:cSld>
+    <p:spTree>
+      <p:nvGrpSpPr>
+        <p:cNvPr id="1" name=""/>
+        <p:cNvGrpSpPr/>
+        <p:nvPr/>
+      </p:nvGrpSpPr>
+      <p:grpSpPr>
+        <a:xfrm>
+          <a:off x="0" y="0"/>
+          <a:ext cx="0" cy="0"/>
+          <a:chOff x="0" y="0"/>
+          <a:chExt cx="0" cy="0"/>
+        </a:xfrm>
+      </p:grpSpPr>
+      <p:sp>
+        <p:nvSpPr>
+          <p:cNvPr id="2" name="Rubrik 1"/>
+          <p:cNvSpPr>
+            <a:spLocks noGrp="1"/>
+          </p:cNvSpPr>
+          <p:nvPr>
+            <p:ph type="title"/>
+          </p:nvPr>
+        </p:nvSpPr>
+        <p:spPr>
+          <a:xfrm>
+            <a:off x="1268424" y="416615"/>
+            <a:ext cx="7594221" cy="652164"/>
+          </a:xfrm>
+        </p:spPr>
+        <p:txBody>
+          <a:bodyPr>
+            <a:normAutofit fontScale="90000"/>
+          </a:bodyPr>
+          <a:lstStyle/>
+          <a:p>
+            <a:pPr>
+              <a:spcBef>
+                <a:spcPts val="1400"/>
+              </a:spcBef>
+            </a:pPr>
+            <a:r>
+              <a:rPr lang="en-US"/>
+              <a:t>Static structure – main functionality</a:t>
+            </a:r>
+          </a:p>
+        </p:txBody>
+      </p:sp>
+      <p:sp>
+        <p:nvSpPr>
+          <p:cNvPr id="3" name="Platshållare för bildnummer 2"/>
+          <p:cNvSpPr>
+            <a:spLocks noGrp="1"/>
+          </p:cNvSpPr>
+          <p:nvPr>
+            <p:ph type="sldNum" sz="quarter" idx="12"/>
+          </p:nvPr>
+        </p:nvSpPr>
+        <p:spPr/>
+        <p:txBody>
+          <a:bodyPr/>
+          <a:lstStyle/>
+          <a:p>
+            <a:fld id="{E21FFC3D-594F-4CAE-AAA5-4C3555641468}" type="slidenum">
+              <a:rPr lang="sv-SE" smtClean="0"/>
+              <a:pPr/>
+              <a:t>9</a:t>
+            </a:fld>
+            <a:endParaRPr lang="sv-SE"/>
+          </a:p>
+        </p:txBody>
+      </p:sp>
+      <p:pic>
+        <p:nvPicPr>
+          <p:cNvPr id="7" name="Picture 6">
+            <a:extLst>
+              <a:ext uri="{FF2B5EF4-FFF2-40B4-BE49-F238E27FC236}">
+                <a16:creationId xmlns:a16="http://schemas.microsoft.com/office/drawing/2014/main" id="{254A49F7-B872-48C5-AE5F-C3A729D36A6F}"/>
+              </a:ext>
+            </a:extLst>
+          </p:cNvPr>
+          <p:cNvPicPr>
+            <a:picLocks noChangeAspect="1"/>
+          </p:cNvPicPr>
+          <p:nvPr/>
+        </p:nvPicPr>
+        <p:blipFill>
+          <a:blip r:embed="rId2">
+            <a:extLst>
+              <a:ext uri="{28A0092B-C50C-407E-A947-70E740481C1C}">
+                <a14:useLocalDpi xmlns:a14="http://schemas.microsoft.com/office/drawing/2010/main" val="0"/>
+              </a:ext>
+            </a:extLst>
+          </a:blip>
+          <a:stretch>
+            <a:fillRect/>
+          </a:stretch>
+        </p:blipFill>
+        <p:spPr>
+          <a:xfrm>
+            <a:off x="457201" y="1068780"/>
+            <a:ext cx="7744947" cy="4369007"/>
+          </a:xfrm>
+          <a:prstGeom prst="rect">
+            <a:avLst/>
+          </a:prstGeom>
+        </p:spPr>
+      </p:pic>
+    </p:spTree>
+    <p:extLst>
+      <p:ext uri="{BB962C8B-B14F-4D97-AF65-F5344CB8AC3E}">
+        <p14:creationId xmlns:p14="http://schemas.microsoft.com/office/powerpoint/2010/main" val="1846452602"/>
       </p:ext>
     </p:extLst>
   </p:cSld>
@@ -4999,6 +7152,15 @@
 </file>
 
 <file path=customXml/item1.xml><?xml version="1.0" encoding="utf-8"?>
+<?mso-contentType ?>
+<FormTemplates xmlns="http://schemas.microsoft.com/sharepoint/v3/contenttype/forms">
+  <Display>DocumentLibraryForm</Display>
+  <Edit>DocumentLibraryForm</Edit>
+  <New>DocumentLibraryForm</New>
+</FormTemplates>
+</file>
+
+<file path=customXml/item2.xml><?xml version="1.0" encoding="utf-8"?>
 <ct:contentTypeSchema xmlns:ct="http://schemas.microsoft.com/office/2006/metadata/contentType" xmlns:ma="http://schemas.microsoft.com/office/2006/metadata/properties/metaAttributes" ct:_="" ma:_="" ma:contentTypeName="dokument" ma:contentTypeID="0x0101009FC9B7818685AC4C8BF1C5D803D22D38" ma:contentTypeVersion="4" ma:contentTypeDescription="Skapa ett nytt dokument." ma:contentTypeScope="" ma:versionID="60bbc3b1a9c973cd3894129027001199">
   <xsd:schema xmlns:xsd="http://www.w3.org/2001/XMLSchema" xmlns:xs="http://www.w3.org/2001/XMLSchema" xmlns:p="http://schemas.microsoft.com/office/2006/metadata/properties" xmlns:ns2="bede0427-9fc0-4912-bf84-71ad09034475" targetNamespace="http://schemas.microsoft.com/office/2006/metadata/properties" ma:root="true" ma:fieldsID="a4cf56315bb904ce89c7f1752eaa6b2e" ns2:_="">
     <xsd:import namespace="bede0427-9fc0-4912-bf84-71ad09034475"/>
@@ -5144,15 +7306,6 @@
 </ct:contentTypeSchema>
 </file>
 
-<file path=customXml/item2.xml><?xml version="1.0" encoding="utf-8"?>
-<?mso-contentType ?>
-<FormTemplates xmlns="http://schemas.microsoft.com/sharepoint/v3/contenttype/forms">
-  <Display>DocumentLibraryForm</Display>
-  <Edit>DocumentLibraryForm</Edit>
-  <New>DocumentLibraryForm</New>
-</FormTemplates>
-</file>
-
 <file path=customXml/item3.xml><?xml version="1.0" encoding="utf-8"?>
 <p:properties xmlns:p="http://schemas.microsoft.com/office/2006/metadata/properties" xmlns:xsi="http://www.w3.org/2001/XMLSchema-instance" xmlns:pc="http://schemas.microsoft.com/office/infopath/2007/PartnerControls">
   <documentManagement/>
@@ -5160,24 +7313,6 @@
 </file>
 
 <file path=customXml/itemProps1.xml><?xml version="1.0" encoding="utf-8"?>
-<ds:datastoreItem xmlns:ds="http://schemas.openxmlformats.org/officeDocument/2006/customXml" ds:itemID="{C7D1690C-20A7-4E23-9054-CB8C3BBB48C1}">
-  <ds:schemaRefs>
-    <ds:schemaRef ds:uri="http://schemas.microsoft.com/office/2006/metadata/contentType"/>
-    <ds:schemaRef ds:uri="http://schemas.microsoft.com/office/2006/metadata/properties/metaAttributes"/>
-    <ds:schemaRef ds:uri="http://www.w3.org/2001/XMLSchema"/>
-    <ds:schemaRef ds:uri="http://schemas.microsoft.com/office/2006/metadata/properties"/>
-    <ds:schemaRef ds:uri="bede0427-9fc0-4912-bf84-71ad09034475"/>
-    <ds:schemaRef ds:uri="http://schemas.microsoft.com/office/2006/documentManagement/types"/>
-    <ds:schemaRef ds:uri="http://schemas.microsoft.com/office/infopath/2007/PartnerControls"/>
-    <ds:schemaRef ds:uri="http://schemas.openxmlformats.org/package/2006/metadata/core-properties"/>
-    <ds:schemaRef ds:uri="http://purl.org/dc/elements/1.1/"/>
-    <ds:schemaRef ds:uri="http://purl.org/dc/terms/"/>
-    <ds:schemaRef ds:uri="http://schemas.microsoft.com/internal/obd"/>
-  </ds:schemaRefs>
-</ds:datastoreItem>
-</file>
-
-<file path=customXml/itemProps2.xml><?xml version="1.0" encoding="utf-8"?>
 <ds:datastoreItem xmlns:ds="http://schemas.openxmlformats.org/officeDocument/2006/customXml" ds:itemID="{F8F5D623-6D96-48D4-A481-DC2FEC340789}">
   <ds:schemaRefs>
     <ds:schemaRef ds:uri="http://schemas.microsoft.com/sharepoint/v3/contenttype/forms"/>
@@ -5185,17 +7320,35 @@
 </ds:datastoreItem>
 </file>
 
+<file path=customXml/itemProps2.xml><?xml version="1.0" encoding="utf-8"?>
+<ds:datastoreItem xmlns:ds="http://schemas.openxmlformats.org/officeDocument/2006/customXml" ds:itemID="{ABD1A278-CF40-44F8-9A2A-0A68DD660628}">
+  <ds:schemaRefs>
+    <ds:schemaRef ds:uri="bede0427-9fc0-4912-bf84-71ad09034475"/>
+    <ds:schemaRef ds:uri="http://purl.org/dc/elements/1.1/"/>
+    <ds:schemaRef ds:uri="http://purl.org/dc/terms/"/>
+    <ds:schemaRef ds:uri="http://schemas.microsoft.com/internal/obd"/>
+    <ds:schemaRef ds:uri="http://schemas.microsoft.com/office/2006/documentManagement/types"/>
+    <ds:schemaRef ds:uri="http://schemas.microsoft.com/office/2006/metadata/contentType"/>
+    <ds:schemaRef ds:uri="http://schemas.microsoft.com/office/2006/metadata/properties"/>
+    <ds:schemaRef ds:uri="http://schemas.microsoft.com/office/2006/metadata/properties/metaAttributes"/>
+    <ds:schemaRef ds:uri="http://schemas.microsoft.com/office/infopath/2007/PartnerControls"/>
+    <ds:schemaRef ds:uri="http://schemas.openxmlformats.org/package/2006/metadata/core-properties"/>
+    <ds:schemaRef ds:uri="http://www.w3.org/2001/XMLSchema"/>
+  </ds:schemaRefs>
+</ds:datastoreItem>
+</file>
+
 <file path=customXml/itemProps3.xml><?xml version="1.0" encoding="utf-8"?>
 <ds:datastoreItem xmlns:ds="http://schemas.openxmlformats.org/officeDocument/2006/customXml" ds:itemID="{B911C5B1-EEBD-4425-9A3A-785922060D1A}">
   <ds:schemaRefs>
+    <ds:schemaRef ds:uri="bede0427-9fc0-4912-bf84-71ad09034475"/>
+    <ds:schemaRef ds:uri="http://purl.org/dc/dcmitype/"/>
+    <ds:schemaRef ds:uri="http://purl.org/dc/elements/1.1/"/>
+    <ds:schemaRef ds:uri="http://purl.org/dc/terms/"/>
+    <ds:schemaRef ds:uri="http://schemas.microsoft.com/office/2006/documentManagement/types"/>
+    <ds:schemaRef ds:uri="http://schemas.microsoft.com/office/2006/metadata/properties"/>
     <ds:schemaRef ds:uri="http://schemas.microsoft.com/office/infopath/2007/PartnerControls"/>
-    <ds:schemaRef ds:uri="http://schemas.microsoft.com/office/2006/documentManagement/types"/>
-    <ds:schemaRef ds:uri="http://purl.org/dc/elements/1.1/"/>
-    <ds:schemaRef ds:uri="http://schemas.microsoft.com/office/2006/metadata/properties"/>
-    <ds:schemaRef ds:uri="http://purl.org/dc/terms/"/>
     <ds:schemaRef ds:uri="http://schemas.openxmlformats.org/package/2006/metadata/core-properties"/>
-    <ds:schemaRef ds:uri="http://purl.org/dc/dcmitype/"/>
-    <ds:schemaRef ds:uri="bede0427-9fc0-4912-bf84-71ad09034475"/>
     <ds:schemaRef ds:uri="http://www.w3.org/XML/1998/namespace"/>
   </ds:schemaRefs>
 </ds:datastoreItem>
